--- a/Jelinek.pptx
+++ b/Jelinek.pptx
@@ -26,8 +26,8 @@
     <p:sldId id="259" r:id="rId17"/>
     <p:sldId id="260" r:id="rId18"/>
     <p:sldId id="263" r:id="rId19"/>
-    <p:sldId id="261" r:id="rId20"/>
-    <p:sldId id="262" r:id="rId21"/>
+    <p:sldId id="262" r:id="rId20"/>
+    <p:sldId id="261" r:id="rId21"/>
   </p:sldIdLst>
   <p:sldSz cx="12192000" cy="6858000"/>
   <p:notesSz cx="6858000" cy="9144000"/>
@@ -146,6 +146,205 @@
 </p:cmAuthorLst>
 </file>
 
+<file path=ppt/revisionInfo.xml><?xml version="1.0" encoding="utf-8"?>
+<p1510:revInfo xmlns:a="http://schemas.openxmlformats.org/drawingml/2006/main" xmlns:r="http://schemas.openxmlformats.org/officeDocument/2006/relationships" xmlns:p1510="http://schemas.microsoft.com/office/powerpoint/2015/10/main">
+  <p1510:revLst>
+    <p1510:client id="{B6683290-0DFB-48F3-8EA6-612140E53258}" v="4" dt="2023-01-19T19:42:35.068"/>
+  </p1510:revLst>
+</p1510:revInfo>
+</file>
+
+<file path=ppt/changesInfos/changesInfo1.xml><?xml version="1.0" encoding="utf-8"?>
+<pc:chgInfo xmlns:a="http://schemas.openxmlformats.org/drawingml/2006/main" xmlns:r="http://schemas.openxmlformats.org/officeDocument/2006/relationships" xmlns:ac="http://schemas.microsoft.com/office/drawing/2013/main/command" xmlns:pc="http://schemas.microsoft.com/office/powerpoint/2013/main/command">
+  <pc:docChgLst>
+    <pc:chgData name="Jelínek Ondřej" userId="d4ba8473-0481-49d3-a442-2ad11ee9f53e" providerId="ADAL" clId="{B6683290-0DFB-48F3-8EA6-612140E53258}"/>
+    <pc:docChg chg="undo redo custSel modSld sldOrd">
+      <pc:chgData name="Jelínek Ondřej" userId="d4ba8473-0481-49d3-a442-2ad11ee9f53e" providerId="ADAL" clId="{B6683290-0DFB-48F3-8EA6-612140E53258}" dt="2023-01-19T19:43:09.746" v="898" actId="14100"/>
+      <pc:docMkLst>
+        <pc:docMk/>
+      </pc:docMkLst>
+      <pc:sldChg chg="modSp mod">
+        <pc:chgData name="Jelínek Ondřej" userId="d4ba8473-0481-49d3-a442-2ad11ee9f53e" providerId="ADAL" clId="{B6683290-0DFB-48F3-8EA6-612140E53258}" dt="2023-01-19T19:22:17.008" v="706" actId="962"/>
+        <pc:sldMkLst>
+          <pc:docMk/>
+          <pc:sldMk cId="2369530798" sldId="256"/>
+        </pc:sldMkLst>
+        <pc:spChg chg="mod">
+          <ac:chgData name="Jelínek Ondřej" userId="d4ba8473-0481-49d3-a442-2ad11ee9f53e" providerId="ADAL" clId="{B6683290-0DFB-48F3-8EA6-612140E53258}" dt="2023-01-19T18:26:20.783" v="4" actId="403"/>
+          <ac:spMkLst>
+            <pc:docMk/>
+            <pc:sldMk cId="2369530798" sldId="256"/>
+            <ac:spMk id="3" creationId="{09A2922F-ACF3-4117-9B26-9DD71D53483A}"/>
+          </ac:spMkLst>
+        </pc:spChg>
+        <pc:picChg chg="mod">
+          <ac:chgData name="Jelínek Ondřej" userId="d4ba8473-0481-49d3-a442-2ad11ee9f53e" providerId="ADAL" clId="{B6683290-0DFB-48F3-8EA6-612140E53258}" dt="2023-01-19T19:22:17.008" v="706" actId="962"/>
+          <ac:picMkLst>
+            <pc:docMk/>
+            <pc:sldMk cId="2369530798" sldId="256"/>
+            <ac:picMk id="5" creationId="{5C785BB1-CA98-4465-84BA-4C871AAF7530}"/>
+          </ac:picMkLst>
+        </pc:picChg>
+      </pc:sldChg>
+      <pc:sldChg chg="delSp modSp mod ord delDesignElem chgLayout modNotesTx">
+        <pc:chgData name="Jelínek Ondřej" userId="d4ba8473-0481-49d3-a442-2ad11ee9f53e" providerId="ADAL" clId="{B6683290-0DFB-48F3-8EA6-612140E53258}" dt="2023-01-19T19:21:04.180" v="702" actId="1076"/>
+        <pc:sldMkLst>
+          <pc:docMk/>
+          <pc:sldMk cId="2072729638" sldId="257"/>
+        </pc:sldMkLst>
+        <pc:spChg chg="mod ord">
+          <ac:chgData name="Jelínek Ondřej" userId="d4ba8473-0481-49d3-a442-2ad11ee9f53e" providerId="ADAL" clId="{B6683290-0DFB-48F3-8EA6-612140E53258}" dt="2023-01-19T19:20:52.546" v="701" actId="1076"/>
+          <ac:spMkLst>
+            <pc:docMk/>
+            <pc:sldMk cId="2072729638" sldId="257"/>
+            <ac:spMk id="2" creationId="{B0FD30D7-C057-49CC-A0AC-A9316AA1853C}"/>
+          </ac:spMkLst>
+        </pc:spChg>
+        <pc:spChg chg="mod ord">
+          <ac:chgData name="Jelínek Ondřej" userId="d4ba8473-0481-49d3-a442-2ad11ee9f53e" providerId="ADAL" clId="{B6683290-0DFB-48F3-8EA6-612140E53258}" dt="2023-01-19T19:21:04.180" v="702" actId="1076"/>
+          <ac:spMkLst>
+            <pc:docMk/>
+            <pc:sldMk cId="2072729638" sldId="257"/>
+            <ac:spMk id="3" creationId="{55710C13-7612-47CA-9A13-0DCB02F142A4}"/>
+          </ac:spMkLst>
+        </pc:spChg>
+        <pc:spChg chg="del">
+          <ac:chgData name="Jelínek Ondřej" userId="d4ba8473-0481-49d3-a442-2ad11ee9f53e" providerId="ADAL" clId="{B6683290-0DFB-48F3-8EA6-612140E53258}" dt="2023-01-19T18:39:26.787" v="113" actId="700"/>
+          <ac:spMkLst>
+            <pc:docMk/>
+            <pc:sldMk cId="2072729638" sldId="257"/>
+            <ac:spMk id="9" creationId="{929448D9-8F1D-4CFE-93BA-E0272F0DBD6E}"/>
+          </ac:spMkLst>
+        </pc:spChg>
+        <pc:grpChg chg="del">
+          <ac:chgData name="Jelínek Ondřej" userId="d4ba8473-0481-49d3-a442-2ad11ee9f53e" providerId="ADAL" clId="{B6683290-0DFB-48F3-8EA6-612140E53258}" dt="2023-01-19T18:39:26.787" v="113" actId="700"/>
+          <ac:grpSpMkLst>
+            <pc:docMk/>
+            <pc:sldMk cId="2072729638" sldId="257"/>
+            <ac:grpSpMk id="11" creationId="{94749DEA-AC6C-4834-A330-03A1796B8929}"/>
+          </ac:grpSpMkLst>
+        </pc:grpChg>
+      </pc:sldChg>
+      <pc:sldChg chg="modSp mod ord modNotesTx">
+        <pc:chgData name="Jelínek Ondřej" userId="d4ba8473-0481-49d3-a442-2ad11ee9f53e" providerId="ADAL" clId="{B6683290-0DFB-48F3-8EA6-612140E53258}" dt="2023-01-19T19:05:51.039" v="623"/>
+        <pc:sldMkLst>
+          <pc:docMk/>
+          <pc:sldMk cId="1235921929" sldId="258"/>
+        </pc:sldMkLst>
+        <pc:spChg chg="mod">
+          <ac:chgData name="Jelínek Ondřej" userId="d4ba8473-0481-49d3-a442-2ad11ee9f53e" providerId="ADAL" clId="{B6683290-0DFB-48F3-8EA6-612140E53258}" dt="2023-01-19T18:48:12.296" v="506" actId="20577"/>
+          <ac:spMkLst>
+            <pc:docMk/>
+            <pc:sldMk cId="1235921929" sldId="258"/>
+            <ac:spMk id="2" creationId="{B0FD30D7-C057-49CC-A0AC-A9316AA1853C}"/>
+          </ac:spMkLst>
+        </pc:spChg>
+        <pc:spChg chg="mod">
+          <ac:chgData name="Jelínek Ondřej" userId="d4ba8473-0481-49d3-a442-2ad11ee9f53e" providerId="ADAL" clId="{B6683290-0DFB-48F3-8EA6-612140E53258}" dt="2023-01-19T19:05:20.200" v="608" actId="20577"/>
+          <ac:spMkLst>
+            <pc:docMk/>
+            <pc:sldMk cId="1235921929" sldId="258"/>
+            <ac:spMk id="3" creationId="{55710C13-7612-47CA-9A13-0DCB02F142A4}"/>
+          </ac:spMkLst>
+        </pc:spChg>
+      </pc:sldChg>
+      <pc:sldChg chg="modSp mod ord">
+        <pc:chgData name="Jelínek Ondřej" userId="d4ba8473-0481-49d3-a442-2ad11ee9f53e" providerId="ADAL" clId="{B6683290-0DFB-48F3-8EA6-612140E53258}" dt="2023-01-19T19:43:09.746" v="898" actId="14100"/>
+        <pc:sldMkLst>
+          <pc:docMk/>
+          <pc:sldMk cId="3115239885" sldId="261"/>
+        </pc:sldMkLst>
+        <pc:spChg chg="mod">
+          <ac:chgData name="Jelínek Ondřej" userId="d4ba8473-0481-49d3-a442-2ad11ee9f53e" providerId="ADAL" clId="{B6683290-0DFB-48F3-8EA6-612140E53258}" dt="2023-01-19T19:41:38.121" v="889" actId="1076"/>
+          <ac:spMkLst>
+            <pc:docMk/>
+            <pc:sldMk cId="3115239885" sldId="261"/>
+            <ac:spMk id="2" creationId="{B0FD30D7-C057-49CC-A0AC-A9316AA1853C}"/>
+          </ac:spMkLst>
+        </pc:spChg>
+        <pc:spChg chg="mod">
+          <ac:chgData name="Jelínek Ondřej" userId="d4ba8473-0481-49d3-a442-2ad11ee9f53e" providerId="ADAL" clId="{B6683290-0DFB-48F3-8EA6-612140E53258}" dt="2023-01-19T19:43:09.746" v="898" actId="14100"/>
+          <ac:spMkLst>
+            <pc:docMk/>
+            <pc:sldMk cId="3115239885" sldId="261"/>
+            <ac:spMk id="3" creationId="{55710C13-7612-47CA-9A13-0DCB02F142A4}"/>
+          </ac:spMkLst>
+        </pc:spChg>
+      </pc:sldChg>
+      <pc:sldChg chg="modSp mod">
+        <pc:chgData name="Jelínek Ondřej" userId="d4ba8473-0481-49d3-a442-2ad11ee9f53e" providerId="ADAL" clId="{B6683290-0DFB-48F3-8EA6-612140E53258}" dt="2023-01-19T19:39:41.798" v="863" actId="5793"/>
+        <pc:sldMkLst>
+          <pc:docMk/>
+          <pc:sldMk cId="597823284" sldId="262"/>
+        </pc:sldMkLst>
+        <pc:spChg chg="mod">
+          <ac:chgData name="Jelínek Ondřej" userId="d4ba8473-0481-49d3-a442-2ad11ee9f53e" providerId="ADAL" clId="{B6683290-0DFB-48F3-8EA6-612140E53258}" dt="2023-01-19T19:33:56.975" v="821" actId="1076"/>
+          <ac:spMkLst>
+            <pc:docMk/>
+            <pc:sldMk cId="597823284" sldId="262"/>
+            <ac:spMk id="2" creationId="{B0FD30D7-C057-49CC-A0AC-A9316AA1853C}"/>
+          </ac:spMkLst>
+        </pc:spChg>
+        <pc:spChg chg="mod">
+          <ac:chgData name="Jelínek Ondřej" userId="d4ba8473-0481-49d3-a442-2ad11ee9f53e" providerId="ADAL" clId="{B6683290-0DFB-48F3-8EA6-612140E53258}" dt="2023-01-19T19:39:41.798" v="863" actId="5793"/>
+          <ac:spMkLst>
+            <pc:docMk/>
+            <pc:sldMk cId="597823284" sldId="262"/>
+            <ac:spMk id="3" creationId="{55710C13-7612-47CA-9A13-0DCB02F142A4}"/>
+          </ac:spMkLst>
+        </pc:spChg>
+      </pc:sldChg>
+      <pc:sldChg chg="modSp mod">
+        <pc:chgData name="Jelínek Ondřej" userId="d4ba8473-0481-49d3-a442-2ad11ee9f53e" providerId="ADAL" clId="{B6683290-0DFB-48F3-8EA6-612140E53258}" dt="2023-01-19T19:27:01.834" v="814" actId="20577"/>
+        <pc:sldMkLst>
+          <pc:docMk/>
+          <pc:sldMk cId="3278096333" sldId="274"/>
+        </pc:sldMkLst>
+        <pc:spChg chg="mod">
+          <ac:chgData name="Jelínek Ondřej" userId="d4ba8473-0481-49d3-a442-2ad11ee9f53e" providerId="ADAL" clId="{B6683290-0DFB-48F3-8EA6-612140E53258}" dt="2023-01-19T19:27:01.834" v="814" actId="20577"/>
+          <ac:spMkLst>
+            <pc:docMk/>
+            <pc:sldMk cId="3278096333" sldId="274"/>
+            <ac:spMk id="2" creationId="{B0FD30D7-C057-49CC-A0AC-A9316AA1853C}"/>
+          </ac:spMkLst>
+        </pc:spChg>
+        <pc:spChg chg="mod">
+          <ac:chgData name="Jelínek Ondřej" userId="d4ba8473-0481-49d3-a442-2ad11ee9f53e" providerId="ADAL" clId="{B6683290-0DFB-48F3-8EA6-612140E53258}" dt="2023-01-19T19:21:32.845" v="704" actId="1076"/>
+          <ac:spMkLst>
+            <pc:docMk/>
+            <pc:sldMk cId="3278096333" sldId="274"/>
+            <ac:spMk id="3" creationId="{55710C13-7612-47CA-9A13-0DCB02F142A4}"/>
+          </ac:spMkLst>
+        </pc:spChg>
+      </pc:sldChg>
+      <pc:sldChg chg="modSp mod modNotesTx">
+        <pc:chgData name="Jelínek Ondřej" userId="d4ba8473-0481-49d3-a442-2ad11ee9f53e" providerId="ADAL" clId="{B6683290-0DFB-48F3-8EA6-612140E53258}" dt="2023-01-19T19:26:10.288" v="798" actId="20577"/>
+        <pc:sldMkLst>
+          <pc:docMk/>
+          <pc:sldMk cId="628710019" sldId="275"/>
+        </pc:sldMkLst>
+        <pc:spChg chg="mod">
+          <ac:chgData name="Jelínek Ondřej" userId="d4ba8473-0481-49d3-a442-2ad11ee9f53e" providerId="ADAL" clId="{B6683290-0DFB-48F3-8EA6-612140E53258}" dt="2023-01-19T19:24:28.922" v="717" actId="20577"/>
+          <ac:spMkLst>
+            <pc:docMk/>
+            <pc:sldMk cId="628710019" sldId="275"/>
+            <ac:spMk id="2" creationId="{B0FD30D7-C057-49CC-A0AC-A9316AA1853C}"/>
+          </ac:spMkLst>
+        </pc:spChg>
+        <pc:spChg chg="mod">
+          <ac:chgData name="Jelínek Ondřej" userId="d4ba8473-0481-49d3-a442-2ad11ee9f53e" providerId="ADAL" clId="{B6683290-0DFB-48F3-8EA6-612140E53258}" dt="2023-01-19T19:25:42.115" v="769" actId="20577"/>
+          <ac:spMkLst>
+            <pc:docMk/>
+            <pc:sldMk cId="628710019" sldId="275"/>
+            <ac:spMk id="3" creationId="{55710C13-7612-47CA-9A13-0DCB02F142A4}"/>
+          </ac:spMkLst>
+        </pc:spChg>
+      </pc:sldChg>
+    </pc:docChg>
+  </pc:docChgLst>
+</pc:chgInfo>
+</file>
+
 <file path=ppt/notesMasters/notesMaster1.xml><?xml version="1.0" encoding="utf-8"?>
 <p:notesMaster xmlns:a="http://schemas.openxmlformats.org/drawingml/2006/main" xmlns:r="http://schemas.openxmlformats.org/officeDocument/2006/relationships" xmlns:p="http://schemas.openxmlformats.org/presentationml/2006/main">
   <p:cSld>
@@ -228,7 +427,7 @@
           <a:p>
             <a:fld id="{F357365F-09E5-4D0B-B342-AF567CF4E92C}" type="datetimeFigureOut">
               <a:rPr lang="cs-CZ" smtClean="0"/>
-              <a:t>18.01.2023</a:t>
+              <a:t>19.01.2023</a:t>
             </a:fld>
             <a:endParaRPr lang="cs-CZ" dirty="0"/>
           </a:p>
@@ -545,6 +744,29 @@
             </a:pPr>
             <a:r>
               <a:rPr lang="cs-CZ" dirty="0"/>
+              <a:t>Setkávají se zde profesionálové z celého světa a diskutují o svých pracovních zájmech.</a:t>
+            </a:r>
+          </a:p>
+          <a:p>
+            <a:pPr marL="228600" marR="0" lvl="0" indent="-228600" algn="l" defTabSz="914400" rtl="0" eaLnBrk="1" fontAlgn="auto" latinLnBrk="0" hangingPunct="1">
+              <a:lnSpc>
+                <a:spcPct val="100000"/>
+              </a:lnSpc>
+              <a:spcBef>
+                <a:spcPts val="0"/>
+              </a:spcBef>
+              <a:spcAft>
+                <a:spcPts val="0"/>
+              </a:spcAft>
+              <a:buClrTx/>
+              <a:buSzTx/>
+              <a:buFont typeface="+mj-lt"/>
+              <a:buAutoNum type="arabicPeriod"/>
+              <a:tabLst/>
+              <a:defRPr/>
+            </a:pPr>
+            <a:r>
+              <a:rPr lang="cs-CZ" dirty="0"/>
               <a:t>Což je pro majitele malých podniků, pro studenty nebo pro lidi co si chtějí nebo potřebují najít práci.</a:t>
             </a:r>
           </a:p>
@@ -553,10 +775,7 @@
               <a:buFont typeface="+mj-lt"/>
               <a:buAutoNum type="arabicPeriod"/>
             </a:pPr>
-            <a:r>
-              <a:rPr lang="cs-CZ" dirty="0"/>
-              <a:t>Pro ty co se chtějí zdokonalit ve své kariéře, propojit a posílit profesionální vztahy a naučit se nějaký nový zkušenosti.</a:t>
-            </a:r>
+            <a:endParaRPr lang="cs-CZ" dirty="0"/>
           </a:p>
         </p:txBody>
       </p:sp>
@@ -1378,7 +1597,7 @@
     </p:spTree>
     <p:extLst>
       <p:ext uri="{BB962C8B-B14F-4D97-AF65-F5344CB8AC3E}">
-        <p14:creationId xmlns:p14="http://schemas.microsoft.com/office/powerpoint/2010/main" val="496346881"/>
+        <p14:creationId xmlns:p14="http://schemas.microsoft.com/office/powerpoint/2010/main" val="1675911232"/>
       </p:ext>
     </p:extLst>
   </p:cSld>
@@ -1466,7 +1685,7 @@
     </p:spTree>
     <p:extLst>
       <p:ext uri="{BB962C8B-B14F-4D97-AF65-F5344CB8AC3E}">
-        <p14:creationId xmlns:p14="http://schemas.microsoft.com/office/powerpoint/2010/main" val="1675911232"/>
+        <p14:creationId xmlns:p14="http://schemas.microsoft.com/office/powerpoint/2010/main" val="496346881"/>
       </p:ext>
     </p:extLst>
   </p:cSld>
@@ -1524,7 +1743,80 @@
               <a:buFont typeface="+mj-lt"/>
               <a:buAutoNum type="arabicPeriod"/>
             </a:pPr>
+            <a:r>
+              <a:rPr lang="cs-CZ" dirty="0"/>
+              <a:t>Reid Hoffman je zakladatelem společně s Konstantinem Guericke</a:t>
+            </a:r>
+          </a:p>
+          <a:p>
+            <a:pPr marL="228600" indent="-228600">
+              <a:buFont typeface="Arial" panose="020B0604020202020204" pitchFamily="34" charset="0"/>
+              <a:buChar char="•"/>
+            </a:pPr>
+            <a:r>
+              <a:rPr lang="cs-CZ" dirty="0"/>
+              <a:t>Byl členem představenstva když se zakládal PayPal</a:t>
+            </a:r>
+          </a:p>
+          <a:p>
+            <a:pPr marL="228600" indent="-228600">
+              <a:buFont typeface="+mj-lt"/>
+              <a:buAutoNum type="arabicPeriod"/>
+            </a:pPr>
+            <a:r>
+              <a:rPr lang="cs-CZ" dirty="0"/>
+              <a:t>Konstantin Guericke</a:t>
+            </a:r>
+          </a:p>
+          <a:p>
+            <a:pPr marL="228600" indent="-228600">
+              <a:buFont typeface="Arial" panose="020B0604020202020204" pitchFamily="34" charset="0"/>
+              <a:buChar char="•"/>
+            </a:pPr>
+            <a:r>
+              <a:rPr lang="cs-CZ" dirty="0"/>
+              <a:t>Ten zase byl podnikatelem</a:t>
+            </a:r>
+          </a:p>
+          <a:p>
+            <a:pPr marL="0" indent="0">
+              <a:buFont typeface="Arial" panose="020B0604020202020204" pitchFamily="34" charset="0"/>
+              <a:buNone/>
+            </a:pPr>
             <a:endParaRPr lang="cs-CZ" dirty="0"/>
+          </a:p>
+          <a:p>
+            <a:pPr marL="0" marR="0" lvl="0" indent="0" algn="l" defTabSz="914400" rtl="0" eaLnBrk="1" fontAlgn="auto" latinLnBrk="0" hangingPunct="1">
+              <a:lnSpc>
+                <a:spcPct val="100000"/>
+              </a:lnSpc>
+              <a:spcBef>
+                <a:spcPts val="0"/>
+              </a:spcBef>
+              <a:spcAft>
+                <a:spcPts val="0"/>
+              </a:spcAft>
+              <a:buClrTx/>
+              <a:buSzTx/>
+              <a:buFont typeface="Arial" panose="020B0604020202020204" pitchFamily="34" charset="0"/>
+              <a:buNone/>
+              <a:tabLst/>
+              <a:defRPr/>
+            </a:pPr>
+            <a:r>
+              <a:rPr lang="nl-NL" sz="1200" dirty="0"/>
+              <a:t>LinkedIn bylo založeno 28. 12. 2002</a:t>
+            </a:r>
+          </a:p>
+          <a:p>
+            <a:pPr marL="0" indent="0">
+              <a:buFont typeface="Arial" panose="020B0604020202020204" pitchFamily="34" charset="0"/>
+              <a:buNone/>
+            </a:pPr>
+            <a:r>
+              <a:rPr lang="cs-CZ" dirty="0"/>
+              <a:t> </a:t>
+            </a:r>
           </a:p>
         </p:txBody>
       </p:sp>
@@ -1612,7 +1904,10 @@
               <a:buFont typeface="+mj-lt"/>
               <a:buAutoNum type="arabicPeriod"/>
             </a:pPr>
-            <a:endParaRPr lang="cs-CZ" dirty="0"/>
+            <a:r>
+              <a:rPr lang="cs-CZ" dirty="0"/>
+              <a:t>Ve 200 zemích v roce 2020</a:t>
+            </a:r>
           </a:p>
         </p:txBody>
       </p:sp>
@@ -2371,7 +2666,7 @@
           <a:p>
             <a:fld id="{79EEDE6A-8037-448A-A111-0D1B671B68E3}" type="datetimeFigureOut">
               <a:rPr lang="cs-CZ" smtClean="0"/>
-              <a:t>18.01.2023</a:t>
+              <a:t>19.01.2023</a:t>
             </a:fld>
             <a:endParaRPr lang="cs-CZ" dirty="0"/>
           </a:p>
@@ -2807,7 +3102,7 @@
           <a:p>
             <a:fld id="{79EEDE6A-8037-448A-A111-0D1B671B68E3}" type="datetimeFigureOut">
               <a:rPr lang="cs-CZ" smtClean="0"/>
-              <a:t>18.01.2023</a:t>
+              <a:t>19.01.2023</a:t>
             </a:fld>
             <a:endParaRPr lang="cs-CZ" dirty="0"/>
           </a:p>
@@ -3057,7 +3352,7 @@
           <a:p>
             <a:fld id="{79EEDE6A-8037-448A-A111-0D1B671B68E3}" type="datetimeFigureOut">
               <a:rPr lang="cs-CZ" smtClean="0"/>
-              <a:t>18.01.2023</a:t>
+              <a:t>19.01.2023</a:t>
             </a:fld>
             <a:endParaRPr lang="cs-CZ" dirty="0"/>
           </a:p>
@@ -3365,7 +3660,7 @@
           <a:p>
             <a:fld id="{79EEDE6A-8037-448A-A111-0D1B671B68E3}" type="datetimeFigureOut">
               <a:rPr lang="cs-CZ" smtClean="0"/>
-              <a:t>18.01.2023</a:t>
+              <a:t>19.01.2023</a:t>
             </a:fld>
             <a:endParaRPr lang="cs-CZ" dirty="0"/>
           </a:p>
@@ -3683,7 +3978,7 @@
           <a:p>
             <a:fld id="{79EEDE6A-8037-448A-A111-0D1B671B68E3}" type="datetimeFigureOut">
               <a:rPr lang="cs-CZ" smtClean="0"/>
-              <a:t>18.01.2023</a:t>
+              <a:t>19.01.2023</a:t>
             </a:fld>
             <a:endParaRPr lang="cs-CZ" dirty="0"/>
           </a:p>
@@ -3985,7 +4280,7 @@
           <a:p>
             <a:fld id="{79EEDE6A-8037-448A-A111-0D1B671B68E3}" type="datetimeFigureOut">
               <a:rPr lang="cs-CZ" smtClean="0"/>
-              <a:t>18.01.2023</a:t>
+              <a:t>19.01.2023</a:t>
             </a:fld>
             <a:endParaRPr lang="cs-CZ" dirty="0"/>
           </a:p>
@@ -4352,7 +4647,7 @@
           <a:p>
             <a:fld id="{79EEDE6A-8037-448A-A111-0D1B671B68E3}" type="datetimeFigureOut">
               <a:rPr lang="cs-CZ" smtClean="0"/>
-              <a:t>18.01.2023</a:t>
+              <a:t>19.01.2023</a:t>
             </a:fld>
             <a:endParaRPr lang="cs-CZ" dirty="0"/>
           </a:p>
@@ -4526,7 +4821,7 @@
           <a:p>
             <a:fld id="{79EEDE6A-8037-448A-A111-0D1B671B68E3}" type="datetimeFigureOut">
               <a:rPr lang="cs-CZ" smtClean="0"/>
-              <a:t>18.01.2023</a:t>
+              <a:t>19.01.2023</a:t>
             </a:fld>
             <a:endParaRPr lang="cs-CZ" dirty="0"/>
           </a:p>
@@ -4706,7 +5001,7 @@
           <a:p>
             <a:fld id="{79EEDE6A-8037-448A-A111-0D1B671B68E3}" type="datetimeFigureOut">
               <a:rPr lang="cs-CZ" smtClean="0"/>
-              <a:t>18.01.2023</a:t>
+              <a:t>19.01.2023</a:t>
             </a:fld>
             <a:endParaRPr lang="cs-CZ" dirty="0"/>
           </a:p>
@@ -4876,7 +5171,7 @@
           <a:p>
             <a:fld id="{79EEDE6A-8037-448A-A111-0D1B671B68E3}" type="datetimeFigureOut">
               <a:rPr lang="cs-CZ" smtClean="0"/>
-              <a:t>18.01.2023</a:t>
+              <a:t>19.01.2023</a:t>
             </a:fld>
             <a:endParaRPr lang="cs-CZ" dirty="0"/>
           </a:p>
@@ -5126,7 +5421,7 @@
           <a:p>
             <a:fld id="{79EEDE6A-8037-448A-A111-0D1B671B68E3}" type="datetimeFigureOut">
               <a:rPr lang="cs-CZ" smtClean="0"/>
-              <a:t>18.01.2023</a:t>
+              <a:t>19.01.2023</a:t>
             </a:fld>
             <a:endParaRPr lang="cs-CZ" dirty="0"/>
           </a:p>
@@ -5362,7 +5657,7 @@
           <a:p>
             <a:fld id="{79EEDE6A-8037-448A-A111-0D1B671B68E3}" type="datetimeFigureOut">
               <a:rPr lang="cs-CZ" smtClean="0"/>
-              <a:t>18.01.2023</a:t>
+              <a:t>19.01.2023</a:t>
             </a:fld>
             <a:endParaRPr lang="cs-CZ" dirty="0"/>
           </a:p>
@@ -5744,7 +6039,7 @@
           <a:p>
             <a:fld id="{79EEDE6A-8037-448A-A111-0D1B671B68E3}" type="datetimeFigureOut">
               <a:rPr lang="cs-CZ" smtClean="0"/>
-              <a:t>18.01.2023</a:t>
+              <a:t>19.01.2023</a:t>
             </a:fld>
             <a:endParaRPr lang="cs-CZ" dirty="0"/>
           </a:p>
@@ -5862,7 +6157,7 @@
           <a:p>
             <a:fld id="{79EEDE6A-8037-448A-A111-0D1B671B68E3}" type="datetimeFigureOut">
               <a:rPr lang="cs-CZ" smtClean="0"/>
-              <a:t>18.01.2023</a:t>
+              <a:t>19.01.2023</a:t>
             </a:fld>
             <a:endParaRPr lang="cs-CZ" dirty="0"/>
           </a:p>
@@ -5957,7 +6252,7 @@
           <a:p>
             <a:fld id="{79EEDE6A-8037-448A-A111-0D1B671B68E3}" type="datetimeFigureOut">
               <a:rPr lang="cs-CZ" smtClean="0"/>
-              <a:t>18.01.2023</a:t>
+              <a:t>19.01.2023</a:t>
             </a:fld>
             <a:endParaRPr lang="cs-CZ" dirty="0"/>
           </a:p>
@@ -6212,7 +6507,7 @@
           <a:p>
             <a:fld id="{79EEDE6A-8037-448A-A111-0D1B671B68E3}" type="datetimeFigureOut">
               <a:rPr lang="cs-CZ" smtClean="0"/>
-              <a:t>18.01.2023</a:t>
+              <a:t>19.01.2023</a:t>
             </a:fld>
             <a:endParaRPr lang="cs-CZ" dirty="0"/>
           </a:p>
@@ -6495,7 +6790,7 @@
           <a:p>
             <a:fld id="{79EEDE6A-8037-448A-A111-0D1B671B68E3}" type="datetimeFigureOut">
               <a:rPr lang="cs-CZ" smtClean="0"/>
-              <a:t>18.01.2023</a:t>
+              <a:t>19.01.2023</a:t>
             </a:fld>
             <a:endParaRPr lang="cs-CZ" dirty="0"/>
           </a:p>
@@ -6901,7 +7196,7 @@
           <a:p>
             <a:fld id="{79EEDE6A-8037-448A-A111-0D1B671B68E3}" type="datetimeFigureOut">
               <a:rPr lang="cs-CZ" smtClean="0"/>
-              <a:t>18.01.2023</a:t>
+              <a:t>19.01.2023</a:t>
             </a:fld>
             <a:endParaRPr lang="cs-CZ" dirty="0"/>
           </a:p>
@@ -7585,7 +7880,7 @@
           <a:lstStyle/>
           <a:p>
             <a:r>
-              <a:rPr lang="cs-CZ" dirty="0"/>
+              <a:rPr lang="cs-CZ" sz="2400" dirty="0"/>
               <a:t>Ondřej Jelínek</a:t>
             </a:r>
           </a:p>
@@ -8122,7 +8417,7 @@
           <a:lstStyle/>
           <a:p>
             <a:pPr algn="ctr"/>
-            <a:endParaRPr lang="en-US"/>
+            <a:endParaRPr lang="en-US" dirty="0"/>
           </a:p>
         </p:txBody>
       </p:sp>
@@ -8619,7 +8914,7 @@
           <a:lstStyle/>
           <a:p>
             <a:pPr algn="ctr"/>
-            <a:endParaRPr lang="en-US"/>
+            <a:endParaRPr lang="en-US" dirty="0"/>
           </a:p>
         </p:txBody>
       </p:sp>
@@ -9116,7 +9411,7 @@
           <a:lstStyle/>
           <a:p>
             <a:pPr algn="ctr"/>
-            <a:endParaRPr lang="en-US"/>
+            <a:endParaRPr lang="en-US" dirty="0"/>
           </a:p>
         </p:txBody>
       </p:sp>
@@ -9613,7 +9908,7 @@
           <a:lstStyle/>
           <a:p>
             <a:pPr algn="ctr"/>
-            <a:endParaRPr lang="en-US"/>
+            <a:endParaRPr lang="en-US" dirty="0"/>
           </a:p>
         </p:txBody>
       </p:sp>
@@ -10110,7 +10405,7 @@
           <a:lstStyle/>
           <a:p>
             <a:pPr algn="ctr"/>
-            <a:endParaRPr lang="en-US"/>
+            <a:endParaRPr lang="en-US" dirty="0"/>
           </a:p>
         </p:txBody>
       </p:sp>
@@ -10607,7 +10902,7 @@
           <a:lstStyle/>
           <a:p>
             <a:pPr algn="ctr"/>
-            <a:endParaRPr lang="en-US"/>
+            <a:endParaRPr lang="en-US" dirty="0"/>
           </a:p>
         </p:txBody>
       </p:sp>
@@ -11104,7 +11399,7 @@
           <a:lstStyle/>
           <a:p>
             <a:pPr algn="ctr"/>
-            <a:endParaRPr lang="en-US"/>
+            <a:endParaRPr lang="en-US" dirty="0"/>
           </a:p>
         </p:txBody>
       </p:sp>
@@ -11601,7 +11896,7 @@
           <a:lstStyle/>
           <a:p>
             <a:pPr algn="ctr"/>
-            <a:endParaRPr lang="en-US"/>
+            <a:endParaRPr lang="en-US" dirty="0"/>
           </a:p>
         </p:txBody>
       </p:sp>
@@ -12098,7 +12393,7 @@
           <a:lstStyle/>
           <a:p>
             <a:pPr algn="ctr"/>
-            <a:endParaRPr lang="en-US"/>
+            <a:endParaRPr lang="en-US" dirty="0"/>
           </a:p>
         </p:txBody>
       </p:sp>
@@ -12595,7 +12890,7 @@
           <a:lstStyle/>
           <a:p>
             <a:pPr algn="ctr"/>
-            <a:endParaRPr lang="en-US"/>
+            <a:endParaRPr lang="en-US" dirty="0"/>
           </a:p>
         </p:txBody>
       </p:sp>
@@ -12617,7 +12912,7 @@
         </p:nvSpPr>
         <p:spPr>
           <a:xfrm>
-            <a:off x="684212" y="4487332"/>
+            <a:off x="684211" y="216990"/>
             <a:ext cx="7543800" cy="1507067"/>
           </a:xfrm>
         </p:spPr>
@@ -12627,7 +12922,10 @@
           </a:bodyPr>
           <a:lstStyle/>
           <a:p>
-            <a:endParaRPr lang="cs-CZ" dirty="0"/>
+            <a:r>
+              <a:rPr lang="cs-CZ" dirty="0"/>
+              <a:t>Citace</a:t>
+            </a:r>
           </a:p>
         </p:txBody>
       </p:sp>
@@ -12649,16 +12947,161 @@
         </p:nvSpPr>
         <p:spPr>
           <a:xfrm>
-            <a:off x="684211" y="685800"/>
-            <a:ext cx="7493137" cy="3615267"/>
+            <a:off x="683926" y="1828800"/>
+            <a:ext cx="7493137" cy="4976811"/>
           </a:xfrm>
         </p:spPr>
         <p:txBody>
           <a:bodyPr>
-            <a:normAutofit/>
+            <a:normAutofit fontScale="92500" lnSpcReduction="10000"/>
           </a:bodyPr>
           <a:lstStyle/>
           <a:p>
+            <a:r>
+              <a:rPr lang="cs-CZ" sz="2800" b="0" i="0" dirty="0">
+                <a:solidFill>
+                  <a:srgbClr val="000000"/>
+                </a:solidFill>
+                <a:effectLst/>
+                <a:latin typeface="Century Gothic" panose="020B0502020202020204" pitchFamily="34" charset="0"/>
+              </a:rPr>
+              <a:t>LinkedIn – Wikipedie. [online]. Dostupné z: </a:t>
+            </a:r>
+            <a:r>
+              <a:rPr lang="cs-CZ" sz="2800" b="0" i="0" u="none" strike="noStrike" dirty="0">
+                <a:solidFill>
+                  <a:srgbClr val="000000"/>
+                </a:solidFill>
+                <a:effectLst/>
+                <a:latin typeface="Century Gothic" panose="020B0502020202020204" pitchFamily="34" charset="0"/>
+              </a:rPr>
+              <a:t>https://cs.wikipedia.org/wiki/LinkedIn</a:t>
+            </a:r>
+          </a:p>
+          <a:p>
+            <a:pPr marL="0" indent="0">
+              <a:buNone/>
+            </a:pPr>
+            <a:endParaRPr lang="cs-CZ" sz="2800" b="0" i="0" dirty="0">
+              <a:solidFill>
+                <a:srgbClr val="000000"/>
+              </a:solidFill>
+              <a:effectLst/>
+              <a:latin typeface="Roboto Slab" panose="020B0604020202020204" pitchFamily="2" charset="0"/>
+            </a:endParaRPr>
+          </a:p>
+          <a:p>
+            <a:pPr algn="l"/>
+            <a:r>
+              <a:rPr lang="cs-CZ" sz="2600" b="0" i="0" dirty="0">
+                <a:solidFill>
+                  <a:srgbClr val="000000"/>
+                </a:solidFill>
+                <a:effectLst/>
+                <a:latin typeface="Century Gothic" panose="020B0502020202020204" pitchFamily="34" charset="0"/>
+              </a:rPr>
+              <a:t>Co je LinkedIn a jak ho mohu používat? | LinkedIn </a:t>
+            </a:r>
+            <a:r>
+              <a:rPr lang="cs-CZ" sz="2600" b="0" i="0" dirty="0" err="1">
+                <a:solidFill>
+                  <a:srgbClr val="000000"/>
+                </a:solidFill>
+                <a:effectLst/>
+                <a:latin typeface="Century Gothic" panose="020B0502020202020204" pitchFamily="34" charset="0"/>
+              </a:rPr>
+              <a:t>Help</a:t>
+            </a:r>
+            <a:r>
+              <a:rPr lang="cs-CZ" sz="2600" b="0" i="0" dirty="0">
+                <a:solidFill>
+                  <a:srgbClr val="000000"/>
+                </a:solidFill>
+                <a:effectLst/>
+                <a:latin typeface="Century Gothic" panose="020B0502020202020204" pitchFamily="34" charset="0"/>
+              </a:rPr>
+              <a:t>. </a:t>
+            </a:r>
+            <a:r>
+              <a:rPr lang="cs-CZ" sz="2600" b="0" i="1" dirty="0">
+                <a:solidFill>
+                  <a:srgbClr val="000000"/>
+                </a:solidFill>
+                <a:effectLst/>
+                <a:latin typeface="Century Gothic" panose="020B0502020202020204" pitchFamily="34" charset="0"/>
+              </a:rPr>
+              <a:t>LinkedIn: Log In </a:t>
+            </a:r>
+            <a:r>
+              <a:rPr lang="cs-CZ" sz="2600" b="0" i="1" dirty="0" err="1">
+                <a:solidFill>
+                  <a:srgbClr val="000000"/>
+                </a:solidFill>
+                <a:effectLst/>
+                <a:latin typeface="Century Gothic" panose="020B0502020202020204" pitchFamily="34" charset="0"/>
+              </a:rPr>
+              <a:t>or</a:t>
+            </a:r>
+            <a:r>
+              <a:rPr lang="cs-CZ" sz="2600" b="0" i="1" dirty="0">
+                <a:solidFill>
+                  <a:srgbClr val="000000"/>
+                </a:solidFill>
+                <a:effectLst/>
+                <a:latin typeface="Century Gothic" panose="020B0502020202020204" pitchFamily="34" charset="0"/>
+              </a:rPr>
+              <a:t> Sign Up</a:t>
+            </a:r>
+            <a:r>
+              <a:rPr lang="cs-CZ" sz="2600" b="0" i="0" dirty="0">
+                <a:solidFill>
+                  <a:srgbClr val="000000"/>
+                </a:solidFill>
+                <a:effectLst/>
+                <a:latin typeface="Century Gothic" panose="020B0502020202020204" pitchFamily="34" charset="0"/>
+              </a:rPr>
+              <a:t> [online]. Copyright © 2023 [cit. 19.01.2023]. Dostupné z: </a:t>
+            </a:r>
+            <a:r>
+              <a:rPr lang="cs-CZ" sz="2600" b="0" i="0" u="none" strike="noStrike" dirty="0">
+                <a:solidFill>
+                  <a:srgbClr val="000000"/>
+                </a:solidFill>
+                <a:effectLst/>
+                <a:latin typeface="Century Gothic" panose="020B0502020202020204" pitchFamily="34" charset="0"/>
+              </a:rPr>
+              <a:t>https://www.linkedin.com/help/linkedin/answer/a548442/co-je-linkedin-a-jak-ho-mohu-pouzivat-?lang=cs</a:t>
+            </a:r>
+            <a:endParaRPr lang="cs-CZ" sz="2600" b="0" i="0" dirty="0">
+              <a:solidFill>
+                <a:srgbClr val="000000"/>
+              </a:solidFill>
+              <a:effectLst/>
+              <a:latin typeface="Century Gothic" panose="020B0502020202020204" pitchFamily="34" charset="0"/>
+            </a:endParaRPr>
+          </a:p>
+          <a:p>
+            <a:pPr marL="0" indent="0">
+              <a:buNone/>
+            </a:pPr>
+            <a:br>
+              <a:rPr lang="cs-CZ" b="0" i="0" dirty="0">
+                <a:solidFill>
+                  <a:srgbClr val="FFFFFF"/>
+                </a:solidFill>
+                <a:effectLst/>
+                <a:latin typeface="Roboto Slab" panose="020B0604020202020204" pitchFamily="2" charset="0"/>
+              </a:rPr>
+            </a:br>
+            <a:br>
+              <a:rPr lang="cs-CZ" b="0" i="0" dirty="0">
+                <a:solidFill>
+                  <a:srgbClr val="FFFFFF"/>
+                </a:solidFill>
+                <a:effectLst/>
+                <a:latin typeface="Roboto Slab" panose="020B0604020202020204" pitchFamily="2" charset="0"/>
+              </a:rPr>
+            </a:br>
             <a:endParaRPr lang="cs-CZ" dirty="0"/>
           </a:p>
         </p:txBody>
@@ -12984,7 +13427,7 @@
     </p:spTree>
     <p:extLst>
       <p:ext uri="{BB962C8B-B14F-4D97-AF65-F5344CB8AC3E}">
-        <p14:creationId xmlns:p14="http://schemas.microsoft.com/office/powerpoint/2010/main" val="3115239885"/>
+        <p14:creationId xmlns:p14="http://schemas.microsoft.com/office/powerpoint/2010/main" val="597823284"/>
       </p:ext>
     </p:extLst>
   </p:cSld>
@@ -13036,66 +13479,6 @@
           <a:chExt cx="0" cy="0"/>
         </a:xfrm>
       </p:grpSpPr>
-      <p:sp useBgFill="1">
-        <p:nvSpPr>
-          <p:cNvPr id="9" name="Rectangle 8">
-            <a:extLst>
-              <a:ext uri="{FF2B5EF4-FFF2-40B4-BE49-F238E27FC236}">
-                <a16:creationId xmlns:a16="http://schemas.microsoft.com/office/drawing/2014/main" id="{929448D9-8F1D-4CFE-93BA-E0272F0DBD6E}"/>
-              </a:ext>
-              <a:ext uri="{C183D7F6-B498-43B3-948B-1728B52AA6E4}">
-                <adec:decorative xmlns:adec="http://schemas.microsoft.com/office/drawing/2017/decorative" val="1"/>
-              </a:ext>
-            </a:extLst>
-          </p:cNvPr>
-          <p:cNvSpPr>
-            <a:spLocks noGrp="1" noRot="1" noChangeAspect="1" noMove="1" noResize="1" noEditPoints="1" noAdjustHandles="1" noChangeArrowheads="1" noChangeShapeType="1" noTextEdit="1"/>
-          </p:cNvSpPr>
-          <p:nvPr>
-            <p:extLst>
-              <p:ext uri="{386F3935-93C4-4BCD-93E2-E3B085C9AB24}">
-                <p16:designElem xmlns:p16="http://schemas.microsoft.com/office/powerpoint/2015/main" val="1"/>
-              </p:ext>
-            </p:extLst>
-          </p:nvPr>
-        </p:nvSpPr>
-        <p:spPr>
-          <a:xfrm>
-            <a:off x="0" y="0"/>
-            <a:ext cx="12192000" cy="6858000"/>
-          </a:xfrm>
-          <a:prstGeom prst="rect">
-            <a:avLst/>
-          </a:prstGeom>
-          <a:ln>
-            <a:noFill/>
-          </a:ln>
-        </p:spPr>
-        <p:style>
-          <a:lnRef idx="2">
-            <a:schemeClr val="accent1">
-              <a:shade val="50000"/>
-            </a:schemeClr>
-          </a:lnRef>
-          <a:fillRef idx="1">
-            <a:schemeClr val="accent1"/>
-          </a:fillRef>
-          <a:effectRef idx="0">
-            <a:schemeClr val="accent1"/>
-          </a:effectRef>
-          <a:fontRef idx="minor">
-            <a:schemeClr val="lt1"/>
-          </a:fontRef>
-        </p:style>
-        <p:txBody>
-          <a:bodyPr rtlCol="0" anchor="ctr"/>
-          <a:lstStyle/>
-          <a:p>
-            <a:pPr algn="ctr"/>
-            <a:endParaRPr lang="en-US"/>
-          </a:p>
-        </p:txBody>
-      </p:sp>
       <p:sp>
         <p:nvSpPr>
           <p:cNvPr id="2" name="Nadpis 1">
@@ -13114,8 +13497,8 @@
         </p:nvSpPr>
         <p:spPr>
           <a:xfrm>
-            <a:off x="684212" y="4487332"/>
-            <a:ext cx="7543800" cy="1507067"/>
+            <a:off x="493593" y="262821"/>
+            <a:ext cx="7632312" cy="1507067"/>
           </a:xfrm>
         </p:spPr>
         <p:txBody>
@@ -13125,7 +13508,7 @@
           <a:lstStyle/>
           <a:p>
             <a:r>
-              <a:rPr lang="cs-CZ"/>
+              <a:rPr lang="cs-CZ" dirty="0"/>
               <a:t>Co je Linkedin</a:t>
             </a:r>
           </a:p>
@@ -13149,8 +13532,8 @@
         </p:nvSpPr>
         <p:spPr>
           <a:xfrm>
-            <a:off x="684211" y="685800"/>
-            <a:ext cx="7493137" cy="3615267"/>
+            <a:off x="493593" y="2668925"/>
+            <a:ext cx="7632312" cy="3539755"/>
           </a:xfrm>
         </p:spPr>
         <p:txBody>
@@ -13160,7 +13543,7 @@
           <a:lstStyle/>
           <a:p>
             <a:r>
-              <a:rPr lang="cs-CZ" dirty="0"/>
+              <a:rPr lang="cs-CZ" sz="2800" dirty="0"/>
               <a:t>Celosvětově největší profesní síť</a:t>
             </a:r>
           </a:p>
@@ -13169,7 +13552,7 @@
           </a:p>
           <a:p>
             <a:r>
-              <a:rPr lang="cs-CZ" dirty="0"/>
+              <a:rPr lang="cs-CZ" sz="2800" dirty="0"/>
               <a:t>Platforma pro každého </a:t>
             </a:r>
           </a:p>
@@ -13214,288 +13597,6 @@
           </a:effectLst>
         </p:spPr>
       </p:pic>
-      <p:grpSp>
-        <p:nvGrpSpPr>
-          <p:cNvPr id="11" name="Group 10">
-            <a:extLst>
-              <a:ext uri="{FF2B5EF4-FFF2-40B4-BE49-F238E27FC236}">
-                <a16:creationId xmlns:a16="http://schemas.microsoft.com/office/drawing/2014/main" id="{94749DEA-AC6C-4834-A330-03A1796B8929}"/>
-              </a:ext>
-              <a:ext uri="{C183D7F6-B498-43B3-948B-1728B52AA6E4}">
-                <adec:decorative xmlns:adec="http://schemas.microsoft.com/office/drawing/2017/decorative" val="1"/>
-              </a:ext>
-            </a:extLst>
-          </p:cNvPr>
-          <p:cNvGrpSpPr>
-            <a:grpSpLocks noGrp="1" noUngrp="1" noRot="1" noChangeAspect="1" noMove="1" noResize="1"/>
-          </p:cNvGrpSpPr>
-          <p:nvPr>
-            <p:extLst>
-              <p:ext uri="{386F3935-93C4-4BCD-93E2-E3B085C9AB24}">
-                <p16:designElem xmlns:p16="http://schemas.microsoft.com/office/powerpoint/2015/main" val="1"/>
-              </p:ext>
-            </p:extLst>
-          </p:nvPr>
-        </p:nvGrpSpPr>
-        <p:grpSpPr>
-          <a:xfrm>
-            <a:off x="9206969" y="2963333"/>
-            <a:ext cx="2981858" cy="3208867"/>
-            <a:chOff x="9206969" y="2963333"/>
-            <a:chExt cx="2981858" cy="3208867"/>
-          </a:xfrm>
-        </p:grpSpPr>
-        <p:cxnSp>
-          <p:nvCxnSpPr>
-            <p:cNvPr id="12" name="Straight Connector 11">
-              <a:extLst>
-                <a:ext uri="{FF2B5EF4-FFF2-40B4-BE49-F238E27FC236}">
-                  <a16:creationId xmlns:a16="http://schemas.microsoft.com/office/drawing/2014/main" id="{20CBC5D1-BAF0-454E-9D7C-68370AA9545E}"/>
-                </a:ext>
-                <a:ext uri="{C183D7F6-B498-43B3-948B-1728B52AA6E4}">
-                  <adec:decorative xmlns:adec="http://schemas.microsoft.com/office/drawing/2017/decorative" val="1"/>
-                </a:ext>
-              </a:extLst>
-            </p:cNvPr>
-            <p:cNvCxnSpPr/>
-            <p:nvPr>
-              <p:extLst>
-                <p:ext uri="{386F3935-93C4-4BCD-93E2-E3B085C9AB24}">
-                  <p16:designElem xmlns:p16="http://schemas.microsoft.com/office/powerpoint/2015/main" val="1"/>
-                </p:ext>
-              </p:extLst>
-            </p:nvPr>
-          </p:nvCxnSpPr>
-          <p:spPr>
-            <a:xfrm flipH="1">
-              <a:off x="11276012" y="2963333"/>
-              <a:ext cx="912814" cy="912812"/>
-            </a:xfrm>
-            <a:prstGeom prst="line">
-              <a:avLst/>
-            </a:prstGeom>
-            <a:ln w="9525">
-              <a:solidFill>
-                <a:schemeClr val="tx1"/>
-              </a:solidFill>
-            </a:ln>
-          </p:spPr>
-          <p:style>
-            <a:lnRef idx="2">
-              <a:schemeClr val="accent1"/>
-            </a:lnRef>
-            <a:fillRef idx="0">
-              <a:schemeClr val="accent1"/>
-            </a:fillRef>
-            <a:effectRef idx="1">
-              <a:schemeClr val="accent1"/>
-            </a:effectRef>
-            <a:fontRef idx="minor">
-              <a:schemeClr val="tx1"/>
-            </a:fontRef>
-          </p:style>
-        </p:cxnSp>
-        <p:cxnSp>
-          <p:nvCxnSpPr>
-            <p:cNvPr id="13" name="Straight Connector 12">
-              <a:extLst>
-                <a:ext uri="{FF2B5EF4-FFF2-40B4-BE49-F238E27FC236}">
-                  <a16:creationId xmlns:a16="http://schemas.microsoft.com/office/drawing/2014/main" id="{8ABB9F45-32F7-4915-A94F-F1E34B32DEDC}"/>
-                </a:ext>
-                <a:ext uri="{C183D7F6-B498-43B3-948B-1728B52AA6E4}">
-                  <adec:decorative xmlns:adec="http://schemas.microsoft.com/office/drawing/2017/decorative" val="1"/>
-                </a:ext>
-              </a:extLst>
-            </p:cNvPr>
-            <p:cNvCxnSpPr/>
-            <p:nvPr>
-              <p:extLst>
-                <p:ext uri="{386F3935-93C4-4BCD-93E2-E3B085C9AB24}">
-                  <p16:designElem xmlns:p16="http://schemas.microsoft.com/office/powerpoint/2015/main" val="1"/>
-                </p:ext>
-              </p:extLst>
-            </p:nvPr>
-          </p:nvCxnSpPr>
-          <p:spPr>
-            <a:xfrm flipH="1">
-              <a:off x="9206969" y="3190344"/>
-              <a:ext cx="2981857" cy="2981856"/>
-            </a:xfrm>
-            <a:prstGeom prst="line">
-              <a:avLst/>
-            </a:prstGeom>
-            <a:ln w="9525">
-              <a:solidFill>
-                <a:schemeClr val="tx1"/>
-              </a:solidFill>
-            </a:ln>
-          </p:spPr>
-          <p:style>
-            <a:lnRef idx="2">
-              <a:schemeClr val="accent1"/>
-            </a:lnRef>
-            <a:fillRef idx="0">
-              <a:schemeClr val="accent1"/>
-            </a:fillRef>
-            <a:effectRef idx="1">
-              <a:schemeClr val="accent1"/>
-            </a:effectRef>
-            <a:fontRef idx="minor">
-              <a:schemeClr val="tx1"/>
-            </a:fontRef>
-          </p:style>
-        </p:cxnSp>
-        <p:cxnSp>
-          <p:nvCxnSpPr>
-            <p:cNvPr id="14" name="Straight Connector 13">
-              <a:extLst>
-                <a:ext uri="{FF2B5EF4-FFF2-40B4-BE49-F238E27FC236}">
-                  <a16:creationId xmlns:a16="http://schemas.microsoft.com/office/drawing/2014/main" id="{94EA6F09-00FD-4C50-A2DF-D0B1CC4C9AB1}"/>
-                </a:ext>
-                <a:ext uri="{C183D7F6-B498-43B3-948B-1728B52AA6E4}">
-                  <adec:decorative xmlns:adec="http://schemas.microsoft.com/office/drawing/2017/decorative" val="1"/>
-                </a:ext>
-              </a:extLst>
-            </p:cNvPr>
-            <p:cNvCxnSpPr/>
-            <p:nvPr>
-              <p:extLst>
-                <p:ext uri="{386F3935-93C4-4BCD-93E2-E3B085C9AB24}">
-                  <p16:designElem xmlns:p16="http://schemas.microsoft.com/office/powerpoint/2015/main" val="1"/>
-                </p:ext>
-              </p:extLst>
-            </p:nvPr>
-          </p:nvCxnSpPr>
-          <p:spPr>
-            <a:xfrm flipH="1">
-              <a:off x="10292292" y="3285067"/>
-              <a:ext cx="1896534" cy="1896533"/>
-            </a:xfrm>
-            <a:prstGeom prst="line">
-              <a:avLst/>
-            </a:prstGeom>
-            <a:ln w="9525">
-              <a:solidFill>
-                <a:schemeClr val="tx1"/>
-              </a:solidFill>
-            </a:ln>
-          </p:spPr>
-          <p:style>
-            <a:lnRef idx="2">
-              <a:schemeClr val="accent1"/>
-            </a:lnRef>
-            <a:fillRef idx="0">
-              <a:schemeClr val="accent1"/>
-            </a:fillRef>
-            <a:effectRef idx="1">
-              <a:schemeClr val="accent1"/>
-            </a:effectRef>
-            <a:fontRef idx="minor">
-              <a:schemeClr val="tx1"/>
-            </a:fontRef>
-          </p:style>
-        </p:cxnSp>
-        <p:cxnSp>
-          <p:nvCxnSpPr>
-            <p:cNvPr id="15" name="Straight Connector 14">
-              <a:extLst>
-                <a:ext uri="{FF2B5EF4-FFF2-40B4-BE49-F238E27FC236}">
-                  <a16:creationId xmlns:a16="http://schemas.microsoft.com/office/drawing/2014/main" id="{4B8B975B-2618-4734-A401-FAB74519010B}"/>
-                </a:ext>
-                <a:ext uri="{C183D7F6-B498-43B3-948B-1728B52AA6E4}">
-                  <adec:decorative xmlns:adec="http://schemas.microsoft.com/office/drawing/2017/decorative" val="1"/>
-                </a:ext>
-              </a:extLst>
-            </p:cNvPr>
-            <p:cNvCxnSpPr/>
-            <p:nvPr>
-              <p:extLst>
-                <p:ext uri="{386F3935-93C4-4BCD-93E2-E3B085C9AB24}">
-                  <p16:designElem xmlns:p16="http://schemas.microsoft.com/office/powerpoint/2015/main" val="1"/>
-                </p:ext>
-              </p:extLst>
-            </p:nvPr>
-          </p:nvCxnSpPr>
-          <p:spPr>
-            <a:xfrm flipH="1">
-              <a:off x="10443103" y="3131080"/>
-              <a:ext cx="1745722" cy="1745720"/>
-            </a:xfrm>
-            <a:prstGeom prst="line">
-              <a:avLst/>
-            </a:prstGeom>
-            <a:ln w="28575">
-              <a:solidFill>
-                <a:schemeClr val="tx1"/>
-              </a:solidFill>
-            </a:ln>
-          </p:spPr>
-          <p:style>
-            <a:lnRef idx="2">
-              <a:schemeClr val="accent1"/>
-            </a:lnRef>
-            <a:fillRef idx="0">
-              <a:schemeClr val="accent1"/>
-            </a:fillRef>
-            <a:effectRef idx="1">
-              <a:schemeClr val="accent1"/>
-            </a:effectRef>
-            <a:fontRef idx="minor">
-              <a:schemeClr val="tx1"/>
-            </a:fontRef>
-          </p:style>
-        </p:cxnSp>
-        <p:cxnSp>
-          <p:nvCxnSpPr>
-            <p:cNvPr id="16" name="Straight Connector 15">
-              <a:extLst>
-                <a:ext uri="{FF2B5EF4-FFF2-40B4-BE49-F238E27FC236}">
-                  <a16:creationId xmlns:a16="http://schemas.microsoft.com/office/drawing/2014/main" id="{4EF4B123-0577-4F10-986B-6BD86396ABBE}"/>
-                </a:ext>
-                <a:ext uri="{C183D7F6-B498-43B3-948B-1728B52AA6E4}">
-                  <adec:decorative xmlns:adec="http://schemas.microsoft.com/office/drawing/2017/decorative" val="1"/>
-                </a:ext>
-              </a:extLst>
-            </p:cNvPr>
-            <p:cNvCxnSpPr/>
-            <p:nvPr>
-              <p:extLst>
-                <p:ext uri="{386F3935-93C4-4BCD-93E2-E3B085C9AB24}">
-                  <p16:designElem xmlns:p16="http://schemas.microsoft.com/office/powerpoint/2015/main" val="1"/>
-                </p:ext>
-              </p:extLst>
-            </p:nvPr>
-          </p:nvCxnSpPr>
-          <p:spPr>
-            <a:xfrm flipH="1">
-              <a:off x="10918826" y="3683001"/>
-              <a:ext cx="1270001" cy="1269999"/>
-            </a:xfrm>
-            <a:prstGeom prst="line">
-              <a:avLst/>
-            </a:prstGeom>
-            <a:ln w="28575">
-              <a:solidFill>
-                <a:schemeClr val="tx1"/>
-              </a:solidFill>
-            </a:ln>
-          </p:spPr>
-          <p:style>
-            <a:lnRef idx="2">
-              <a:schemeClr val="accent1"/>
-            </a:lnRef>
-            <a:fillRef idx="0">
-              <a:schemeClr val="accent1"/>
-            </a:fillRef>
-            <a:effectRef idx="1">
-              <a:schemeClr val="accent1"/>
-            </a:effectRef>
-            <a:fontRef idx="minor">
-              <a:schemeClr val="tx1"/>
-            </a:fontRef>
-          </p:style>
-        </p:cxnSp>
-      </p:grpSp>
     </p:spTree>
     <p:extLst>
       <p:ext uri="{BB962C8B-B14F-4D97-AF65-F5344CB8AC3E}">
@@ -13607,7 +13708,7 @@
           <a:lstStyle/>
           <a:p>
             <a:pPr algn="ctr"/>
-            <a:endParaRPr lang="en-US"/>
+            <a:endParaRPr lang="en-US" dirty="0"/>
           </a:p>
         </p:txBody>
       </p:sp>
@@ -13629,7 +13730,7 @@
         </p:nvSpPr>
         <p:spPr>
           <a:xfrm>
-            <a:off x="684212" y="4487332"/>
+            <a:off x="658879" y="169855"/>
             <a:ext cx="7543800" cy="1507067"/>
           </a:xfrm>
         </p:spPr>
@@ -13639,6 +13740,18 @@
           </a:bodyPr>
           <a:lstStyle/>
           <a:p>
+            <a:r>
+              <a:rPr lang="cs-CZ" dirty="0" err="1"/>
+              <a:t>Github</a:t>
+            </a:r>
+            <a:r>
+              <a:rPr lang="cs-CZ" dirty="0"/>
+              <a:t>- </a:t>
+            </a:r>
+            <a:r>
+              <a:rPr lang="cs-CZ" dirty="0" err="1"/>
+              <a:t>repozitář</a:t>
+            </a:r>
             <a:endParaRPr lang="cs-CZ" dirty="0"/>
           </a:p>
         </p:txBody>
@@ -13661,8 +13774,8 @@
         </p:nvSpPr>
         <p:spPr>
           <a:xfrm>
-            <a:off x="684211" y="685800"/>
-            <a:ext cx="7493137" cy="3615267"/>
+            <a:off x="658879" y="2963333"/>
+            <a:ext cx="7493137" cy="2306251"/>
           </a:xfrm>
         </p:spPr>
         <p:txBody>
@@ -13671,7 +13784,26 @@
           </a:bodyPr>
           <a:lstStyle/>
           <a:p>
-            <a:endParaRPr lang="cs-CZ" dirty="0"/>
+            <a:r>
+              <a:rPr lang="cs-CZ" dirty="0">
+                <a:solidFill>
+                  <a:schemeClr val="bg1"/>
+                </a:solidFill>
+                <a:hlinkClick r:id="rId3">
+                  <a:extLst>
+                    <a:ext uri="{A12FA001-AC4F-418D-AE19-62706E023703}">
+                      <ahyp:hlinkClr xmlns:ahyp="http://schemas.microsoft.com/office/drawing/2018/hyperlinkcolor" val="tx"/>
+                    </a:ext>
+                  </a:extLst>
+                </a:hlinkClick>
+              </a:rPr>
+              <a:t>https://github.com/Jelenos69/I11-prezentace-Jelinek.git</a:t>
+            </a:r>
+            <a:endParaRPr lang="cs-CZ" dirty="0">
+              <a:solidFill>
+                <a:schemeClr val="bg1"/>
+              </a:solidFill>
+            </a:endParaRPr>
           </a:p>
         </p:txBody>
       </p:sp>
@@ -13690,7 +13822,7 @@
           <p:nvPr/>
         </p:nvPicPr>
         <p:blipFill rotWithShape="1">
-          <a:blip r:embed="rId3"/>
+          <a:blip r:embed="rId4"/>
           <a:srcRect l="47059" r="16071"/>
           <a:stretch/>
         </p:blipFill>
@@ -13996,7 +14128,7 @@
     </p:spTree>
     <p:extLst>
       <p:ext uri="{BB962C8B-B14F-4D97-AF65-F5344CB8AC3E}">
-        <p14:creationId xmlns:p14="http://schemas.microsoft.com/office/powerpoint/2010/main" val="597823284"/>
+        <p14:creationId xmlns:p14="http://schemas.microsoft.com/office/powerpoint/2010/main" val="3115239885"/>
       </p:ext>
     </p:extLst>
   </p:cSld>
@@ -14104,7 +14236,7 @@
           <a:lstStyle/>
           <a:p>
             <a:pPr algn="ctr"/>
-            <a:endParaRPr lang="en-US"/>
+            <a:endParaRPr lang="en-US" dirty="0"/>
           </a:p>
         </p:txBody>
       </p:sp>
@@ -14136,7 +14268,10 @@
           </a:bodyPr>
           <a:lstStyle/>
           <a:p>
-            <a:endParaRPr lang="cs-CZ" dirty="0"/>
+            <a:r>
+              <a:rPr lang="cs-CZ" dirty="0"/>
+              <a:t>Zakladatelé</a:t>
+            </a:r>
           </a:p>
         </p:txBody>
       </p:sp>
@@ -14158,7 +14293,7 @@
         </p:nvSpPr>
         <p:spPr>
           <a:xfrm>
-            <a:off x="658880" y="2954430"/>
+            <a:off x="658879" y="2425699"/>
             <a:ext cx="7543800" cy="3615267"/>
           </a:xfrm>
         </p:spPr>
@@ -14168,7 +14303,19 @@
           </a:bodyPr>
           <a:lstStyle/>
           <a:p>
-            <a:endParaRPr lang="cs-CZ" dirty="0"/>
+            <a:r>
+              <a:rPr lang="cs-CZ" sz="2800" dirty="0"/>
+              <a:t>Reid Hoffman</a:t>
+            </a:r>
+          </a:p>
+          <a:p>
+            <a:endParaRPr lang="cs-CZ" sz="2800" dirty="0"/>
+          </a:p>
+          <a:p>
+            <a:r>
+              <a:rPr lang="cs-CZ" sz="2800" dirty="0"/>
+              <a:t>Konstantin Guericke</a:t>
+            </a:r>
           </a:p>
         </p:txBody>
       </p:sp>
@@ -14601,7 +14748,7 @@
           <a:lstStyle/>
           <a:p>
             <a:pPr algn="ctr"/>
-            <a:endParaRPr lang="en-US"/>
+            <a:endParaRPr lang="en-US" dirty="0"/>
           </a:p>
         </p:txBody>
       </p:sp>
@@ -14623,7 +14770,7 @@
         </p:nvSpPr>
         <p:spPr>
           <a:xfrm>
-            <a:off x="684212" y="4487332"/>
+            <a:off x="658879" y="311258"/>
             <a:ext cx="7543800" cy="1507067"/>
           </a:xfrm>
         </p:spPr>
@@ -14633,7 +14780,14 @@
           </a:bodyPr>
           <a:lstStyle/>
           <a:p>
-            <a:endParaRPr lang="cs-CZ" dirty="0"/>
+            <a:r>
+              <a:rPr lang="cs-CZ" dirty="0" err="1"/>
+              <a:t>LinkedIN</a:t>
+            </a:r>
+            <a:r>
+              <a:rPr lang="cs-CZ" dirty="0"/>
+              <a:t> ve světě a v česku</a:t>
+            </a:r>
           </a:p>
         </p:txBody>
       </p:sp>
@@ -14655,7 +14809,7 @@
         </p:nvSpPr>
         <p:spPr>
           <a:xfrm>
-            <a:off x="684211" y="685800"/>
+            <a:off x="658879" y="2196306"/>
             <a:ext cx="7493137" cy="3615267"/>
           </a:xfrm>
         </p:spPr>
@@ -14665,7 +14819,19 @@
           </a:bodyPr>
           <a:lstStyle/>
           <a:p>
-            <a:endParaRPr lang="cs-CZ" dirty="0"/>
+            <a:r>
+              <a:rPr lang="cs-CZ" sz="2800" dirty="0"/>
+              <a:t>Kolem 1,5 milionu uživatelů</a:t>
+            </a:r>
+          </a:p>
+          <a:p>
+            <a:endParaRPr lang="cs-CZ" sz="2800" dirty="0"/>
+          </a:p>
+          <a:p>
+            <a:r>
+              <a:rPr lang="cs-CZ" sz="2800" dirty="0"/>
+              <a:t>Více než 680 milionů členů</a:t>
+            </a:r>
           </a:p>
         </p:txBody>
       </p:sp>
@@ -15098,7 +15264,7 @@
           <a:lstStyle/>
           <a:p>
             <a:pPr algn="ctr"/>
-            <a:endParaRPr lang="en-US"/>
+            <a:endParaRPr lang="en-US" dirty="0"/>
           </a:p>
         </p:txBody>
       </p:sp>
@@ -15120,7 +15286,7 @@
         </p:nvSpPr>
         <p:spPr>
           <a:xfrm>
-            <a:off x="684212" y="4487332"/>
+            <a:off x="684211" y="226416"/>
             <a:ext cx="7543800" cy="1507067"/>
           </a:xfrm>
         </p:spPr>
@@ -15130,7 +15296,10 @@
           </a:bodyPr>
           <a:lstStyle/>
           <a:p>
-            <a:endParaRPr lang="cs-CZ" dirty="0"/>
+            <a:r>
+              <a:rPr lang="cs-CZ" dirty="0"/>
+              <a:t>Tvorba profilu</a:t>
+            </a:r>
           </a:p>
         </p:txBody>
       </p:sp>
@@ -15152,7 +15321,7 @@
         </p:nvSpPr>
         <p:spPr>
           <a:xfrm>
-            <a:off x="684211" y="685800"/>
+            <a:off x="684211" y="3069166"/>
             <a:ext cx="7493137" cy="3615267"/>
           </a:xfrm>
         </p:spPr>
@@ -15595,7 +15764,7 @@
           <a:lstStyle/>
           <a:p>
             <a:pPr algn="ctr"/>
-            <a:endParaRPr lang="en-US"/>
+            <a:endParaRPr lang="en-US" dirty="0"/>
           </a:p>
         </p:txBody>
       </p:sp>
@@ -16092,7 +16261,7 @@
           <a:lstStyle/>
           <a:p>
             <a:pPr algn="ctr"/>
-            <a:endParaRPr lang="en-US"/>
+            <a:endParaRPr lang="en-US" dirty="0"/>
           </a:p>
         </p:txBody>
       </p:sp>
@@ -16589,7 +16758,7 @@
           <a:lstStyle/>
           <a:p>
             <a:pPr algn="ctr"/>
-            <a:endParaRPr lang="en-US"/>
+            <a:endParaRPr lang="en-US" dirty="0"/>
           </a:p>
         </p:txBody>
       </p:sp>
@@ -17086,7 +17255,7 @@
           <a:lstStyle/>
           <a:p>
             <a:pPr algn="ctr"/>
-            <a:endParaRPr lang="en-US"/>
+            <a:endParaRPr lang="en-US" dirty="0"/>
           </a:p>
         </p:txBody>
       </p:sp>

--- a/Jelinek.pptx
+++ b/Jelinek.pptx
@@ -5,7 +5,7 @@
     <p:sldMasterId id="2147483660" r:id="rId1"/>
   </p:sldMasterIdLst>
   <p:notesMasterIdLst>
-    <p:notesMasterId r:id="rId22"/>
+    <p:notesMasterId r:id="rId23"/>
   </p:notesMasterIdLst>
   <p:sldIdLst>
     <p:sldId id="256" r:id="rId2"/>
@@ -13,21 +13,22 @@
     <p:sldId id="258" r:id="rId4"/>
     <p:sldId id="275" r:id="rId5"/>
     <p:sldId id="274" r:id="rId6"/>
-    <p:sldId id="273" r:id="rId7"/>
-    <p:sldId id="272" r:id="rId8"/>
-    <p:sldId id="270" r:id="rId9"/>
-    <p:sldId id="271" r:id="rId10"/>
-    <p:sldId id="269" r:id="rId11"/>
-    <p:sldId id="268" r:id="rId12"/>
-    <p:sldId id="267" r:id="rId13"/>
-    <p:sldId id="266" r:id="rId14"/>
-    <p:sldId id="265" r:id="rId15"/>
-    <p:sldId id="264" r:id="rId16"/>
-    <p:sldId id="259" r:id="rId17"/>
-    <p:sldId id="260" r:id="rId18"/>
-    <p:sldId id="263" r:id="rId19"/>
-    <p:sldId id="262" r:id="rId20"/>
-    <p:sldId id="261" r:id="rId21"/>
+    <p:sldId id="276" r:id="rId7"/>
+    <p:sldId id="277" r:id="rId8"/>
+    <p:sldId id="272" r:id="rId9"/>
+    <p:sldId id="270" r:id="rId10"/>
+    <p:sldId id="271" r:id="rId11"/>
+    <p:sldId id="269" r:id="rId12"/>
+    <p:sldId id="268" r:id="rId13"/>
+    <p:sldId id="267" r:id="rId14"/>
+    <p:sldId id="266" r:id="rId15"/>
+    <p:sldId id="265" r:id="rId16"/>
+    <p:sldId id="264" r:id="rId17"/>
+    <p:sldId id="259" r:id="rId18"/>
+    <p:sldId id="260" r:id="rId19"/>
+    <p:sldId id="263" r:id="rId20"/>
+    <p:sldId id="262" r:id="rId21"/>
+    <p:sldId id="261" r:id="rId22"/>
   </p:sldIdLst>
   <p:sldSz cx="12192000" cy="6858000"/>
   <p:notesSz cx="6858000" cy="9144000"/>
@@ -159,7 +160,7 @@
   <pc:docChgLst>
     <pc:chgData name="Jelínek Ondřej" userId="d4ba8473-0481-49d3-a442-2ad11ee9f53e" providerId="ADAL" clId="{B6683290-0DFB-48F3-8EA6-612140E53258}"/>
     <pc:docChg chg="undo redo custSel modSld sldOrd">
-      <pc:chgData name="Jelínek Ondřej" userId="d4ba8473-0481-49d3-a442-2ad11ee9f53e" providerId="ADAL" clId="{B6683290-0DFB-48F3-8EA6-612140E53258}" dt="2023-01-19T19:43:09.746" v="898" actId="14100"/>
+      <pc:chgData name="Jelínek Ondřej" userId="d4ba8473-0481-49d3-a442-2ad11ee9f53e" providerId="ADAL" clId="{B6683290-0DFB-48F3-8EA6-612140E53258}" dt="2023-01-19T19:48:33.518" v="1087" actId="1076"/>
       <pc:docMkLst>
         <pc:docMk/>
       </pc:docMkLst>
@@ -294,8 +295,8 @@
           </ac:spMkLst>
         </pc:spChg>
       </pc:sldChg>
-      <pc:sldChg chg="modSp mod">
-        <pc:chgData name="Jelínek Ondřej" userId="d4ba8473-0481-49d3-a442-2ad11ee9f53e" providerId="ADAL" clId="{B6683290-0DFB-48F3-8EA6-612140E53258}" dt="2023-01-19T19:27:01.834" v="814" actId="20577"/>
+      <pc:sldChg chg="modSp mod modNotesTx">
+        <pc:chgData name="Jelínek Ondřej" userId="d4ba8473-0481-49d3-a442-2ad11ee9f53e" providerId="ADAL" clId="{B6683290-0DFB-48F3-8EA6-612140E53258}" dt="2023-01-19T19:48:33.518" v="1087" actId="1076"/>
         <pc:sldMkLst>
           <pc:docMk/>
           <pc:sldMk cId="3278096333" sldId="274"/>
@@ -309,7 +310,7 @@
           </ac:spMkLst>
         </pc:spChg>
         <pc:spChg chg="mod">
-          <ac:chgData name="Jelínek Ondřej" userId="d4ba8473-0481-49d3-a442-2ad11ee9f53e" providerId="ADAL" clId="{B6683290-0DFB-48F3-8EA6-612140E53258}" dt="2023-01-19T19:21:32.845" v="704" actId="1076"/>
+          <ac:chgData name="Jelínek Ondřej" userId="d4ba8473-0481-49d3-a442-2ad11ee9f53e" providerId="ADAL" clId="{B6683290-0DFB-48F3-8EA6-612140E53258}" dt="2023-01-19T19:48:33.518" v="1087" actId="1076"/>
           <ac:spMkLst>
             <pc:docMk/>
             <pc:sldMk cId="3278096333" sldId="274"/>
@@ -427,7 +428,7 @@
           <a:p>
             <a:fld id="{F357365F-09E5-4D0B-B342-AF567CF4E92C}" type="datetimeFigureOut">
               <a:rPr lang="cs-CZ" smtClean="0"/>
-              <a:t>19.01.2023</a:t>
+              <a:t>06.02.2023</a:t>
             </a:fld>
             <a:endParaRPr lang="cs-CZ" dirty="0"/>
           </a:p>
@@ -884,7 +885,7 @@
           <a:p>
             <a:fld id="{00DDF4D0-8309-4E64-A990-0D427E2DF5D3}" type="slidenum">
               <a:rPr lang="cs-CZ" smtClean="0"/>
-              <a:t>11</a:t>
+              <a:t>13</a:t>
             </a:fld>
             <a:endParaRPr lang="cs-CZ" dirty="0"/>
           </a:p>
@@ -893,7 +894,7 @@
     </p:spTree>
     <p:extLst>
       <p:ext uri="{BB962C8B-B14F-4D97-AF65-F5344CB8AC3E}">
-        <p14:creationId xmlns:p14="http://schemas.microsoft.com/office/powerpoint/2010/main" val="2221048654"/>
+        <p14:creationId xmlns:p14="http://schemas.microsoft.com/office/powerpoint/2010/main" val="93439173"/>
       </p:ext>
     </p:extLst>
   </p:cSld>
@@ -972,7 +973,7 @@
           <a:p>
             <a:fld id="{00DDF4D0-8309-4E64-A990-0D427E2DF5D3}" type="slidenum">
               <a:rPr lang="cs-CZ" smtClean="0"/>
-              <a:t>12</a:t>
+              <a:t>14</a:t>
             </a:fld>
             <a:endParaRPr lang="cs-CZ" dirty="0"/>
           </a:p>
@@ -981,7 +982,7 @@
     </p:spTree>
     <p:extLst>
       <p:ext uri="{BB962C8B-B14F-4D97-AF65-F5344CB8AC3E}">
-        <p14:creationId xmlns:p14="http://schemas.microsoft.com/office/powerpoint/2010/main" val="93439173"/>
+        <p14:creationId xmlns:p14="http://schemas.microsoft.com/office/powerpoint/2010/main" val="3599003938"/>
       </p:ext>
     </p:extLst>
   </p:cSld>
@@ -1060,7 +1061,7 @@
           <a:p>
             <a:fld id="{00DDF4D0-8309-4E64-A990-0D427E2DF5D3}" type="slidenum">
               <a:rPr lang="cs-CZ" smtClean="0"/>
-              <a:t>13</a:t>
+              <a:t>15</a:t>
             </a:fld>
             <a:endParaRPr lang="cs-CZ" dirty="0"/>
           </a:p>
@@ -1069,7 +1070,7 @@
     </p:spTree>
     <p:extLst>
       <p:ext uri="{BB962C8B-B14F-4D97-AF65-F5344CB8AC3E}">
-        <p14:creationId xmlns:p14="http://schemas.microsoft.com/office/powerpoint/2010/main" val="3599003938"/>
+        <p14:creationId xmlns:p14="http://schemas.microsoft.com/office/powerpoint/2010/main" val="293896525"/>
       </p:ext>
     </p:extLst>
   </p:cSld>
@@ -1148,7 +1149,7 @@
           <a:p>
             <a:fld id="{00DDF4D0-8309-4E64-A990-0D427E2DF5D3}" type="slidenum">
               <a:rPr lang="cs-CZ" smtClean="0"/>
-              <a:t>14</a:t>
+              <a:t>16</a:t>
             </a:fld>
             <a:endParaRPr lang="cs-CZ" dirty="0"/>
           </a:p>
@@ -1157,7 +1158,7 @@
     </p:spTree>
     <p:extLst>
       <p:ext uri="{BB962C8B-B14F-4D97-AF65-F5344CB8AC3E}">
-        <p14:creationId xmlns:p14="http://schemas.microsoft.com/office/powerpoint/2010/main" val="293896525"/>
+        <p14:creationId xmlns:p14="http://schemas.microsoft.com/office/powerpoint/2010/main" val="3870885248"/>
       </p:ext>
     </p:extLst>
   </p:cSld>
@@ -1236,7 +1237,7 @@
           <a:p>
             <a:fld id="{00DDF4D0-8309-4E64-A990-0D427E2DF5D3}" type="slidenum">
               <a:rPr lang="cs-CZ" smtClean="0"/>
-              <a:t>15</a:t>
+              <a:t>17</a:t>
             </a:fld>
             <a:endParaRPr lang="cs-CZ" dirty="0"/>
           </a:p>
@@ -1245,7 +1246,7 @@
     </p:spTree>
     <p:extLst>
       <p:ext uri="{BB962C8B-B14F-4D97-AF65-F5344CB8AC3E}">
-        <p14:creationId xmlns:p14="http://schemas.microsoft.com/office/powerpoint/2010/main" val="3870885248"/>
+        <p14:creationId xmlns:p14="http://schemas.microsoft.com/office/powerpoint/2010/main" val="3260422603"/>
       </p:ext>
     </p:extLst>
   </p:cSld>
@@ -1324,7 +1325,7 @@
           <a:p>
             <a:fld id="{00DDF4D0-8309-4E64-A990-0D427E2DF5D3}" type="slidenum">
               <a:rPr lang="cs-CZ" smtClean="0"/>
-              <a:t>16</a:t>
+              <a:t>18</a:t>
             </a:fld>
             <a:endParaRPr lang="cs-CZ" dirty="0"/>
           </a:p>
@@ -1333,7 +1334,7 @@
     </p:spTree>
     <p:extLst>
       <p:ext uri="{BB962C8B-B14F-4D97-AF65-F5344CB8AC3E}">
-        <p14:creationId xmlns:p14="http://schemas.microsoft.com/office/powerpoint/2010/main" val="3260422603"/>
+        <p14:creationId xmlns:p14="http://schemas.microsoft.com/office/powerpoint/2010/main" val="2458774059"/>
       </p:ext>
     </p:extLst>
   </p:cSld>
@@ -1412,7 +1413,7 @@
           <a:p>
             <a:fld id="{00DDF4D0-8309-4E64-A990-0D427E2DF5D3}" type="slidenum">
               <a:rPr lang="cs-CZ" smtClean="0"/>
-              <a:t>17</a:t>
+              <a:t>19</a:t>
             </a:fld>
             <a:endParaRPr lang="cs-CZ" dirty="0"/>
           </a:p>
@@ -1421,7 +1422,7 @@
     </p:spTree>
     <p:extLst>
       <p:ext uri="{BB962C8B-B14F-4D97-AF65-F5344CB8AC3E}">
-        <p14:creationId xmlns:p14="http://schemas.microsoft.com/office/powerpoint/2010/main" val="2458774059"/>
+        <p14:creationId xmlns:p14="http://schemas.microsoft.com/office/powerpoint/2010/main" val="1704283237"/>
       </p:ext>
     </p:extLst>
   </p:cSld>
@@ -1500,7 +1501,7 @@
           <a:p>
             <a:fld id="{00DDF4D0-8309-4E64-A990-0D427E2DF5D3}" type="slidenum">
               <a:rPr lang="cs-CZ" smtClean="0"/>
-              <a:t>18</a:t>
+              <a:t>20</a:t>
             </a:fld>
             <a:endParaRPr lang="cs-CZ" dirty="0"/>
           </a:p>
@@ -1509,7 +1510,7 @@
     </p:spTree>
     <p:extLst>
       <p:ext uri="{BB962C8B-B14F-4D97-AF65-F5344CB8AC3E}">
-        <p14:creationId xmlns:p14="http://schemas.microsoft.com/office/powerpoint/2010/main" val="1704283237"/>
+        <p14:creationId xmlns:p14="http://schemas.microsoft.com/office/powerpoint/2010/main" val="1675911232"/>
       </p:ext>
     </p:extLst>
   </p:cSld>
@@ -1588,95 +1589,7 @@
           <a:p>
             <a:fld id="{00DDF4D0-8309-4E64-A990-0D427E2DF5D3}" type="slidenum">
               <a:rPr lang="cs-CZ" smtClean="0"/>
-              <a:t>19</a:t>
-            </a:fld>
-            <a:endParaRPr lang="cs-CZ" dirty="0"/>
-          </a:p>
-        </p:txBody>
-      </p:sp>
-    </p:spTree>
-    <p:extLst>
-      <p:ext uri="{BB962C8B-B14F-4D97-AF65-F5344CB8AC3E}">
-        <p14:creationId xmlns:p14="http://schemas.microsoft.com/office/powerpoint/2010/main" val="1675911232"/>
-      </p:ext>
-    </p:extLst>
-  </p:cSld>
-  <p:clrMapOvr>
-    <a:masterClrMapping/>
-  </p:clrMapOvr>
-</p:notes>
-</file>
-
-<file path=ppt/notesSlides/notesSlide19.xml><?xml version="1.0" encoding="utf-8"?>
-<p:notes xmlns:a="http://schemas.openxmlformats.org/drawingml/2006/main" xmlns:r="http://schemas.openxmlformats.org/officeDocument/2006/relationships" xmlns:p="http://schemas.openxmlformats.org/presentationml/2006/main">
-  <p:cSld>
-    <p:spTree>
-      <p:nvGrpSpPr>
-        <p:cNvPr id="1" name=""/>
-        <p:cNvGrpSpPr/>
-        <p:nvPr/>
-      </p:nvGrpSpPr>
-      <p:grpSpPr>
-        <a:xfrm>
-          <a:off x="0" y="0"/>
-          <a:ext cx="0" cy="0"/>
-          <a:chOff x="0" y="0"/>
-          <a:chExt cx="0" cy="0"/>
-        </a:xfrm>
-      </p:grpSpPr>
-      <p:sp>
-        <p:nvSpPr>
-          <p:cNvPr id="2" name="Zástupný symbol pro obrázek snímku 1"/>
-          <p:cNvSpPr>
-            <a:spLocks noGrp="1" noRot="1" noChangeAspect="1"/>
-          </p:cNvSpPr>
-          <p:nvPr>
-            <p:ph type="sldImg"/>
-          </p:nvPr>
-        </p:nvSpPr>
-        <p:spPr/>
-      </p:sp>
-      <p:sp>
-        <p:nvSpPr>
-          <p:cNvPr id="3" name="Zástupný symbol pro poznámky 2"/>
-          <p:cNvSpPr>
-            <a:spLocks noGrp="1"/>
-          </p:cNvSpPr>
-          <p:nvPr>
-            <p:ph type="body" idx="1"/>
-          </p:nvPr>
-        </p:nvSpPr>
-        <p:spPr/>
-        <p:txBody>
-          <a:bodyPr/>
-          <a:lstStyle/>
-          <a:p>
-            <a:pPr marL="228600" indent="-228600">
-              <a:buFont typeface="+mj-lt"/>
-              <a:buAutoNum type="arabicPeriod"/>
-            </a:pPr>
-            <a:endParaRPr lang="cs-CZ" dirty="0"/>
-          </a:p>
-        </p:txBody>
-      </p:sp>
-      <p:sp>
-        <p:nvSpPr>
-          <p:cNvPr id="4" name="Zástupný symbol pro číslo snímku 3"/>
-          <p:cNvSpPr>
-            <a:spLocks noGrp="1"/>
-          </p:cNvSpPr>
-          <p:nvPr>
-            <p:ph type="sldNum" sz="quarter" idx="5"/>
-          </p:nvPr>
-        </p:nvSpPr>
-        <p:spPr/>
-        <p:txBody>
-          <a:bodyPr/>
-          <a:lstStyle/>
-          <a:p>
-            <a:fld id="{00DDF4D0-8309-4E64-A990-0D427E2DF5D3}" type="slidenum">
-              <a:rPr lang="cs-CZ" smtClean="0"/>
-              <a:t>20</a:t>
+              <a:t>21</a:t>
             </a:fld>
             <a:endParaRPr lang="cs-CZ" dirty="0"/>
           </a:p>
@@ -1995,7 +1908,10 @@
               <a:buFont typeface="+mj-lt"/>
               <a:buAutoNum type="arabicPeriod"/>
             </a:pPr>
-            <a:endParaRPr lang="cs-CZ" dirty="0"/>
+            <a:r>
+              <a:rPr lang="cs-CZ" dirty="0"/>
+              <a:t>Díky propojení tel. Čísla vzniká právě „provázaná síť uživatelů“</a:t>
+            </a:r>
           </a:p>
         </p:txBody>
       </p:sp>
@@ -2104,7 +2020,7 @@
           <a:p>
             <a:fld id="{00DDF4D0-8309-4E64-A990-0D427E2DF5D3}" type="slidenum">
               <a:rPr lang="cs-CZ" smtClean="0"/>
-              <a:t>6</a:t>
+              <a:t>8</a:t>
             </a:fld>
             <a:endParaRPr lang="cs-CZ" dirty="0"/>
           </a:p>
@@ -2113,7 +2029,7 @@
     </p:spTree>
     <p:extLst>
       <p:ext uri="{BB962C8B-B14F-4D97-AF65-F5344CB8AC3E}">
-        <p14:creationId xmlns:p14="http://schemas.microsoft.com/office/powerpoint/2010/main" val="654053177"/>
+        <p14:creationId xmlns:p14="http://schemas.microsoft.com/office/powerpoint/2010/main" val="2608549762"/>
       </p:ext>
     </p:extLst>
   </p:cSld>
@@ -2192,7 +2108,7 @@
           <a:p>
             <a:fld id="{00DDF4D0-8309-4E64-A990-0D427E2DF5D3}" type="slidenum">
               <a:rPr lang="cs-CZ" smtClean="0"/>
-              <a:t>7</a:t>
+              <a:t>9</a:t>
             </a:fld>
             <a:endParaRPr lang="cs-CZ" dirty="0"/>
           </a:p>
@@ -2201,7 +2117,7 @@
     </p:spTree>
     <p:extLst>
       <p:ext uri="{BB962C8B-B14F-4D97-AF65-F5344CB8AC3E}">
-        <p14:creationId xmlns:p14="http://schemas.microsoft.com/office/powerpoint/2010/main" val="2608549762"/>
+        <p14:creationId xmlns:p14="http://schemas.microsoft.com/office/powerpoint/2010/main" val="1552412930"/>
       </p:ext>
     </p:extLst>
   </p:cSld>
@@ -2280,7 +2196,7 @@
           <a:p>
             <a:fld id="{00DDF4D0-8309-4E64-A990-0D427E2DF5D3}" type="slidenum">
               <a:rPr lang="cs-CZ" smtClean="0"/>
-              <a:t>8</a:t>
+              <a:t>10</a:t>
             </a:fld>
             <a:endParaRPr lang="cs-CZ" dirty="0"/>
           </a:p>
@@ -2289,7 +2205,7 @@
     </p:spTree>
     <p:extLst>
       <p:ext uri="{BB962C8B-B14F-4D97-AF65-F5344CB8AC3E}">
-        <p14:creationId xmlns:p14="http://schemas.microsoft.com/office/powerpoint/2010/main" val="1552412930"/>
+        <p14:creationId xmlns:p14="http://schemas.microsoft.com/office/powerpoint/2010/main" val="2888970641"/>
       </p:ext>
     </p:extLst>
   </p:cSld>
@@ -2368,7 +2284,7 @@
           <a:p>
             <a:fld id="{00DDF4D0-8309-4E64-A990-0D427E2DF5D3}" type="slidenum">
               <a:rPr lang="cs-CZ" smtClean="0"/>
-              <a:t>9</a:t>
+              <a:t>11</a:t>
             </a:fld>
             <a:endParaRPr lang="cs-CZ" dirty="0"/>
           </a:p>
@@ -2377,7 +2293,7 @@
     </p:spTree>
     <p:extLst>
       <p:ext uri="{BB962C8B-B14F-4D97-AF65-F5344CB8AC3E}">
-        <p14:creationId xmlns:p14="http://schemas.microsoft.com/office/powerpoint/2010/main" val="2888970641"/>
+        <p14:creationId xmlns:p14="http://schemas.microsoft.com/office/powerpoint/2010/main" val="638928311"/>
       </p:ext>
     </p:extLst>
   </p:cSld>
@@ -2456,7 +2372,7 @@
           <a:p>
             <a:fld id="{00DDF4D0-8309-4E64-A990-0D427E2DF5D3}" type="slidenum">
               <a:rPr lang="cs-CZ" smtClean="0"/>
-              <a:t>10</a:t>
+              <a:t>12</a:t>
             </a:fld>
             <a:endParaRPr lang="cs-CZ" dirty="0"/>
           </a:p>
@@ -2465,7 +2381,7 @@
     </p:spTree>
     <p:extLst>
       <p:ext uri="{BB962C8B-B14F-4D97-AF65-F5344CB8AC3E}">
-        <p14:creationId xmlns:p14="http://schemas.microsoft.com/office/powerpoint/2010/main" val="638928311"/>
+        <p14:creationId xmlns:p14="http://schemas.microsoft.com/office/powerpoint/2010/main" val="2221048654"/>
       </p:ext>
     </p:extLst>
   </p:cSld>
@@ -2666,7 +2582,7 @@
           <a:p>
             <a:fld id="{79EEDE6A-8037-448A-A111-0D1B671B68E3}" type="datetimeFigureOut">
               <a:rPr lang="cs-CZ" smtClean="0"/>
-              <a:t>19.01.2023</a:t>
+              <a:t>06.02.2023</a:t>
             </a:fld>
             <a:endParaRPr lang="cs-CZ" dirty="0"/>
           </a:p>
@@ -3102,7 +3018,7 @@
           <a:p>
             <a:fld id="{79EEDE6A-8037-448A-A111-0D1B671B68E3}" type="datetimeFigureOut">
               <a:rPr lang="cs-CZ" smtClean="0"/>
-              <a:t>19.01.2023</a:t>
+              <a:t>06.02.2023</a:t>
             </a:fld>
             <a:endParaRPr lang="cs-CZ" dirty="0"/>
           </a:p>
@@ -3352,7 +3268,7 @@
           <a:p>
             <a:fld id="{79EEDE6A-8037-448A-A111-0D1B671B68E3}" type="datetimeFigureOut">
               <a:rPr lang="cs-CZ" smtClean="0"/>
-              <a:t>19.01.2023</a:t>
+              <a:t>06.02.2023</a:t>
             </a:fld>
             <a:endParaRPr lang="cs-CZ" dirty="0"/>
           </a:p>
@@ -3660,7 +3576,7 @@
           <a:p>
             <a:fld id="{79EEDE6A-8037-448A-A111-0D1B671B68E3}" type="datetimeFigureOut">
               <a:rPr lang="cs-CZ" smtClean="0"/>
-              <a:t>19.01.2023</a:t>
+              <a:t>06.02.2023</a:t>
             </a:fld>
             <a:endParaRPr lang="cs-CZ" dirty="0"/>
           </a:p>
@@ -3978,7 +3894,7 @@
           <a:p>
             <a:fld id="{79EEDE6A-8037-448A-A111-0D1B671B68E3}" type="datetimeFigureOut">
               <a:rPr lang="cs-CZ" smtClean="0"/>
-              <a:t>19.01.2023</a:t>
+              <a:t>06.02.2023</a:t>
             </a:fld>
             <a:endParaRPr lang="cs-CZ" dirty="0"/>
           </a:p>
@@ -4280,7 +4196,7 @@
           <a:p>
             <a:fld id="{79EEDE6A-8037-448A-A111-0D1B671B68E3}" type="datetimeFigureOut">
               <a:rPr lang="cs-CZ" smtClean="0"/>
-              <a:t>19.01.2023</a:t>
+              <a:t>06.02.2023</a:t>
             </a:fld>
             <a:endParaRPr lang="cs-CZ" dirty="0"/>
           </a:p>
@@ -4647,7 +4563,7 @@
           <a:p>
             <a:fld id="{79EEDE6A-8037-448A-A111-0D1B671B68E3}" type="datetimeFigureOut">
               <a:rPr lang="cs-CZ" smtClean="0"/>
-              <a:t>19.01.2023</a:t>
+              <a:t>06.02.2023</a:t>
             </a:fld>
             <a:endParaRPr lang="cs-CZ" dirty="0"/>
           </a:p>
@@ -4821,7 +4737,7 @@
           <a:p>
             <a:fld id="{79EEDE6A-8037-448A-A111-0D1B671B68E3}" type="datetimeFigureOut">
               <a:rPr lang="cs-CZ" smtClean="0"/>
-              <a:t>19.01.2023</a:t>
+              <a:t>06.02.2023</a:t>
             </a:fld>
             <a:endParaRPr lang="cs-CZ" dirty="0"/>
           </a:p>
@@ -5001,7 +4917,7 @@
           <a:p>
             <a:fld id="{79EEDE6A-8037-448A-A111-0D1B671B68E3}" type="datetimeFigureOut">
               <a:rPr lang="cs-CZ" smtClean="0"/>
-              <a:t>19.01.2023</a:t>
+              <a:t>06.02.2023</a:t>
             </a:fld>
             <a:endParaRPr lang="cs-CZ" dirty="0"/>
           </a:p>
@@ -5171,7 +5087,7 @@
           <a:p>
             <a:fld id="{79EEDE6A-8037-448A-A111-0D1B671B68E3}" type="datetimeFigureOut">
               <a:rPr lang="cs-CZ" smtClean="0"/>
-              <a:t>19.01.2023</a:t>
+              <a:t>06.02.2023</a:t>
             </a:fld>
             <a:endParaRPr lang="cs-CZ" dirty="0"/>
           </a:p>
@@ -5421,7 +5337,7 @@
           <a:p>
             <a:fld id="{79EEDE6A-8037-448A-A111-0D1B671B68E3}" type="datetimeFigureOut">
               <a:rPr lang="cs-CZ" smtClean="0"/>
-              <a:t>19.01.2023</a:t>
+              <a:t>06.02.2023</a:t>
             </a:fld>
             <a:endParaRPr lang="cs-CZ" dirty="0"/>
           </a:p>
@@ -5657,7 +5573,7 @@
           <a:p>
             <a:fld id="{79EEDE6A-8037-448A-A111-0D1B671B68E3}" type="datetimeFigureOut">
               <a:rPr lang="cs-CZ" smtClean="0"/>
-              <a:t>19.01.2023</a:t>
+              <a:t>06.02.2023</a:t>
             </a:fld>
             <a:endParaRPr lang="cs-CZ" dirty="0"/>
           </a:p>
@@ -6039,7 +5955,7 @@
           <a:p>
             <a:fld id="{79EEDE6A-8037-448A-A111-0D1B671B68E3}" type="datetimeFigureOut">
               <a:rPr lang="cs-CZ" smtClean="0"/>
-              <a:t>19.01.2023</a:t>
+              <a:t>06.02.2023</a:t>
             </a:fld>
             <a:endParaRPr lang="cs-CZ" dirty="0"/>
           </a:p>
@@ -6157,7 +6073,7 @@
           <a:p>
             <a:fld id="{79EEDE6A-8037-448A-A111-0D1B671B68E3}" type="datetimeFigureOut">
               <a:rPr lang="cs-CZ" smtClean="0"/>
-              <a:t>19.01.2023</a:t>
+              <a:t>06.02.2023</a:t>
             </a:fld>
             <a:endParaRPr lang="cs-CZ" dirty="0"/>
           </a:p>
@@ -6252,7 +6168,7 @@
           <a:p>
             <a:fld id="{79EEDE6A-8037-448A-A111-0D1B671B68E3}" type="datetimeFigureOut">
               <a:rPr lang="cs-CZ" smtClean="0"/>
-              <a:t>19.01.2023</a:t>
+              <a:t>06.02.2023</a:t>
             </a:fld>
             <a:endParaRPr lang="cs-CZ" dirty="0"/>
           </a:p>
@@ -6507,7 +6423,7 @@
           <a:p>
             <a:fld id="{79EEDE6A-8037-448A-A111-0D1B671B68E3}" type="datetimeFigureOut">
               <a:rPr lang="cs-CZ" smtClean="0"/>
-              <a:t>19.01.2023</a:t>
+              <a:t>06.02.2023</a:t>
             </a:fld>
             <a:endParaRPr lang="cs-CZ" dirty="0"/>
           </a:p>
@@ -6790,7 +6706,7 @@
           <a:p>
             <a:fld id="{79EEDE6A-8037-448A-A111-0D1B671B68E3}" type="datetimeFigureOut">
               <a:rPr lang="cs-CZ" smtClean="0"/>
-              <a:t>19.01.2023</a:t>
+              <a:t>06.02.2023</a:t>
             </a:fld>
             <a:endParaRPr lang="cs-CZ" dirty="0"/>
           </a:p>
@@ -7196,7 +7112,7 @@
           <a:p>
             <a:fld id="{79EEDE6A-8037-448A-A111-0D1B671B68E3}" type="datetimeFigureOut">
               <a:rPr lang="cs-CZ" smtClean="0"/>
-              <a:t>19.01.2023</a:t>
+              <a:t>06.02.2023</a:t>
             </a:fld>
             <a:endParaRPr lang="cs-CZ" dirty="0"/>
           </a:p>
@@ -8806,7 +8722,7 @@
     </p:spTree>
     <p:extLst>
       <p:ext uri="{BB962C8B-B14F-4D97-AF65-F5344CB8AC3E}">
-        <p14:creationId xmlns:p14="http://schemas.microsoft.com/office/powerpoint/2010/main" val="1034294278"/>
+        <p14:creationId xmlns:p14="http://schemas.microsoft.com/office/powerpoint/2010/main" val="912996044"/>
       </p:ext>
     </p:extLst>
   </p:cSld>
@@ -9303,7 +9219,7 @@
     </p:spTree>
     <p:extLst>
       <p:ext uri="{BB962C8B-B14F-4D97-AF65-F5344CB8AC3E}">
-        <p14:creationId xmlns:p14="http://schemas.microsoft.com/office/powerpoint/2010/main" val="272354279"/>
+        <p14:creationId xmlns:p14="http://schemas.microsoft.com/office/powerpoint/2010/main" val="1034294278"/>
       </p:ext>
     </p:extLst>
   </p:cSld>
@@ -9800,7 +9716,7 @@
     </p:spTree>
     <p:extLst>
       <p:ext uri="{BB962C8B-B14F-4D97-AF65-F5344CB8AC3E}">
-        <p14:creationId xmlns:p14="http://schemas.microsoft.com/office/powerpoint/2010/main" val="1422674590"/>
+        <p14:creationId xmlns:p14="http://schemas.microsoft.com/office/powerpoint/2010/main" val="272354279"/>
       </p:ext>
     </p:extLst>
   </p:cSld>
@@ -10297,7 +10213,7 @@
     </p:spTree>
     <p:extLst>
       <p:ext uri="{BB962C8B-B14F-4D97-AF65-F5344CB8AC3E}">
-        <p14:creationId xmlns:p14="http://schemas.microsoft.com/office/powerpoint/2010/main" val="522994157"/>
+        <p14:creationId xmlns:p14="http://schemas.microsoft.com/office/powerpoint/2010/main" val="1422674590"/>
       </p:ext>
     </p:extLst>
   </p:cSld>
@@ -10794,7 +10710,7 @@
     </p:spTree>
     <p:extLst>
       <p:ext uri="{BB962C8B-B14F-4D97-AF65-F5344CB8AC3E}">
-        <p14:creationId xmlns:p14="http://schemas.microsoft.com/office/powerpoint/2010/main" val="3543903220"/>
+        <p14:creationId xmlns:p14="http://schemas.microsoft.com/office/powerpoint/2010/main" val="522994157"/>
       </p:ext>
     </p:extLst>
   </p:cSld>
@@ -11291,7 +11207,7 @@
     </p:spTree>
     <p:extLst>
       <p:ext uri="{BB962C8B-B14F-4D97-AF65-F5344CB8AC3E}">
-        <p14:creationId xmlns:p14="http://schemas.microsoft.com/office/powerpoint/2010/main" val="2019722117"/>
+        <p14:creationId xmlns:p14="http://schemas.microsoft.com/office/powerpoint/2010/main" val="3543903220"/>
       </p:ext>
     </p:extLst>
   </p:cSld>
@@ -11788,7 +11704,7 @@
     </p:spTree>
     <p:extLst>
       <p:ext uri="{BB962C8B-B14F-4D97-AF65-F5344CB8AC3E}">
-        <p14:creationId xmlns:p14="http://schemas.microsoft.com/office/powerpoint/2010/main" val="2790387533"/>
+        <p14:creationId xmlns:p14="http://schemas.microsoft.com/office/powerpoint/2010/main" val="2019722117"/>
       </p:ext>
     </p:extLst>
   </p:cSld>
@@ -12285,7 +12201,7 @@
     </p:spTree>
     <p:extLst>
       <p:ext uri="{BB962C8B-B14F-4D97-AF65-F5344CB8AC3E}">
-        <p14:creationId xmlns:p14="http://schemas.microsoft.com/office/powerpoint/2010/main" val="1910957612"/>
+        <p14:creationId xmlns:p14="http://schemas.microsoft.com/office/powerpoint/2010/main" val="2790387533"/>
       </p:ext>
     </p:extLst>
   </p:cSld>
@@ -12782,7 +12698,7 @@
     </p:spTree>
     <p:extLst>
       <p:ext uri="{BB962C8B-B14F-4D97-AF65-F5344CB8AC3E}">
-        <p14:creationId xmlns:p14="http://schemas.microsoft.com/office/powerpoint/2010/main" val="2779995423"/>
+        <p14:creationId xmlns:p14="http://schemas.microsoft.com/office/powerpoint/2010/main" val="1910957612"/>
       </p:ext>
     </p:extLst>
   </p:cSld>
@@ -12912,7 +12828,7 @@
         </p:nvSpPr>
         <p:spPr>
           <a:xfrm>
-            <a:off x="684211" y="216990"/>
+            <a:off x="684212" y="4487332"/>
             <a:ext cx="7543800" cy="1507067"/>
           </a:xfrm>
         </p:spPr>
@@ -12922,10 +12838,7 @@
           </a:bodyPr>
           <a:lstStyle/>
           <a:p>
-            <a:r>
-              <a:rPr lang="cs-CZ" dirty="0"/>
-              <a:t>Citace</a:t>
-            </a:r>
+            <a:endParaRPr lang="cs-CZ" dirty="0"/>
           </a:p>
         </p:txBody>
       </p:sp>
@@ -12947,161 +12860,16 @@
         </p:nvSpPr>
         <p:spPr>
           <a:xfrm>
-            <a:off x="683926" y="1828800"/>
-            <a:ext cx="7493137" cy="4976811"/>
+            <a:off x="684211" y="685800"/>
+            <a:ext cx="7493137" cy="3615267"/>
           </a:xfrm>
         </p:spPr>
         <p:txBody>
           <a:bodyPr>
-            <a:normAutofit fontScale="92500" lnSpcReduction="10000"/>
+            <a:normAutofit/>
           </a:bodyPr>
           <a:lstStyle/>
           <a:p>
-            <a:r>
-              <a:rPr lang="cs-CZ" sz="2800" b="0" i="0" dirty="0">
-                <a:solidFill>
-                  <a:srgbClr val="000000"/>
-                </a:solidFill>
-                <a:effectLst/>
-                <a:latin typeface="Century Gothic" panose="020B0502020202020204" pitchFamily="34" charset="0"/>
-              </a:rPr>
-              <a:t>LinkedIn – Wikipedie. [online]. Dostupné z: </a:t>
-            </a:r>
-            <a:r>
-              <a:rPr lang="cs-CZ" sz="2800" b="0" i="0" u="none" strike="noStrike" dirty="0">
-                <a:solidFill>
-                  <a:srgbClr val="000000"/>
-                </a:solidFill>
-                <a:effectLst/>
-                <a:latin typeface="Century Gothic" panose="020B0502020202020204" pitchFamily="34" charset="0"/>
-              </a:rPr>
-              <a:t>https://cs.wikipedia.org/wiki/LinkedIn</a:t>
-            </a:r>
-          </a:p>
-          <a:p>
-            <a:pPr marL="0" indent="0">
-              <a:buNone/>
-            </a:pPr>
-            <a:endParaRPr lang="cs-CZ" sz="2800" b="0" i="0" dirty="0">
-              <a:solidFill>
-                <a:srgbClr val="000000"/>
-              </a:solidFill>
-              <a:effectLst/>
-              <a:latin typeface="Roboto Slab" panose="020B0604020202020204" pitchFamily="2" charset="0"/>
-            </a:endParaRPr>
-          </a:p>
-          <a:p>
-            <a:pPr algn="l"/>
-            <a:r>
-              <a:rPr lang="cs-CZ" sz="2600" b="0" i="0" dirty="0">
-                <a:solidFill>
-                  <a:srgbClr val="000000"/>
-                </a:solidFill>
-                <a:effectLst/>
-                <a:latin typeface="Century Gothic" panose="020B0502020202020204" pitchFamily="34" charset="0"/>
-              </a:rPr>
-              <a:t>Co je LinkedIn a jak ho mohu používat? | LinkedIn </a:t>
-            </a:r>
-            <a:r>
-              <a:rPr lang="cs-CZ" sz="2600" b="0" i="0" dirty="0" err="1">
-                <a:solidFill>
-                  <a:srgbClr val="000000"/>
-                </a:solidFill>
-                <a:effectLst/>
-                <a:latin typeface="Century Gothic" panose="020B0502020202020204" pitchFamily="34" charset="0"/>
-              </a:rPr>
-              <a:t>Help</a:t>
-            </a:r>
-            <a:r>
-              <a:rPr lang="cs-CZ" sz="2600" b="0" i="0" dirty="0">
-                <a:solidFill>
-                  <a:srgbClr val="000000"/>
-                </a:solidFill>
-                <a:effectLst/>
-                <a:latin typeface="Century Gothic" panose="020B0502020202020204" pitchFamily="34" charset="0"/>
-              </a:rPr>
-              <a:t>. </a:t>
-            </a:r>
-            <a:r>
-              <a:rPr lang="cs-CZ" sz="2600" b="0" i="1" dirty="0">
-                <a:solidFill>
-                  <a:srgbClr val="000000"/>
-                </a:solidFill>
-                <a:effectLst/>
-                <a:latin typeface="Century Gothic" panose="020B0502020202020204" pitchFamily="34" charset="0"/>
-              </a:rPr>
-              <a:t>LinkedIn: Log In </a:t>
-            </a:r>
-            <a:r>
-              <a:rPr lang="cs-CZ" sz="2600" b="0" i="1" dirty="0" err="1">
-                <a:solidFill>
-                  <a:srgbClr val="000000"/>
-                </a:solidFill>
-                <a:effectLst/>
-                <a:latin typeface="Century Gothic" panose="020B0502020202020204" pitchFamily="34" charset="0"/>
-              </a:rPr>
-              <a:t>or</a:t>
-            </a:r>
-            <a:r>
-              <a:rPr lang="cs-CZ" sz="2600" b="0" i="1" dirty="0">
-                <a:solidFill>
-                  <a:srgbClr val="000000"/>
-                </a:solidFill>
-                <a:effectLst/>
-                <a:latin typeface="Century Gothic" panose="020B0502020202020204" pitchFamily="34" charset="0"/>
-              </a:rPr>
-              <a:t> Sign Up</a:t>
-            </a:r>
-            <a:r>
-              <a:rPr lang="cs-CZ" sz="2600" b="0" i="0" dirty="0">
-                <a:solidFill>
-                  <a:srgbClr val="000000"/>
-                </a:solidFill>
-                <a:effectLst/>
-                <a:latin typeface="Century Gothic" panose="020B0502020202020204" pitchFamily="34" charset="0"/>
-              </a:rPr>
-              <a:t> [online]. Copyright © 2023 [cit. 19.01.2023]. Dostupné z: </a:t>
-            </a:r>
-            <a:r>
-              <a:rPr lang="cs-CZ" sz="2600" b="0" i="0" u="none" strike="noStrike" dirty="0">
-                <a:solidFill>
-                  <a:srgbClr val="000000"/>
-                </a:solidFill>
-                <a:effectLst/>
-                <a:latin typeface="Century Gothic" panose="020B0502020202020204" pitchFamily="34" charset="0"/>
-              </a:rPr>
-              <a:t>https://www.linkedin.com/help/linkedin/answer/a548442/co-je-linkedin-a-jak-ho-mohu-pouzivat-?lang=cs</a:t>
-            </a:r>
-            <a:endParaRPr lang="cs-CZ" sz="2600" b="0" i="0" dirty="0">
-              <a:solidFill>
-                <a:srgbClr val="000000"/>
-              </a:solidFill>
-              <a:effectLst/>
-              <a:latin typeface="Century Gothic" panose="020B0502020202020204" pitchFamily="34" charset="0"/>
-            </a:endParaRPr>
-          </a:p>
-          <a:p>
-            <a:pPr marL="0" indent="0">
-              <a:buNone/>
-            </a:pPr>
-            <a:br>
-              <a:rPr lang="cs-CZ" b="0" i="0" dirty="0">
-                <a:solidFill>
-                  <a:srgbClr val="FFFFFF"/>
-                </a:solidFill>
-                <a:effectLst/>
-                <a:latin typeface="Roboto Slab" panose="020B0604020202020204" pitchFamily="2" charset="0"/>
-              </a:rPr>
-            </a:br>
-            <a:br>
-              <a:rPr lang="cs-CZ" b="0" i="0" dirty="0">
-                <a:solidFill>
-                  <a:srgbClr val="FFFFFF"/>
-                </a:solidFill>
-                <a:effectLst/>
-                <a:latin typeface="Roboto Slab" panose="020B0604020202020204" pitchFamily="2" charset="0"/>
-              </a:rPr>
-            </a:br>
             <a:endParaRPr lang="cs-CZ" dirty="0"/>
           </a:p>
         </p:txBody>
@@ -13427,7 +13195,7 @@
     </p:spTree>
     <p:extLst>
       <p:ext uri="{BB962C8B-B14F-4D97-AF65-F5344CB8AC3E}">
-        <p14:creationId xmlns:p14="http://schemas.microsoft.com/office/powerpoint/2010/main" val="597823284"/>
+        <p14:creationId xmlns:p14="http://schemas.microsoft.com/office/powerpoint/2010/main" val="2779995423"/>
       </p:ext>
     </p:extLst>
   </p:cSld>
@@ -13730,6 +13498,651 @@
         </p:nvSpPr>
         <p:spPr>
           <a:xfrm>
+            <a:off x="684211" y="216990"/>
+            <a:ext cx="7543800" cy="1507067"/>
+          </a:xfrm>
+        </p:spPr>
+        <p:txBody>
+          <a:bodyPr>
+            <a:normAutofit/>
+          </a:bodyPr>
+          <a:lstStyle/>
+          <a:p>
+            <a:r>
+              <a:rPr lang="cs-CZ" dirty="0"/>
+              <a:t>Citace</a:t>
+            </a:r>
+          </a:p>
+        </p:txBody>
+      </p:sp>
+      <p:sp>
+        <p:nvSpPr>
+          <p:cNvPr id="3" name="Zástupný obsah 2">
+            <a:extLst>
+              <a:ext uri="{FF2B5EF4-FFF2-40B4-BE49-F238E27FC236}">
+                <a16:creationId xmlns:a16="http://schemas.microsoft.com/office/drawing/2014/main" id="{55710C13-7612-47CA-9A13-0DCB02F142A4}"/>
+              </a:ext>
+            </a:extLst>
+          </p:cNvPr>
+          <p:cNvSpPr>
+            <a:spLocks noGrp="1"/>
+          </p:cNvSpPr>
+          <p:nvPr>
+            <p:ph idx="1"/>
+          </p:nvPr>
+        </p:nvSpPr>
+        <p:spPr>
+          <a:xfrm>
+            <a:off x="683926" y="1828800"/>
+            <a:ext cx="7493137" cy="4976811"/>
+          </a:xfrm>
+        </p:spPr>
+        <p:txBody>
+          <a:bodyPr>
+            <a:normAutofit fontScale="92500" lnSpcReduction="10000"/>
+          </a:bodyPr>
+          <a:lstStyle/>
+          <a:p>
+            <a:r>
+              <a:rPr lang="cs-CZ" sz="2800" b="0" i="0" dirty="0">
+                <a:solidFill>
+                  <a:srgbClr val="000000"/>
+                </a:solidFill>
+                <a:effectLst/>
+                <a:latin typeface="Century Gothic" panose="020B0502020202020204" pitchFamily="34" charset="0"/>
+              </a:rPr>
+              <a:t>LinkedIn – Wikipedie. [online]. Dostupné z: </a:t>
+            </a:r>
+            <a:r>
+              <a:rPr lang="cs-CZ" sz="2800" b="0" i="0" u="none" strike="noStrike" dirty="0">
+                <a:solidFill>
+                  <a:srgbClr val="000000"/>
+                </a:solidFill>
+                <a:effectLst/>
+                <a:latin typeface="Century Gothic" panose="020B0502020202020204" pitchFamily="34" charset="0"/>
+              </a:rPr>
+              <a:t>https://cs.wikipedia.org/wiki/LinkedIn</a:t>
+            </a:r>
+          </a:p>
+          <a:p>
+            <a:pPr marL="0" indent="0">
+              <a:buNone/>
+            </a:pPr>
+            <a:endParaRPr lang="cs-CZ" sz="2800" b="0" i="0" dirty="0">
+              <a:solidFill>
+                <a:srgbClr val="000000"/>
+              </a:solidFill>
+              <a:effectLst/>
+              <a:latin typeface="Roboto Slab" panose="020B0604020202020204" pitchFamily="2" charset="0"/>
+            </a:endParaRPr>
+          </a:p>
+          <a:p>
+            <a:pPr algn="l"/>
+            <a:r>
+              <a:rPr lang="cs-CZ" sz="2600" b="0" i="0" dirty="0">
+                <a:solidFill>
+                  <a:srgbClr val="000000"/>
+                </a:solidFill>
+                <a:effectLst/>
+                <a:latin typeface="Century Gothic" panose="020B0502020202020204" pitchFamily="34" charset="0"/>
+              </a:rPr>
+              <a:t>Co je LinkedIn a jak ho mohu používat? | LinkedIn </a:t>
+            </a:r>
+            <a:r>
+              <a:rPr lang="cs-CZ" sz="2600" b="0" i="0" dirty="0" err="1">
+                <a:solidFill>
+                  <a:srgbClr val="000000"/>
+                </a:solidFill>
+                <a:effectLst/>
+                <a:latin typeface="Century Gothic" panose="020B0502020202020204" pitchFamily="34" charset="0"/>
+              </a:rPr>
+              <a:t>Help</a:t>
+            </a:r>
+            <a:r>
+              <a:rPr lang="cs-CZ" sz="2600" b="0" i="0" dirty="0">
+                <a:solidFill>
+                  <a:srgbClr val="000000"/>
+                </a:solidFill>
+                <a:effectLst/>
+                <a:latin typeface="Century Gothic" panose="020B0502020202020204" pitchFamily="34" charset="0"/>
+              </a:rPr>
+              <a:t>. </a:t>
+            </a:r>
+            <a:r>
+              <a:rPr lang="cs-CZ" sz="2600" b="0" i="1" dirty="0">
+                <a:solidFill>
+                  <a:srgbClr val="000000"/>
+                </a:solidFill>
+                <a:effectLst/>
+                <a:latin typeface="Century Gothic" panose="020B0502020202020204" pitchFamily="34" charset="0"/>
+              </a:rPr>
+              <a:t>LinkedIn: Log In </a:t>
+            </a:r>
+            <a:r>
+              <a:rPr lang="cs-CZ" sz="2600" b="0" i="1" dirty="0" err="1">
+                <a:solidFill>
+                  <a:srgbClr val="000000"/>
+                </a:solidFill>
+                <a:effectLst/>
+                <a:latin typeface="Century Gothic" panose="020B0502020202020204" pitchFamily="34" charset="0"/>
+              </a:rPr>
+              <a:t>or</a:t>
+            </a:r>
+            <a:r>
+              <a:rPr lang="cs-CZ" sz="2600" b="0" i="1" dirty="0">
+                <a:solidFill>
+                  <a:srgbClr val="000000"/>
+                </a:solidFill>
+                <a:effectLst/>
+                <a:latin typeface="Century Gothic" panose="020B0502020202020204" pitchFamily="34" charset="0"/>
+              </a:rPr>
+              <a:t> Sign Up</a:t>
+            </a:r>
+            <a:r>
+              <a:rPr lang="cs-CZ" sz="2600" b="0" i="0" dirty="0">
+                <a:solidFill>
+                  <a:srgbClr val="000000"/>
+                </a:solidFill>
+                <a:effectLst/>
+                <a:latin typeface="Century Gothic" panose="020B0502020202020204" pitchFamily="34" charset="0"/>
+              </a:rPr>
+              <a:t> [online]. Copyright © 2023 [cit. 19.01.2023]. Dostupné z: </a:t>
+            </a:r>
+            <a:r>
+              <a:rPr lang="cs-CZ" sz="2600" b="0" i="0" u="none" strike="noStrike" dirty="0">
+                <a:solidFill>
+                  <a:srgbClr val="000000"/>
+                </a:solidFill>
+                <a:effectLst/>
+                <a:latin typeface="Century Gothic" panose="020B0502020202020204" pitchFamily="34" charset="0"/>
+              </a:rPr>
+              <a:t>https://www.linkedin.com/help/linkedin/answer/a548442/co-je-linkedin-a-jak-ho-mohu-pouzivat-?lang=cs</a:t>
+            </a:r>
+            <a:endParaRPr lang="cs-CZ" sz="2600" b="0" i="0" dirty="0">
+              <a:solidFill>
+                <a:srgbClr val="000000"/>
+              </a:solidFill>
+              <a:effectLst/>
+              <a:latin typeface="Century Gothic" panose="020B0502020202020204" pitchFamily="34" charset="0"/>
+            </a:endParaRPr>
+          </a:p>
+          <a:p>
+            <a:pPr marL="0" indent="0">
+              <a:buNone/>
+            </a:pPr>
+            <a:br>
+              <a:rPr lang="cs-CZ" b="0" i="0" dirty="0">
+                <a:solidFill>
+                  <a:srgbClr val="FFFFFF"/>
+                </a:solidFill>
+                <a:effectLst/>
+                <a:latin typeface="Roboto Slab" panose="020B0604020202020204" pitchFamily="2" charset="0"/>
+              </a:rPr>
+            </a:br>
+            <a:br>
+              <a:rPr lang="cs-CZ" b="0" i="0" dirty="0">
+                <a:solidFill>
+                  <a:srgbClr val="FFFFFF"/>
+                </a:solidFill>
+                <a:effectLst/>
+                <a:latin typeface="Roboto Slab" panose="020B0604020202020204" pitchFamily="2" charset="0"/>
+              </a:rPr>
+            </a:br>
+            <a:endParaRPr lang="cs-CZ" dirty="0"/>
+          </a:p>
+        </p:txBody>
+      </p:sp>
+      <p:pic>
+        <p:nvPicPr>
+          <p:cNvPr id="5" name="Picture 4" descr="Koule tvořená sítí a uzly">
+            <a:extLst>
+              <a:ext uri="{FF2B5EF4-FFF2-40B4-BE49-F238E27FC236}">
+                <a16:creationId xmlns:a16="http://schemas.microsoft.com/office/drawing/2014/main" id="{88E772C4-8D2F-56A5-976F-E08F8C1F29EC}"/>
+              </a:ext>
+            </a:extLst>
+          </p:cNvPr>
+          <p:cNvPicPr>
+            <a:picLocks noChangeAspect="1"/>
+          </p:cNvPicPr>
+          <p:nvPr/>
+        </p:nvPicPr>
+        <p:blipFill rotWithShape="1">
+          <a:blip r:embed="rId3"/>
+          <a:srcRect l="47059" r="16071"/>
+          <a:stretch/>
+        </p:blipFill>
+        <p:spPr>
+          <a:xfrm>
+            <a:off x="8820603" y="10"/>
+            <a:ext cx="3371397" cy="6857990"/>
+          </a:xfrm>
+          <a:prstGeom prst="rect">
+            <a:avLst/>
+          </a:prstGeom>
+          <a:effectLst>
+            <a:innerShdw blurRad="57150" dist="38100" dir="14460000">
+              <a:prstClr val="black">
+                <a:alpha val="70000"/>
+              </a:prstClr>
+            </a:innerShdw>
+          </a:effectLst>
+        </p:spPr>
+      </p:pic>
+      <p:grpSp>
+        <p:nvGrpSpPr>
+          <p:cNvPr id="11" name="Group 10">
+            <a:extLst>
+              <a:ext uri="{FF2B5EF4-FFF2-40B4-BE49-F238E27FC236}">
+                <a16:creationId xmlns:a16="http://schemas.microsoft.com/office/drawing/2014/main" id="{94749DEA-AC6C-4834-A330-03A1796B8929}"/>
+              </a:ext>
+              <a:ext uri="{C183D7F6-B498-43B3-948B-1728B52AA6E4}">
+                <adec:decorative xmlns:adec="http://schemas.microsoft.com/office/drawing/2017/decorative" val="1"/>
+              </a:ext>
+            </a:extLst>
+          </p:cNvPr>
+          <p:cNvGrpSpPr>
+            <a:grpSpLocks noGrp="1" noUngrp="1" noRot="1" noChangeAspect="1" noMove="1" noResize="1"/>
+          </p:cNvGrpSpPr>
+          <p:nvPr>
+            <p:extLst>
+              <p:ext uri="{386F3935-93C4-4BCD-93E2-E3B085C9AB24}">
+                <p16:designElem xmlns:p16="http://schemas.microsoft.com/office/powerpoint/2015/main" val="1"/>
+              </p:ext>
+            </p:extLst>
+          </p:nvPr>
+        </p:nvGrpSpPr>
+        <p:grpSpPr>
+          <a:xfrm>
+            <a:off x="9206969" y="2963333"/>
+            <a:ext cx="2981858" cy="3208867"/>
+            <a:chOff x="9206969" y="2963333"/>
+            <a:chExt cx="2981858" cy="3208867"/>
+          </a:xfrm>
+        </p:grpSpPr>
+        <p:cxnSp>
+          <p:nvCxnSpPr>
+            <p:cNvPr id="12" name="Straight Connector 11">
+              <a:extLst>
+                <a:ext uri="{FF2B5EF4-FFF2-40B4-BE49-F238E27FC236}">
+                  <a16:creationId xmlns:a16="http://schemas.microsoft.com/office/drawing/2014/main" id="{20CBC5D1-BAF0-454E-9D7C-68370AA9545E}"/>
+                </a:ext>
+                <a:ext uri="{C183D7F6-B498-43B3-948B-1728B52AA6E4}">
+                  <adec:decorative xmlns:adec="http://schemas.microsoft.com/office/drawing/2017/decorative" val="1"/>
+                </a:ext>
+              </a:extLst>
+            </p:cNvPr>
+            <p:cNvCxnSpPr/>
+            <p:nvPr>
+              <p:extLst>
+                <p:ext uri="{386F3935-93C4-4BCD-93E2-E3B085C9AB24}">
+                  <p16:designElem xmlns:p16="http://schemas.microsoft.com/office/powerpoint/2015/main" val="1"/>
+                </p:ext>
+              </p:extLst>
+            </p:nvPr>
+          </p:nvCxnSpPr>
+          <p:spPr>
+            <a:xfrm flipH="1">
+              <a:off x="11276012" y="2963333"/>
+              <a:ext cx="912814" cy="912812"/>
+            </a:xfrm>
+            <a:prstGeom prst="line">
+              <a:avLst/>
+            </a:prstGeom>
+            <a:ln w="9525">
+              <a:solidFill>
+                <a:schemeClr val="tx1"/>
+              </a:solidFill>
+            </a:ln>
+          </p:spPr>
+          <p:style>
+            <a:lnRef idx="2">
+              <a:schemeClr val="accent1"/>
+            </a:lnRef>
+            <a:fillRef idx="0">
+              <a:schemeClr val="accent1"/>
+            </a:fillRef>
+            <a:effectRef idx="1">
+              <a:schemeClr val="accent1"/>
+            </a:effectRef>
+            <a:fontRef idx="minor">
+              <a:schemeClr val="tx1"/>
+            </a:fontRef>
+          </p:style>
+        </p:cxnSp>
+        <p:cxnSp>
+          <p:nvCxnSpPr>
+            <p:cNvPr id="13" name="Straight Connector 12">
+              <a:extLst>
+                <a:ext uri="{FF2B5EF4-FFF2-40B4-BE49-F238E27FC236}">
+                  <a16:creationId xmlns:a16="http://schemas.microsoft.com/office/drawing/2014/main" id="{8ABB9F45-32F7-4915-A94F-F1E34B32DEDC}"/>
+                </a:ext>
+                <a:ext uri="{C183D7F6-B498-43B3-948B-1728B52AA6E4}">
+                  <adec:decorative xmlns:adec="http://schemas.microsoft.com/office/drawing/2017/decorative" val="1"/>
+                </a:ext>
+              </a:extLst>
+            </p:cNvPr>
+            <p:cNvCxnSpPr/>
+            <p:nvPr>
+              <p:extLst>
+                <p:ext uri="{386F3935-93C4-4BCD-93E2-E3B085C9AB24}">
+                  <p16:designElem xmlns:p16="http://schemas.microsoft.com/office/powerpoint/2015/main" val="1"/>
+                </p:ext>
+              </p:extLst>
+            </p:nvPr>
+          </p:nvCxnSpPr>
+          <p:spPr>
+            <a:xfrm flipH="1">
+              <a:off x="9206969" y="3190344"/>
+              <a:ext cx="2981857" cy="2981856"/>
+            </a:xfrm>
+            <a:prstGeom prst="line">
+              <a:avLst/>
+            </a:prstGeom>
+            <a:ln w="9525">
+              <a:solidFill>
+                <a:schemeClr val="tx1"/>
+              </a:solidFill>
+            </a:ln>
+          </p:spPr>
+          <p:style>
+            <a:lnRef idx="2">
+              <a:schemeClr val="accent1"/>
+            </a:lnRef>
+            <a:fillRef idx="0">
+              <a:schemeClr val="accent1"/>
+            </a:fillRef>
+            <a:effectRef idx="1">
+              <a:schemeClr val="accent1"/>
+            </a:effectRef>
+            <a:fontRef idx="minor">
+              <a:schemeClr val="tx1"/>
+            </a:fontRef>
+          </p:style>
+        </p:cxnSp>
+        <p:cxnSp>
+          <p:nvCxnSpPr>
+            <p:cNvPr id="14" name="Straight Connector 13">
+              <a:extLst>
+                <a:ext uri="{FF2B5EF4-FFF2-40B4-BE49-F238E27FC236}">
+                  <a16:creationId xmlns:a16="http://schemas.microsoft.com/office/drawing/2014/main" id="{94EA6F09-00FD-4C50-A2DF-D0B1CC4C9AB1}"/>
+                </a:ext>
+                <a:ext uri="{C183D7F6-B498-43B3-948B-1728B52AA6E4}">
+                  <adec:decorative xmlns:adec="http://schemas.microsoft.com/office/drawing/2017/decorative" val="1"/>
+                </a:ext>
+              </a:extLst>
+            </p:cNvPr>
+            <p:cNvCxnSpPr/>
+            <p:nvPr>
+              <p:extLst>
+                <p:ext uri="{386F3935-93C4-4BCD-93E2-E3B085C9AB24}">
+                  <p16:designElem xmlns:p16="http://schemas.microsoft.com/office/powerpoint/2015/main" val="1"/>
+                </p:ext>
+              </p:extLst>
+            </p:nvPr>
+          </p:nvCxnSpPr>
+          <p:spPr>
+            <a:xfrm flipH="1">
+              <a:off x="10292292" y="3285067"/>
+              <a:ext cx="1896534" cy="1896533"/>
+            </a:xfrm>
+            <a:prstGeom prst="line">
+              <a:avLst/>
+            </a:prstGeom>
+            <a:ln w="9525">
+              <a:solidFill>
+                <a:schemeClr val="tx1"/>
+              </a:solidFill>
+            </a:ln>
+          </p:spPr>
+          <p:style>
+            <a:lnRef idx="2">
+              <a:schemeClr val="accent1"/>
+            </a:lnRef>
+            <a:fillRef idx="0">
+              <a:schemeClr val="accent1"/>
+            </a:fillRef>
+            <a:effectRef idx="1">
+              <a:schemeClr val="accent1"/>
+            </a:effectRef>
+            <a:fontRef idx="minor">
+              <a:schemeClr val="tx1"/>
+            </a:fontRef>
+          </p:style>
+        </p:cxnSp>
+        <p:cxnSp>
+          <p:nvCxnSpPr>
+            <p:cNvPr id="15" name="Straight Connector 14">
+              <a:extLst>
+                <a:ext uri="{FF2B5EF4-FFF2-40B4-BE49-F238E27FC236}">
+                  <a16:creationId xmlns:a16="http://schemas.microsoft.com/office/drawing/2014/main" id="{4B8B975B-2618-4734-A401-FAB74519010B}"/>
+                </a:ext>
+                <a:ext uri="{C183D7F6-B498-43B3-948B-1728B52AA6E4}">
+                  <adec:decorative xmlns:adec="http://schemas.microsoft.com/office/drawing/2017/decorative" val="1"/>
+                </a:ext>
+              </a:extLst>
+            </p:cNvPr>
+            <p:cNvCxnSpPr/>
+            <p:nvPr>
+              <p:extLst>
+                <p:ext uri="{386F3935-93C4-4BCD-93E2-E3B085C9AB24}">
+                  <p16:designElem xmlns:p16="http://schemas.microsoft.com/office/powerpoint/2015/main" val="1"/>
+                </p:ext>
+              </p:extLst>
+            </p:nvPr>
+          </p:nvCxnSpPr>
+          <p:spPr>
+            <a:xfrm flipH="1">
+              <a:off x="10443103" y="3131080"/>
+              <a:ext cx="1745722" cy="1745720"/>
+            </a:xfrm>
+            <a:prstGeom prst="line">
+              <a:avLst/>
+            </a:prstGeom>
+            <a:ln w="28575">
+              <a:solidFill>
+                <a:schemeClr val="tx1"/>
+              </a:solidFill>
+            </a:ln>
+          </p:spPr>
+          <p:style>
+            <a:lnRef idx="2">
+              <a:schemeClr val="accent1"/>
+            </a:lnRef>
+            <a:fillRef idx="0">
+              <a:schemeClr val="accent1"/>
+            </a:fillRef>
+            <a:effectRef idx="1">
+              <a:schemeClr val="accent1"/>
+            </a:effectRef>
+            <a:fontRef idx="minor">
+              <a:schemeClr val="tx1"/>
+            </a:fontRef>
+          </p:style>
+        </p:cxnSp>
+        <p:cxnSp>
+          <p:nvCxnSpPr>
+            <p:cNvPr id="16" name="Straight Connector 15">
+              <a:extLst>
+                <a:ext uri="{FF2B5EF4-FFF2-40B4-BE49-F238E27FC236}">
+                  <a16:creationId xmlns:a16="http://schemas.microsoft.com/office/drawing/2014/main" id="{4EF4B123-0577-4F10-986B-6BD86396ABBE}"/>
+                </a:ext>
+                <a:ext uri="{C183D7F6-B498-43B3-948B-1728B52AA6E4}">
+                  <adec:decorative xmlns:adec="http://schemas.microsoft.com/office/drawing/2017/decorative" val="1"/>
+                </a:ext>
+              </a:extLst>
+            </p:cNvPr>
+            <p:cNvCxnSpPr/>
+            <p:nvPr>
+              <p:extLst>
+                <p:ext uri="{386F3935-93C4-4BCD-93E2-E3B085C9AB24}">
+                  <p16:designElem xmlns:p16="http://schemas.microsoft.com/office/powerpoint/2015/main" val="1"/>
+                </p:ext>
+              </p:extLst>
+            </p:nvPr>
+          </p:nvCxnSpPr>
+          <p:spPr>
+            <a:xfrm flipH="1">
+              <a:off x="10918826" y="3683001"/>
+              <a:ext cx="1270001" cy="1269999"/>
+            </a:xfrm>
+            <a:prstGeom prst="line">
+              <a:avLst/>
+            </a:prstGeom>
+            <a:ln w="28575">
+              <a:solidFill>
+                <a:schemeClr val="tx1"/>
+              </a:solidFill>
+            </a:ln>
+          </p:spPr>
+          <p:style>
+            <a:lnRef idx="2">
+              <a:schemeClr val="accent1"/>
+            </a:lnRef>
+            <a:fillRef idx="0">
+              <a:schemeClr val="accent1"/>
+            </a:fillRef>
+            <a:effectRef idx="1">
+              <a:schemeClr val="accent1"/>
+            </a:effectRef>
+            <a:fontRef idx="minor">
+              <a:schemeClr val="tx1"/>
+            </a:fontRef>
+          </p:style>
+        </p:cxnSp>
+      </p:grpSp>
+    </p:spTree>
+    <p:extLst>
+      <p:ext uri="{BB962C8B-B14F-4D97-AF65-F5344CB8AC3E}">
+        <p14:creationId xmlns:p14="http://schemas.microsoft.com/office/powerpoint/2010/main" val="597823284"/>
+      </p:ext>
+    </p:extLst>
+  </p:cSld>
+  <p:clrMapOvr>
+    <a:masterClrMapping/>
+  </p:clrMapOvr>
+</p:sld>
+</file>
+
+<file path=ppt/slides/slide21.xml><?xml version="1.0" encoding="utf-8"?>
+<p:sld xmlns:a="http://schemas.openxmlformats.org/drawingml/2006/main" xmlns:r="http://schemas.openxmlformats.org/officeDocument/2006/relationships" xmlns:p="http://schemas.openxmlformats.org/presentationml/2006/main">
+  <p:cSld>
+    <p:bg>
+      <p:bgPr>
+        <a:gradFill rotWithShape="1">
+          <a:gsLst>
+            <a:gs pos="10000">
+              <a:schemeClr val="bg2">
+                <a:tint val="97000"/>
+                <a:hueMod val="92000"/>
+                <a:satMod val="169000"/>
+                <a:lumMod val="164000"/>
+              </a:schemeClr>
+            </a:gs>
+            <a:gs pos="100000">
+              <a:schemeClr val="bg2">
+                <a:shade val="96000"/>
+                <a:satMod val="120000"/>
+                <a:lumMod val="90000"/>
+              </a:schemeClr>
+            </a:gs>
+          </a:gsLst>
+          <a:lin ang="6120000" scaled="1"/>
+        </a:gradFill>
+        <a:effectLst/>
+      </p:bgPr>
+    </p:bg>
+    <p:spTree>
+      <p:nvGrpSpPr>
+        <p:cNvPr id="1" name=""/>
+        <p:cNvGrpSpPr/>
+        <p:nvPr/>
+      </p:nvGrpSpPr>
+      <p:grpSpPr>
+        <a:xfrm>
+          <a:off x="0" y="0"/>
+          <a:ext cx="0" cy="0"/>
+          <a:chOff x="0" y="0"/>
+          <a:chExt cx="0" cy="0"/>
+        </a:xfrm>
+      </p:grpSpPr>
+      <p:sp useBgFill="1">
+        <p:nvSpPr>
+          <p:cNvPr id="9" name="Rectangle 8">
+            <a:extLst>
+              <a:ext uri="{FF2B5EF4-FFF2-40B4-BE49-F238E27FC236}">
+                <a16:creationId xmlns:a16="http://schemas.microsoft.com/office/drawing/2014/main" id="{929448D9-8F1D-4CFE-93BA-E0272F0DBD6E}"/>
+              </a:ext>
+              <a:ext uri="{C183D7F6-B498-43B3-948B-1728B52AA6E4}">
+                <adec:decorative xmlns:adec="http://schemas.microsoft.com/office/drawing/2017/decorative" val="1"/>
+              </a:ext>
+            </a:extLst>
+          </p:cNvPr>
+          <p:cNvSpPr>
+            <a:spLocks noGrp="1" noRot="1" noChangeAspect="1" noMove="1" noResize="1" noEditPoints="1" noAdjustHandles="1" noChangeArrowheads="1" noChangeShapeType="1" noTextEdit="1"/>
+          </p:cNvSpPr>
+          <p:nvPr>
+            <p:extLst>
+              <p:ext uri="{386F3935-93C4-4BCD-93E2-E3B085C9AB24}">
+                <p16:designElem xmlns:p16="http://schemas.microsoft.com/office/powerpoint/2015/main" val="1"/>
+              </p:ext>
+            </p:extLst>
+          </p:nvPr>
+        </p:nvSpPr>
+        <p:spPr>
+          <a:xfrm>
+            <a:off x="0" y="0"/>
+            <a:ext cx="12192000" cy="6858000"/>
+          </a:xfrm>
+          <a:prstGeom prst="rect">
+            <a:avLst/>
+          </a:prstGeom>
+          <a:ln>
+            <a:noFill/>
+          </a:ln>
+        </p:spPr>
+        <p:style>
+          <a:lnRef idx="2">
+            <a:schemeClr val="accent1">
+              <a:shade val="50000"/>
+            </a:schemeClr>
+          </a:lnRef>
+          <a:fillRef idx="1">
+            <a:schemeClr val="accent1"/>
+          </a:fillRef>
+          <a:effectRef idx="0">
+            <a:schemeClr val="accent1"/>
+          </a:effectRef>
+          <a:fontRef idx="minor">
+            <a:schemeClr val="lt1"/>
+          </a:fontRef>
+        </p:style>
+        <p:txBody>
+          <a:bodyPr rtlCol="0" anchor="ctr"/>
+          <a:lstStyle/>
+          <a:p>
+            <a:pPr algn="ctr"/>
+            <a:endParaRPr lang="en-US" dirty="0"/>
+          </a:p>
+        </p:txBody>
+      </p:sp>
+      <p:sp>
+        <p:nvSpPr>
+          <p:cNvPr id="2" name="Nadpis 1">
+            <a:extLst>
+              <a:ext uri="{FF2B5EF4-FFF2-40B4-BE49-F238E27FC236}">
+                <a16:creationId xmlns:a16="http://schemas.microsoft.com/office/drawing/2014/main" id="{B0FD30D7-C057-49CC-A0AC-A9316AA1853C}"/>
+              </a:ext>
+            </a:extLst>
+          </p:cNvPr>
+          <p:cNvSpPr>
+            <a:spLocks noGrp="1"/>
+          </p:cNvSpPr>
+          <p:nvPr>
+            <p:ph type="title"/>
+          </p:nvPr>
+        </p:nvSpPr>
+        <p:spPr>
+          <a:xfrm>
             <a:off x="658879" y="169855"/>
             <a:ext cx="7543800" cy="1507067"/>
           </a:xfrm>
@@ -15321,7 +15734,7 @@
         </p:nvSpPr>
         <p:spPr>
           <a:xfrm>
-            <a:off x="684211" y="3069166"/>
+            <a:off x="709399" y="2196306"/>
             <a:ext cx="7493137" cy="3615267"/>
           </a:xfrm>
         </p:spPr>
@@ -15330,6 +15743,40 @@
             <a:normAutofit/>
           </a:bodyPr>
           <a:lstStyle/>
+          <a:p>
+            <a:r>
+              <a:rPr lang="cs-CZ" sz="2400" dirty="0"/>
+              <a:t>Životopis obsahující kariéru</a:t>
+            </a:r>
+          </a:p>
+          <a:p>
+            <a:pPr marL="0" indent="0">
+              <a:buNone/>
+            </a:pPr>
+            <a:endParaRPr lang="cs-CZ" sz="2400" dirty="0"/>
+          </a:p>
+          <a:p>
+            <a:r>
+              <a:rPr lang="cs-CZ" sz="2400" dirty="0"/>
+              <a:t>Pracovní místa a vzdělání</a:t>
+            </a:r>
+          </a:p>
+          <a:p>
+            <a:pPr marL="0" indent="0">
+              <a:buNone/>
+            </a:pPr>
+            <a:endParaRPr lang="cs-CZ" sz="2400" dirty="0"/>
+          </a:p>
+          <a:p>
+            <a:r>
+              <a:rPr lang="cs-CZ" sz="2400"/>
+              <a:t>Nejlépe propojit i </a:t>
+            </a:r>
+            <a:r>
+              <a:rPr lang="cs-CZ" sz="2400" dirty="0"/>
+              <a:t>tel. Číslo </a:t>
+            </a:r>
+          </a:p>
           <a:p>
             <a:endParaRPr lang="cs-CZ" dirty="0"/>
           </a:p>
@@ -15669,31 +16116,6 @@
 <file path=ppt/slides/slide6.xml><?xml version="1.0" encoding="utf-8"?>
 <p:sld xmlns:a="http://schemas.openxmlformats.org/drawingml/2006/main" xmlns:r="http://schemas.openxmlformats.org/officeDocument/2006/relationships" xmlns:p="http://schemas.openxmlformats.org/presentationml/2006/main">
   <p:cSld>
-    <p:bg>
-      <p:bgPr>
-        <a:gradFill rotWithShape="1">
-          <a:gsLst>
-            <a:gs pos="10000">
-              <a:schemeClr val="bg2">
-                <a:tint val="97000"/>
-                <a:hueMod val="92000"/>
-                <a:satMod val="169000"/>
-                <a:lumMod val="164000"/>
-              </a:schemeClr>
-            </a:gs>
-            <a:gs pos="100000">
-              <a:schemeClr val="bg2">
-                <a:shade val="96000"/>
-                <a:satMod val="120000"/>
-                <a:lumMod val="90000"/>
-              </a:schemeClr>
-            </a:gs>
-          </a:gsLst>
-          <a:lin ang="6120000" scaled="1"/>
-        </a:gradFill>
-        <a:effectLst/>
-      </p:bgPr>
-    </p:bg>
     <p:spTree>
       <p:nvGrpSpPr>
         <p:cNvPr id="1" name=""/>
@@ -15708,86 +16130,26 @@
           <a:chExt cx="0" cy="0"/>
         </a:xfrm>
       </p:grpSpPr>
-      <p:sp useBgFill="1">
-        <p:nvSpPr>
-          <p:cNvPr id="9" name="Rectangle 8">
+      <p:sp>
+        <p:nvSpPr>
+          <p:cNvPr id="2" name="Nadpis 1">
             <a:extLst>
               <a:ext uri="{FF2B5EF4-FFF2-40B4-BE49-F238E27FC236}">
-                <a16:creationId xmlns:a16="http://schemas.microsoft.com/office/drawing/2014/main" id="{929448D9-8F1D-4CFE-93BA-E0272F0DBD6E}"/>
-              </a:ext>
-              <a:ext uri="{C183D7F6-B498-43B3-948B-1728B52AA6E4}">
-                <adec:decorative xmlns:adec="http://schemas.microsoft.com/office/drawing/2017/decorative" val="1"/>
+                <a16:creationId xmlns:a16="http://schemas.microsoft.com/office/drawing/2014/main" id="{02A8C352-C86A-56A6-8664-7560F182A2BA}"/>
               </a:ext>
             </a:extLst>
           </p:cNvPr>
           <p:cNvSpPr>
-            <a:spLocks noGrp="1" noRot="1" noChangeAspect="1" noMove="1" noResize="1" noEditPoints="1" noAdjustHandles="1" noChangeArrowheads="1" noChangeShapeType="1" noTextEdit="1"/>
-          </p:cNvSpPr>
-          <p:nvPr>
-            <p:extLst>
-              <p:ext uri="{386F3935-93C4-4BCD-93E2-E3B085C9AB24}">
-                <p16:designElem xmlns:p16="http://schemas.microsoft.com/office/powerpoint/2015/main" val="1"/>
-              </p:ext>
-            </p:extLst>
+            <a:spLocks noGrp="1"/>
+          </p:cNvSpPr>
+          <p:nvPr>
+            <p:ph type="title"/>
           </p:nvPr>
         </p:nvSpPr>
         <p:spPr>
           <a:xfrm>
-            <a:off x="0" y="0"/>
-            <a:ext cx="12192000" cy="6858000"/>
-          </a:xfrm>
-          <a:prstGeom prst="rect">
-            <a:avLst/>
-          </a:prstGeom>
-          <a:ln>
-            <a:noFill/>
-          </a:ln>
-        </p:spPr>
-        <p:style>
-          <a:lnRef idx="2">
-            <a:schemeClr val="accent1">
-              <a:shade val="50000"/>
-            </a:schemeClr>
-          </a:lnRef>
-          <a:fillRef idx="1">
-            <a:schemeClr val="accent1"/>
-          </a:fillRef>
-          <a:effectRef idx="0">
-            <a:schemeClr val="accent1"/>
-          </a:effectRef>
-          <a:fontRef idx="minor">
-            <a:schemeClr val="lt1"/>
-          </a:fontRef>
-        </p:style>
-        <p:txBody>
-          <a:bodyPr rtlCol="0" anchor="ctr"/>
-          <a:lstStyle/>
-          <a:p>
-            <a:pPr algn="ctr"/>
-            <a:endParaRPr lang="en-US" dirty="0"/>
-          </a:p>
-        </p:txBody>
-      </p:sp>
-      <p:sp>
-        <p:nvSpPr>
-          <p:cNvPr id="2" name="Nadpis 1">
-            <a:extLst>
-              <a:ext uri="{FF2B5EF4-FFF2-40B4-BE49-F238E27FC236}">
-                <a16:creationId xmlns:a16="http://schemas.microsoft.com/office/drawing/2014/main" id="{B0FD30D7-C057-49CC-A0AC-A9316AA1853C}"/>
-              </a:ext>
-            </a:extLst>
-          </p:cNvPr>
-          <p:cNvSpPr>
-            <a:spLocks noGrp="1"/>
-          </p:cNvSpPr>
-          <p:nvPr>
-            <p:ph type="title"/>
-          </p:nvPr>
-        </p:nvSpPr>
-        <p:spPr>
-          <a:xfrm>
-            <a:off x="684212" y="4487332"/>
-            <a:ext cx="7543800" cy="1507067"/>
+            <a:off x="1248650" y="1480182"/>
+            <a:ext cx="9694700" cy="2403661"/>
           </a:xfrm>
         </p:spPr>
         <p:txBody>
@@ -15796,364 +16158,18 @@
           </a:bodyPr>
           <a:lstStyle/>
           <a:p>
-            <a:endParaRPr lang="cs-CZ" dirty="0"/>
-          </a:p>
-        </p:txBody>
-      </p:sp>
-      <p:sp>
-        <p:nvSpPr>
-          <p:cNvPr id="3" name="Zástupný obsah 2">
-            <a:extLst>
-              <a:ext uri="{FF2B5EF4-FFF2-40B4-BE49-F238E27FC236}">
-                <a16:creationId xmlns:a16="http://schemas.microsoft.com/office/drawing/2014/main" id="{55710C13-7612-47CA-9A13-0DCB02F142A4}"/>
-              </a:ext>
-            </a:extLst>
-          </p:cNvPr>
-          <p:cNvSpPr>
-            <a:spLocks noGrp="1"/>
-          </p:cNvSpPr>
-          <p:nvPr>
-            <p:ph idx="1"/>
-          </p:nvPr>
-        </p:nvSpPr>
-        <p:spPr>
-          <a:xfrm>
-            <a:off x="684211" y="685800"/>
-            <a:ext cx="7493137" cy="3615267"/>
-          </a:xfrm>
-        </p:spPr>
-        <p:txBody>
-          <a:bodyPr>
-            <a:normAutofit/>
-          </a:bodyPr>
-          <a:lstStyle/>
-          <a:p>
-            <a:endParaRPr lang="cs-CZ" dirty="0"/>
-          </a:p>
-        </p:txBody>
-      </p:sp>
-      <p:pic>
-        <p:nvPicPr>
-          <p:cNvPr id="5" name="Picture 4" descr="Koule tvořená sítí a uzly">
-            <a:extLst>
-              <a:ext uri="{FF2B5EF4-FFF2-40B4-BE49-F238E27FC236}">
-                <a16:creationId xmlns:a16="http://schemas.microsoft.com/office/drawing/2014/main" id="{88E772C4-8D2F-56A5-976F-E08F8C1F29EC}"/>
-              </a:ext>
-            </a:extLst>
-          </p:cNvPr>
-          <p:cNvPicPr>
-            <a:picLocks noChangeAspect="1"/>
-          </p:cNvPicPr>
-          <p:nvPr/>
-        </p:nvPicPr>
-        <p:blipFill rotWithShape="1">
-          <a:blip r:embed="rId3"/>
-          <a:srcRect l="47059" r="16071"/>
-          <a:stretch/>
-        </p:blipFill>
-        <p:spPr>
-          <a:xfrm>
-            <a:off x="8820603" y="10"/>
-            <a:ext cx="3371397" cy="6857990"/>
-          </a:xfrm>
-          <a:prstGeom prst="rect">
-            <a:avLst/>
-          </a:prstGeom>
-          <a:effectLst>
-            <a:innerShdw blurRad="57150" dist="38100" dir="14460000">
-              <a:prstClr val="black">
-                <a:alpha val="70000"/>
-              </a:prstClr>
-            </a:innerShdw>
-          </a:effectLst>
-        </p:spPr>
-      </p:pic>
-      <p:grpSp>
-        <p:nvGrpSpPr>
-          <p:cNvPr id="11" name="Group 10">
-            <a:extLst>
-              <a:ext uri="{FF2B5EF4-FFF2-40B4-BE49-F238E27FC236}">
-                <a16:creationId xmlns:a16="http://schemas.microsoft.com/office/drawing/2014/main" id="{94749DEA-AC6C-4834-A330-03A1796B8929}"/>
-              </a:ext>
-              <a:ext uri="{C183D7F6-B498-43B3-948B-1728B52AA6E4}">
-                <adec:decorative xmlns:adec="http://schemas.microsoft.com/office/drawing/2017/decorative" val="1"/>
-              </a:ext>
-            </a:extLst>
-          </p:cNvPr>
-          <p:cNvGrpSpPr>
-            <a:grpSpLocks noGrp="1" noUngrp="1" noRot="1" noChangeAspect="1" noMove="1" noResize="1"/>
-          </p:cNvGrpSpPr>
-          <p:nvPr>
-            <p:extLst>
-              <p:ext uri="{386F3935-93C4-4BCD-93E2-E3B085C9AB24}">
-                <p16:designElem xmlns:p16="http://schemas.microsoft.com/office/powerpoint/2015/main" val="1"/>
-              </p:ext>
-            </p:extLst>
-          </p:nvPr>
-        </p:nvGrpSpPr>
-        <p:grpSpPr>
-          <a:xfrm>
-            <a:off x="9206969" y="2963333"/>
-            <a:ext cx="2981858" cy="3208867"/>
-            <a:chOff x="9206969" y="2963333"/>
-            <a:chExt cx="2981858" cy="3208867"/>
-          </a:xfrm>
-        </p:grpSpPr>
-        <p:cxnSp>
-          <p:nvCxnSpPr>
-            <p:cNvPr id="12" name="Straight Connector 11">
-              <a:extLst>
-                <a:ext uri="{FF2B5EF4-FFF2-40B4-BE49-F238E27FC236}">
-                  <a16:creationId xmlns:a16="http://schemas.microsoft.com/office/drawing/2014/main" id="{20CBC5D1-BAF0-454E-9D7C-68370AA9545E}"/>
-                </a:ext>
-                <a:ext uri="{C183D7F6-B498-43B3-948B-1728B52AA6E4}">
-                  <adec:decorative xmlns:adec="http://schemas.microsoft.com/office/drawing/2017/decorative" val="1"/>
-                </a:ext>
-              </a:extLst>
-            </p:cNvPr>
-            <p:cNvCxnSpPr/>
-            <p:nvPr>
-              <p:extLst>
-                <p:ext uri="{386F3935-93C4-4BCD-93E2-E3B085C9AB24}">
-                  <p16:designElem xmlns:p16="http://schemas.microsoft.com/office/powerpoint/2015/main" val="1"/>
-                </p:ext>
-              </p:extLst>
-            </p:nvPr>
-          </p:nvCxnSpPr>
-          <p:spPr>
-            <a:xfrm flipH="1">
-              <a:off x="11276012" y="2963333"/>
-              <a:ext cx="912814" cy="912812"/>
-            </a:xfrm>
-            <a:prstGeom prst="line">
-              <a:avLst/>
-            </a:prstGeom>
-            <a:ln w="9525">
-              <a:solidFill>
-                <a:schemeClr val="tx1"/>
-              </a:solidFill>
-            </a:ln>
-          </p:spPr>
-          <p:style>
-            <a:lnRef idx="2">
-              <a:schemeClr val="accent1"/>
-            </a:lnRef>
-            <a:fillRef idx="0">
-              <a:schemeClr val="accent1"/>
-            </a:fillRef>
-            <a:effectRef idx="1">
-              <a:schemeClr val="accent1"/>
-            </a:effectRef>
-            <a:fontRef idx="minor">
-              <a:schemeClr val="tx1"/>
-            </a:fontRef>
-          </p:style>
-        </p:cxnSp>
-        <p:cxnSp>
-          <p:nvCxnSpPr>
-            <p:cNvPr id="13" name="Straight Connector 12">
-              <a:extLst>
-                <a:ext uri="{FF2B5EF4-FFF2-40B4-BE49-F238E27FC236}">
-                  <a16:creationId xmlns:a16="http://schemas.microsoft.com/office/drawing/2014/main" id="{8ABB9F45-32F7-4915-A94F-F1E34B32DEDC}"/>
-                </a:ext>
-                <a:ext uri="{C183D7F6-B498-43B3-948B-1728B52AA6E4}">
-                  <adec:decorative xmlns:adec="http://schemas.microsoft.com/office/drawing/2017/decorative" val="1"/>
-                </a:ext>
-              </a:extLst>
-            </p:cNvPr>
-            <p:cNvCxnSpPr/>
-            <p:nvPr>
-              <p:extLst>
-                <p:ext uri="{386F3935-93C4-4BCD-93E2-E3B085C9AB24}">
-                  <p16:designElem xmlns:p16="http://schemas.microsoft.com/office/powerpoint/2015/main" val="1"/>
-                </p:ext>
-              </p:extLst>
-            </p:nvPr>
-          </p:nvCxnSpPr>
-          <p:spPr>
-            <a:xfrm flipH="1">
-              <a:off x="9206969" y="3190344"/>
-              <a:ext cx="2981857" cy="2981856"/>
-            </a:xfrm>
-            <a:prstGeom prst="line">
-              <a:avLst/>
-            </a:prstGeom>
-            <a:ln w="9525">
-              <a:solidFill>
-                <a:schemeClr val="tx1"/>
-              </a:solidFill>
-            </a:ln>
-          </p:spPr>
-          <p:style>
-            <a:lnRef idx="2">
-              <a:schemeClr val="accent1"/>
-            </a:lnRef>
-            <a:fillRef idx="0">
-              <a:schemeClr val="accent1"/>
-            </a:fillRef>
-            <a:effectRef idx="1">
-              <a:schemeClr val="accent1"/>
-            </a:effectRef>
-            <a:fontRef idx="minor">
-              <a:schemeClr val="tx1"/>
-            </a:fontRef>
-          </p:style>
-        </p:cxnSp>
-        <p:cxnSp>
-          <p:nvCxnSpPr>
-            <p:cNvPr id="14" name="Straight Connector 13">
-              <a:extLst>
-                <a:ext uri="{FF2B5EF4-FFF2-40B4-BE49-F238E27FC236}">
-                  <a16:creationId xmlns:a16="http://schemas.microsoft.com/office/drawing/2014/main" id="{94EA6F09-00FD-4C50-A2DF-D0B1CC4C9AB1}"/>
-                </a:ext>
-                <a:ext uri="{C183D7F6-B498-43B3-948B-1728B52AA6E4}">
-                  <adec:decorative xmlns:adec="http://schemas.microsoft.com/office/drawing/2017/decorative" val="1"/>
-                </a:ext>
-              </a:extLst>
-            </p:cNvPr>
-            <p:cNvCxnSpPr/>
-            <p:nvPr>
-              <p:extLst>
-                <p:ext uri="{386F3935-93C4-4BCD-93E2-E3B085C9AB24}">
-                  <p16:designElem xmlns:p16="http://schemas.microsoft.com/office/powerpoint/2015/main" val="1"/>
-                </p:ext>
-              </p:extLst>
-            </p:nvPr>
-          </p:nvCxnSpPr>
-          <p:spPr>
-            <a:xfrm flipH="1">
-              <a:off x="10292292" y="3285067"/>
-              <a:ext cx="1896534" cy="1896533"/>
-            </a:xfrm>
-            <a:prstGeom prst="line">
-              <a:avLst/>
-            </a:prstGeom>
-            <a:ln w="9525">
-              <a:solidFill>
-                <a:schemeClr val="tx1"/>
-              </a:solidFill>
-            </a:ln>
-          </p:spPr>
-          <p:style>
-            <a:lnRef idx="2">
-              <a:schemeClr val="accent1"/>
-            </a:lnRef>
-            <a:fillRef idx="0">
-              <a:schemeClr val="accent1"/>
-            </a:fillRef>
-            <a:effectRef idx="1">
-              <a:schemeClr val="accent1"/>
-            </a:effectRef>
-            <a:fontRef idx="minor">
-              <a:schemeClr val="tx1"/>
-            </a:fontRef>
-          </p:style>
-        </p:cxnSp>
-        <p:cxnSp>
-          <p:nvCxnSpPr>
-            <p:cNvPr id="15" name="Straight Connector 14">
-              <a:extLst>
-                <a:ext uri="{FF2B5EF4-FFF2-40B4-BE49-F238E27FC236}">
-                  <a16:creationId xmlns:a16="http://schemas.microsoft.com/office/drawing/2014/main" id="{4B8B975B-2618-4734-A401-FAB74519010B}"/>
-                </a:ext>
-                <a:ext uri="{C183D7F6-B498-43B3-948B-1728B52AA6E4}">
-                  <adec:decorative xmlns:adec="http://schemas.microsoft.com/office/drawing/2017/decorative" val="1"/>
-                </a:ext>
-              </a:extLst>
-            </p:cNvPr>
-            <p:cNvCxnSpPr/>
-            <p:nvPr>
-              <p:extLst>
-                <p:ext uri="{386F3935-93C4-4BCD-93E2-E3B085C9AB24}">
-                  <p16:designElem xmlns:p16="http://schemas.microsoft.com/office/powerpoint/2015/main" val="1"/>
-                </p:ext>
-              </p:extLst>
-            </p:nvPr>
-          </p:nvCxnSpPr>
-          <p:spPr>
-            <a:xfrm flipH="1">
-              <a:off x="10443103" y="3131080"/>
-              <a:ext cx="1745722" cy="1745720"/>
-            </a:xfrm>
-            <a:prstGeom prst="line">
-              <a:avLst/>
-            </a:prstGeom>
-            <a:ln w="28575">
-              <a:solidFill>
-                <a:schemeClr val="tx1"/>
-              </a:solidFill>
-            </a:ln>
-          </p:spPr>
-          <p:style>
-            <a:lnRef idx="2">
-              <a:schemeClr val="accent1"/>
-            </a:lnRef>
-            <a:fillRef idx="0">
-              <a:schemeClr val="accent1"/>
-            </a:fillRef>
-            <a:effectRef idx="1">
-              <a:schemeClr val="accent1"/>
-            </a:effectRef>
-            <a:fontRef idx="minor">
-              <a:schemeClr val="tx1"/>
-            </a:fontRef>
-          </p:style>
-        </p:cxnSp>
-        <p:cxnSp>
-          <p:nvCxnSpPr>
-            <p:cNvPr id="16" name="Straight Connector 15">
-              <a:extLst>
-                <a:ext uri="{FF2B5EF4-FFF2-40B4-BE49-F238E27FC236}">
-                  <a16:creationId xmlns:a16="http://schemas.microsoft.com/office/drawing/2014/main" id="{4EF4B123-0577-4F10-986B-6BD86396ABBE}"/>
-                </a:ext>
-                <a:ext uri="{C183D7F6-B498-43B3-948B-1728B52AA6E4}">
-                  <adec:decorative xmlns:adec="http://schemas.microsoft.com/office/drawing/2017/decorative" val="1"/>
-                </a:ext>
-              </a:extLst>
-            </p:cNvPr>
-            <p:cNvCxnSpPr/>
-            <p:nvPr>
-              <p:extLst>
-                <p:ext uri="{386F3935-93C4-4BCD-93E2-E3B085C9AB24}">
-                  <p16:designElem xmlns:p16="http://schemas.microsoft.com/office/powerpoint/2015/main" val="1"/>
-                </p:ext>
-              </p:extLst>
-            </p:nvPr>
-          </p:nvCxnSpPr>
-          <p:spPr>
-            <a:xfrm flipH="1">
-              <a:off x="10918826" y="3683001"/>
-              <a:ext cx="1270001" cy="1269999"/>
-            </a:xfrm>
-            <a:prstGeom prst="line">
-              <a:avLst/>
-            </a:prstGeom>
-            <a:ln w="28575">
-              <a:solidFill>
-                <a:schemeClr val="tx1"/>
-              </a:solidFill>
-            </a:ln>
-          </p:spPr>
-          <p:style>
-            <a:lnRef idx="2">
-              <a:schemeClr val="accent1"/>
-            </a:lnRef>
-            <a:fillRef idx="0">
-              <a:schemeClr val="accent1"/>
-            </a:fillRef>
-            <a:effectRef idx="1">
-              <a:schemeClr val="accent1"/>
-            </a:effectRef>
-            <a:fontRef idx="minor">
-              <a:schemeClr val="tx1"/>
-            </a:fontRef>
-          </p:style>
-        </p:cxnSp>
-      </p:grpSp>
+            <a:pPr algn="ctr"/>
+            <a:r>
+              <a:rPr lang="cs-CZ" sz="5400" dirty="0"/>
+              <a:t>Druhy prémiových účtů</a:t>
+            </a:r>
+          </a:p>
+        </p:txBody>
+      </p:sp>
     </p:spTree>
     <p:extLst>
       <p:ext uri="{BB962C8B-B14F-4D97-AF65-F5344CB8AC3E}">
-        <p14:creationId xmlns:p14="http://schemas.microsoft.com/office/powerpoint/2010/main" val="2684412578"/>
+        <p14:creationId xmlns:p14="http://schemas.microsoft.com/office/powerpoint/2010/main" val="2416558291"/>
       </p:ext>
     </p:extLst>
   </p:cSld>
@@ -16166,31 +16182,6 @@
 <file path=ppt/slides/slide7.xml><?xml version="1.0" encoding="utf-8"?>
 <p:sld xmlns:a="http://schemas.openxmlformats.org/drawingml/2006/main" xmlns:r="http://schemas.openxmlformats.org/officeDocument/2006/relationships" xmlns:p="http://schemas.openxmlformats.org/presentationml/2006/main">
   <p:cSld>
-    <p:bg>
-      <p:bgPr>
-        <a:gradFill rotWithShape="1">
-          <a:gsLst>
-            <a:gs pos="10000">
-              <a:schemeClr val="bg2">
-                <a:tint val="97000"/>
-                <a:hueMod val="92000"/>
-                <a:satMod val="169000"/>
-                <a:lumMod val="164000"/>
-              </a:schemeClr>
-            </a:gs>
-            <a:gs pos="100000">
-              <a:schemeClr val="bg2">
-                <a:shade val="96000"/>
-                <a:satMod val="120000"/>
-                <a:lumMod val="90000"/>
-              </a:schemeClr>
-            </a:gs>
-          </a:gsLst>
-          <a:lin ang="6120000" scaled="1"/>
-        </a:gradFill>
-        <a:effectLst/>
-      </p:bgPr>
-    </p:bg>
     <p:spTree>
       <p:nvGrpSpPr>
         <p:cNvPr id="1" name=""/>
@@ -16205,86 +16196,26 @@
           <a:chExt cx="0" cy="0"/>
         </a:xfrm>
       </p:grpSpPr>
-      <p:sp useBgFill="1">
-        <p:nvSpPr>
-          <p:cNvPr id="9" name="Rectangle 8">
+      <p:sp>
+        <p:nvSpPr>
+          <p:cNvPr id="2" name="Nadpis 1">
             <a:extLst>
               <a:ext uri="{FF2B5EF4-FFF2-40B4-BE49-F238E27FC236}">
-                <a16:creationId xmlns:a16="http://schemas.microsoft.com/office/drawing/2014/main" id="{929448D9-8F1D-4CFE-93BA-E0272F0DBD6E}"/>
-              </a:ext>
-              <a:ext uri="{C183D7F6-B498-43B3-948B-1728B52AA6E4}">
-                <adec:decorative xmlns:adec="http://schemas.microsoft.com/office/drawing/2017/decorative" val="1"/>
+                <a16:creationId xmlns:a16="http://schemas.microsoft.com/office/drawing/2014/main" id="{0E99DC8A-9F5F-91F1-76D9-FE9EBE476382}"/>
               </a:ext>
             </a:extLst>
           </p:cNvPr>
           <p:cNvSpPr>
-            <a:spLocks noGrp="1" noRot="1" noChangeAspect="1" noMove="1" noResize="1" noEditPoints="1" noAdjustHandles="1" noChangeArrowheads="1" noChangeShapeType="1" noTextEdit="1"/>
-          </p:cNvSpPr>
-          <p:nvPr>
-            <p:extLst>
-              <p:ext uri="{386F3935-93C4-4BCD-93E2-E3B085C9AB24}">
-                <p16:designElem xmlns:p16="http://schemas.microsoft.com/office/powerpoint/2015/main" val="1"/>
-              </p:ext>
-            </p:extLst>
+            <a:spLocks noGrp="1"/>
+          </p:cNvSpPr>
+          <p:nvPr>
+            <p:ph type="ctrTitle"/>
           </p:nvPr>
         </p:nvSpPr>
         <p:spPr>
           <a:xfrm>
-            <a:off x="0" y="0"/>
-            <a:ext cx="12192000" cy="6858000"/>
-          </a:xfrm>
-          <a:prstGeom prst="rect">
-            <a:avLst/>
-          </a:prstGeom>
-          <a:ln>
-            <a:noFill/>
-          </a:ln>
-        </p:spPr>
-        <p:style>
-          <a:lnRef idx="2">
-            <a:schemeClr val="accent1">
-              <a:shade val="50000"/>
-            </a:schemeClr>
-          </a:lnRef>
-          <a:fillRef idx="1">
-            <a:schemeClr val="accent1"/>
-          </a:fillRef>
-          <a:effectRef idx="0">
-            <a:schemeClr val="accent1"/>
-          </a:effectRef>
-          <a:fontRef idx="minor">
-            <a:schemeClr val="lt1"/>
-          </a:fontRef>
-        </p:style>
-        <p:txBody>
-          <a:bodyPr rtlCol="0" anchor="ctr"/>
-          <a:lstStyle/>
-          <a:p>
-            <a:pPr algn="ctr"/>
-            <a:endParaRPr lang="en-US" dirty="0"/>
-          </a:p>
-        </p:txBody>
-      </p:sp>
-      <p:sp>
-        <p:nvSpPr>
-          <p:cNvPr id="2" name="Nadpis 1">
-            <a:extLst>
-              <a:ext uri="{FF2B5EF4-FFF2-40B4-BE49-F238E27FC236}">
-                <a16:creationId xmlns:a16="http://schemas.microsoft.com/office/drawing/2014/main" id="{B0FD30D7-C057-49CC-A0AC-A9316AA1853C}"/>
-              </a:ext>
-            </a:extLst>
-          </p:cNvPr>
-          <p:cNvSpPr>
-            <a:spLocks noGrp="1"/>
-          </p:cNvSpPr>
-          <p:nvPr>
-            <p:ph type="title"/>
-          </p:nvPr>
-        </p:nvSpPr>
-        <p:spPr>
-          <a:xfrm>
-            <a:off x="684212" y="4487332"/>
-            <a:ext cx="7543800" cy="1507067"/>
+            <a:off x="754144" y="542433"/>
+            <a:ext cx="9342356" cy="1048733"/>
           </a:xfrm>
         </p:spPr>
         <p:txBody>
@@ -16293,16 +16224,20 @@
           </a:bodyPr>
           <a:lstStyle/>
           <a:p>
-            <a:endParaRPr lang="cs-CZ" dirty="0"/>
-          </a:p>
-        </p:txBody>
-      </p:sp>
-      <p:sp>
-        <p:nvSpPr>
-          <p:cNvPr id="3" name="Zástupný obsah 2">
+            <a:pPr algn="ctr"/>
+            <a:r>
+              <a:rPr lang="cs-CZ" sz="4400" dirty="0"/>
+              <a:t>Druhy prémiových účtů</a:t>
+            </a:r>
+          </a:p>
+        </p:txBody>
+      </p:sp>
+      <p:sp>
+        <p:nvSpPr>
+          <p:cNvPr id="3" name="Podnadpis 2">
             <a:extLst>
               <a:ext uri="{FF2B5EF4-FFF2-40B4-BE49-F238E27FC236}">
-                <a16:creationId xmlns:a16="http://schemas.microsoft.com/office/drawing/2014/main" id="{55710C13-7612-47CA-9A13-0DCB02F142A4}"/>
+                <a16:creationId xmlns:a16="http://schemas.microsoft.com/office/drawing/2014/main" id="{D16EB82E-C6BC-E2AD-CAC2-10A90B73593C}"/>
               </a:ext>
             </a:extLst>
           </p:cNvPr>
@@ -16310,13 +16245,13 @@
             <a:spLocks noGrp="1"/>
           </p:cNvSpPr>
           <p:nvPr>
-            <p:ph idx="1"/>
+            <p:ph type="subTitle" idx="1"/>
           </p:nvPr>
         </p:nvSpPr>
         <p:spPr>
           <a:xfrm>
-            <a:off x="684211" y="685800"/>
-            <a:ext cx="7493137" cy="3615267"/>
+            <a:off x="754144" y="2455333"/>
+            <a:ext cx="6400800" cy="2446605"/>
           </a:xfrm>
         </p:spPr>
         <p:txBody>
@@ -16325,332 +16260,34 @@
           </a:bodyPr>
           <a:lstStyle/>
           <a:p>
+            <a:pPr marL="342900" indent="-342900">
+              <a:buFont typeface="Arial" panose="020B0604020202020204" pitchFamily="34" charset="0"/>
+              <a:buChar char="•"/>
+            </a:pPr>
+            <a:r>
+              <a:rPr lang="cs-CZ"/>
+              <a:t>Prémiová kariéra</a:t>
+            </a:r>
+          </a:p>
+          <a:p>
+            <a:endParaRPr lang="cs-CZ"/>
+          </a:p>
+          <a:p>
             <a:endParaRPr lang="cs-CZ" dirty="0"/>
           </a:p>
-        </p:txBody>
-      </p:sp>
-      <p:pic>
-        <p:nvPicPr>
-          <p:cNvPr id="5" name="Picture 4" descr="Koule tvořená sítí a uzly">
-            <a:extLst>
-              <a:ext uri="{FF2B5EF4-FFF2-40B4-BE49-F238E27FC236}">
-                <a16:creationId xmlns:a16="http://schemas.microsoft.com/office/drawing/2014/main" id="{88E772C4-8D2F-56A5-976F-E08F8C1F29EC}"/>
-              </a:ext>
-            </a:extLst>
-          </p:cNvPr>
-          <p:cNvPicPr>
-            <a:picLocks noChangeAspect="1"/>
-          </p:cNvPicPr>
-          <p:nvPr/>
-        </p:nvPicPr>
-        <p:blipFill rotWithShape="1">
-          <a:blip r:embed="rId3"/>
-          <a:srcRect l="47059" r="16071"/>
-          <a:stretch/>
-        </p:blipFill>
-        <p:spPr>
-          <a:xfrm>
-            <a:off x="8820603" y="10"/>
-            <a:ext cx="3371397" cy="6857990"/>
-          </a:xfrm>
-          <a:prstGeom prst="rect">
-            <a:avLst/>
-          </a:prstGeom>
-          <a:effectLst>
-            <a:innerShdw blurRad="57150" dist="38100" dir="14460000">
-              <a:prstClr val="black">
-                <a:alpha val="70000"/>
-              </a:prstClr>
-            </a:innerShdw>
-          </a:effectLst>
-        </p:spPr>
-      </p:pic>
-      <p:grpSp>
-        <p:nvGrpSpPr>
-          <p:cNvPr id="11" name="Group 10">
-            <a:extLst>
-              <a:ext uri="{FF2B5EF4-FFF2-40B4-BE49-F238E27FC236}">
-                <a16:creationId xmlns:a16="http://schemas.microsoft.com/office/drawing/2014/main" id="{94749DEA-AC6C-4834-A330-03A1796B8929}"/>
-              </a:ext>
-              <a:ext uri="{C183D7F6-B498-43B3-948B-1728B52AA6E4}">
-                <adec:decorative xmlns:adec="http://schemas.microsoft.com/office/drawing/2017/decorative" val="1"/>
-              </a:ext>
-            </a:extLst>
-          </p:cNvPr>
-          <p:cNvGrpSpPr>
-            <a:grpSpLocks noGrp="1" noUngrp="1" noRot="1" noChangeAspect="1" noMove="1" noResize="1"/>
-          </p:cNvGrpSpPr>
-          <p:nvPr>
-            <p:extLst>
-              <p:ext uri="{386F3935-93C4-4BCD-93E2-E3B085C9AB24}">
-                <p16:designElem xmlns:p16="http://schemas.microsoft.com/office/powerpoint/2015/main" val="1"/>
-              </p:ext>
-            </p:extLst>
-          </p:nvPr>
-        </p:nvGrpSpPr>
-        <p:grpSpPr>
-          <a:xfrm>
-            <a:off x="9206969" y="2963333"/>
-            <a:ext cx="2981858" cy="3208867"/>
-            <a:chOff x="9206969" y="2963333"/>
-            <a:chExt cx="2981858" cy="3208867"/>
-          </a:xfrm>
-        </p:grpSpPr>
-        <p:cxnSp>
-          <p:nvCxnSpPr>
-            <p:cNvPr id="12" name="Straight Connector 11">
-              <a:extLst>
-                <a:ext uri="{FF2B5EF4-FFF2-40B4-BE49-F238E27FC236}">
-                  <a16:creationId xmlns:a16="http://schemas.microsoft.com/office/drawing/2014/main" id="{20CBC5D1-BAF0-454E-9D7C-68370AA9545E}"/>
-                </a:ext>
-                <a:ext uri="{C183D7F6-B498-43B3-948B-1728B52AA6E4}">
-                  <adec:decorative xmlns:adec="http://schemas.microsoft.com/office/drawing/2017/decorative" val="1"/>
-                </a:ext>
-              </a:extLst>
-            </p:cNvPr>
-            <p:cNvCxnSpPr/>
-            <p:nvPr>
-              <p:extLst>
-                <p:ext uri="{386F3935-93C4-4BCD-93E2-E3B085C9AB24}">
-                  <p16:designElem xmlns:p16="http://schemas.microsoft.com/office/powerpoint/2015/main" val="1"/>
-                </p:ext>
-              </p:extLst>
-            </p:nvPr>
-          </p:nvCxnSpPr>
-          <p:spPr>
-            <a:xfrm flipH="1">
-              <a:off x="11276012" y="2963333"/>
-              <a:ext cx="912814" cy="912812"/>
-            </a:xfrm>
-            <a:prstGeom prst="line">
-              <a:avLst/>
-            </a:prstGeom>
-            <a:ln w="9525">
-              <a:solidFill>
-                <a:schemeClr val="tx1"/>
-              </a:solidFill>
-            </a:ln>
-          </p:spPr>
-          <p:style>
-            <a:lnRef idx="2">
-              <a:schemeClr val="accent1"/>
-            </a:lnRef>
-            <a:fillRef idx="0">
-              <a:schemeClr val="accent1"/>
-            </a:fillRef>
-            <a:effectRef idx="1">
-              <a:schemeClr val="accent1"/>
-            </a:effectRef>
-            <a:fontRef idx="minor">
-              <a:schemeClr val="tx1"/>
-            </a:fontRef>
-          </p:style>
-        </p:cxnSp>
-        <p:cxnSp>
-          <p:nvCxnSpPr>
-            <p:cNvPr id="13" name="Straight Connector 12">
-              <a:extLst>
-                <a:ext uri="{FF2B5EF4-FFF2-40B4-BE49-F238E27FC236}">
-                  <a16:creationId xmlns:a16="http://schemas.microsoft.com/office/drawing/2014/main" id="{8ABB9F45-32F7-4915-A94F-F1E34B32DEDC}"/>
-                </a:ext>
-                <a:ext uri="{C183D7F6-B498-43B3-948B-1728B52AA6E4}">
-                  <adec:decorative xmlns:adec="http://schemas.microsoft.com/office/drawing/2017/decorative" val="1"/>
-                </a:ext>
-              </a:extLst>
-            </p:cNvPr>
-            <p:cNvCxnSpPr/>
-            <p:nvPr>
-              <p:extLst>
-                <p:ext uri="{386F3935-93C4-4BCD-93E2-E3B085C9AB24}">
-                  <p16:designElem xmlns:p16="http://schemas.microsoft.com/office/powerpoint/2015/main" val="1"/>
-                </p:ext>
-              </p:extLst>
-            </p:nvPr>
-          </p:nvCxnSpPr>
-          <p:spPr>
-            <a:xfrm flipH="1">
-              <a:off x="9206969" y="3190344"/>
-              <a:ext cx="2981857" cy="2981856"/>
-            </a:xfrm>
-            <a:prstGeom prst="line">
-              <a:avLst/>
-            </a:prstGeom>
-            <a:ln w="9525">
-              <a:solidFill>
-                <a:schemeClr val="tx1"/>
-              </a:solidFill>
-            </a:ln>
-          </p:spPr>
-          <p:style>
-            <a:lnRef idx="2">
-              <a:schemeClr val="accent1"/>
-            </a:lnRef>
-            <a:fillRef idx="0">
-              <a:schemeClr val="accent1"/>
-            </a:fillRef>
-            <a:effectRef idx="1">
-              <a:schemeClr val="accent1"/>
-            </a:effectRef>
-            <a:fontRef idx="minor">
-              <a:schemeClr val="tx1"/>
-            </a:fontRef>
-          </p:style>
-        </p:cxnSp>
-        <p:cxnSp>
-          <p:nvCxnSpPr>
-            <p:cNvPr id="14" name="Straight Connector 13">
-              <a:extLst>
-                <a:ext uri="{FF2B5EF4-FFF2-40B4-BE49-F238E27FC236}">
-                  <a16:creationId xmlns:a16="http://schemas.microsoft.com/office/drawing/2014/main" id="{94EA6F09-00FD-4C50-A2DF-D0B1CC4C9AB1}"/>
-                </a:ext>
-                <a:ext uri="{C183D7F6-B498-43B3-948B-1728B52AA6E4}">
-                  <adec:decorative xmlns:adec="http://schemas.microsoft.com/office/drawing/2017/decorative" val="1"/>
-                </a:ext>
-              </a:extLst>
-            </p:cNvPr>
-            <p:cNvCxnSpPr/>
-            <p:nvPr>
-              <p:extLst>
-                <p:ext uri="{386F3935-93C4-4BCD-93E2-E3B085C9AB24}">
-                  <p16:designElem xmlns:p16="http://schemas.microsoft.com/office/powerpoint/2015/main" val="1"/>
-                </p:ext>
-              </p:extLst>
-            </p:nvPr>
-          </p:nvCxnSpPr>
-          <p:spPr>
-            <a:xfrm flipH="1">
-              <a:off x="10292292" y="3285067"/>
-              <a:ext cx="1896534" cy="1896533"/>
-            </a:xfrm>
-            <a:prstGeom prst="line">
-              <a:avLst/>
-            </a:prstGeom>
-            <a:ln w="9525">
-              <a:solidFill>
-                <a:schemeClr val="tx1"/>
-              </a:solidFill>
-            </a:ln>
-          </p:spPr>
-          <p:style>
-            <a:lnRef idx="2">
-              <a:schemeClr val="accent1"/>
-            </a:lnRef>
-            <a:fillRef idx="0">
-              <a:schemeClr val="accent1"/>
-            </a:fillRef>
-            <a:effectRef idx="1">
-              <a:schemeClr val="accent1"/>
-            </a:effectRef>
-            <a:fontRef idx="minor">
-              <a:schemeClr val="tx1"/>
-            </a:fontRef>
-          </p:style>
-        </p:cxnSp>
-        <p:cxnSp>
-          <p:nvCxnSpPr>
-            <p:cNvPr id="15" name="Straight Connector 14">
-              <a:extLst>
-                <a:ext uri="{FF2B5EF4-FFF2-40B4-BE49-F238E27FC236}">
-                  <a16:creationId xmlns:a16="http://schemas.microsoft.com/office/drawing/2014/main" id="{4B8B975B-2618-4734-A401-FAB74519010B}"/>
-                </a:ext>
-                <a:ext uri="{C183D7F6-B498-43B3-948B-1728B52AA6E4}">
-                  <adec:decorative xmlns:adec="http://schemas.microsoft.com/office/drawing/2017/decorative" val="1"/>
-                </a:ext>
-              </a:extLst>
-            </p:cNvPr>
-            <p:cNvCxnSpPr/>
-            <p:nvPr>
-              <p:extLst>
-                <p:ext uri="{386F3935-93C4-4BCD-93E2-E3B085C9AB24}">
-                  <p16:designElem xmlns:p16="http://schemas.microsoft.com/office/powerpoint/2015/main" val="1"/>
-                </p:ext>
-              </p:extLst>
-            </p:nvPr>
-          </p:nvCxnSpPr>
-          <p:spPr>
-            <a:xfrm flipH="1">
-              <a:off x="10443103" y="3131080"/>
-              <a:ext cx="1745722" cy="1745720"/>
-            </a:xfrm>
-            <a:prstGeom prst="line">
-              <a:avLst/>
-            </a:prstGeom>
-            <a:ln w="28575">
-              <a:solidFill>
-                <a:schemeClr val="tx1"/>
-              </a:solidFill>
-            </a:ln>
-          </p:spPr>
-          <p:style>
-            <a:lnRef idx="2">
-              <a:schemeClr val="accent1"/>
-            </a:lnRef>
-            <a:fillRef idx="0">
-              <a:schemeClr val="accent1"/>
-            </a:fillRef>
-            <a:effectRef idx="1">
-              <a:schemeClr val="accent1"/>
-            </a:effectRef>
-            <a:fontRef idx="minor">
-              <a:schemeClr val="tx1"/>
-            </a:fontRef>
-          </p:style>
-        </p:cxnSp>
-        <p:cxnSp>
-          <p:nvCxnSpPr>
-            <p:cNvPr id="16" name="Straight Connector 15">
-              <a:extLst>
-                <a:ext uri="{FF2B5EF4-FFF2-40B4-BE49-F238E27FC236}">
-                  <a16:creationId xmlns:a16="http://schemas.microsoft.com/office/drawing/2014/main" id="{4EF4B123-0577-4F10-986B-6BD86396ABBE}"/>
-                </a:ext>
-                <a:ext uri="{C183D7F6-B498-43B3-948B-1728B52AA6E4}">
-                  <adec:decorative xmlns:adec="http://schemas.microsoft.com/office/drawing/2017/decorative" val="1"/>
-                </a:ext>
-              </a:extLst>
-            </p:cNvPr>
-            <p:cNvCxnSpPr/>
-            <p:nvPr>
-              <p:extLst>
-                <p:ext uri="{386F3935-93C4-4BCD-93E2-E3B085C9AB24}">
-                  <p16:designElem xmlns:p16="http://schemas.microsoft.com/office/powerpoint/2015/main" val="1"/>
-                </p:ext>
-              </p:extLst>
-            </p:nvPr>
-          </p:nvCxnSpPr>
-          <p:spPr>
-            <a:xfrm flipH="1">
-              <a:off x="10918826" y="3683001"/>
-              <a:ext cx="1270001" cy="1269999"/>
-            </a:xfrm>
-            <a:prstGeom prst="line">
-              <a:avLst/>
-            </a:prstGeom>
-            <a:ln w="28575">
-              <a:solidFill>
-                <a:schemeClr val="tx1"/>
-              </a:solidFill>
-            </a:ln>
-          </p:spPr>
-          <p:style>
-            <a:lnRef idx="2">
-              <a:schemeClr val="accent1"/>
-            </a:lnRef>
-            <a:fillRef idx="0">
-              <a:schemeClr val="accent1"/>
-            </a:fillRef>
-            <a:effectRef idx="1">
-              <a:schemeClr val="accent1"/>
-            </a:effectRef>
-            <a:fontRef idx="minor">
-              <a:schemeClr val="tx1"/>
-            </a:fontRef>
-          </p:style>
-        </p:cxnSp>
-      </p:grpSp>
+          <a:p>
+            <a:pPr marL="342900" indent="-342900">
+              <a:buFont typeface="Arial" panose="020B0604020202020204" pitchFamily="34" charset="0"/>
+              <a:buChar char="•"/>
+            </a:pPr>
+            <a:endParaRPr lang="cs-CZ" dirty="0"/>
+          </a:p>
+        </p:txBody>
+      </p:sp>
     </p:spTree>
     <p:extLst>
       <p:ext uri="{BB962C8B-B14F-4D97-AF65-F5344CB8AC3E}">
-        <p14:creationId xmlns:p14="http://schemas.microsoft.com/office/powerpoint/2010/main" val="812318926"/>
+        <p14:creationId xmlns:p14="http://schemas.microsoft.com/office/powerpoint/2010/main" val="3968009670"/>
       </p:ext>
     </p:extLst>
   </p:cSld>
@@ -17147,7 +16784,7 @@
     </p:spTree>
     <p:extLst>
       <p:ext uri="{BB962C8B-B14F-4D97-AF65-F5344CB8AC3E}">
-        <p14:creationId xmlns:p14="http://schemas.microsoft.com/office/powerpoint/2010/main" val="4171991471"/>
+        <p14:creationId xmlns:p14="http://schemas.microsoft.com/office/powerpoint/2010/main" val="812318926"/>
       </p:ext>
     </p:extLst>
   </p:cSld>
@@ -17644,7 +17281,7 @@
     </p:spTree>
     <p:extLst>
       <p:ext uri="{BB962C8B-B14F-4D97-AF65-F5344CB8AC3E}">
-        <p14:creationId xmlns:p14="http://schemas.microsoft.com/office/powerpoint/2010/main" val="912996044"/>
+        <p14:creationId xmlns:p14="http://schemas.microsoft.com/office/powerpoint/2010/main" val="4171991471"/>
       </p:ext>
     </p:extLst>
   </p:cSld>

--- a/Jelinek.pptx
+++ b/Jelinek.pptx
@@ -5,7 +5,7 @@
     <p:sldMasterId id="2147483660" r:id="rId1"/>
   </p:sldMasterIdLst>
   <p:notesMasterIdLst>
-    <p:notesMasterId r:id="rId23"/>
+    <p:notesMasterId r:id="rId21"/>
   </p:notesMasterIdLst>
   <p:sldIdLst>
     <p:sldId id="256" r:id="rId2"/>
@@ -14,21 +14,19 @@
     <p:sldId id="275" r:id="rId5"/>
     <p:sldId id="274" r:id="rId6"/>
     <p:sldId id="276" r:id="rId7"/>
-    <p:sldId id="277" r:id="rId8"/>
-    <p:sldId id="272" r:id="rId9"/>
+    <p:sldId id="272" r:id="rId8"/>
+    <p:sldId id="277" r:id="rId9"/>
     <p:sldId id="270" r:id="rId10"/>
     <p:sldId id="271" r:id="rId11"/>
     <p:sldId id="269" r:id="rId12"/>
     <p:sldId id="268" r:id="rId13"/>
-    <p:sldId id="267" r:id="rId14"/>
-    <p:sldId id="266" r:id="rId15"/>
+    <p:sldId id="266" r:id="rId14"/>
+    <p:sldId id="264" r:id="rId15"/>
     <p:sldId id="265" r:id="rId16"/>
-    <p:sldId id="264" r:id="rId17"/>
-    <p:sldId id="259" r:id="rId18"/>
-    <p:sldId id="260" r:id="rId19"/>
-    <p:sldId id="263" r:id="rId20"/>
-    <p:sldId id="262" r:id="rId21"/>
-    <p:sldId id="261" r:id="rId22"/>
+    <p:sldId id="259" r:id="rId17"/>
+    <p:sldId id="260" r:id="rId18"/>
+    <p:sldId id="262" r:id="rId19"/>
+    <p:sldId id="261" r:id="rId20"/>
   </p:sldIdLst>
   <p:sldSz cx="12192000" cy="6858000"/>
   <p:notesSz cx="6858000" cy="9144000"/>
@@ -428,7 +426,7 @@
           <a:p>
             <a:fld id="{F357365F-09E5-4D0B-B342-AF567CF4E92C}" type="datetimeFigureOut">
               <a:rPr lang="cs-CZ" smtClean="0"/>
-              <a:t>06.02.2023</a:t>
+              <a:t>07.02.2023</a:t>
             </a:fld>
             <a:endParaRPr lang="cs-CZ" dirty="0"/>
           </a:p>
@@ -885,7 +883,7 @@
           <a:p>
             <a:fld id="{00DDF4D0-8309-4E64-A990-0D427E2DF5D3}" type="slidenum">
               <a:rPr lang="cs-CZ" smtClean="0"/>
-              <a:t>13</a:t>
+              <a:t>12</a:t>
             </a:fld>
             <a:endParaRPr lang="cs-CZ" dirty="0"/>
           </a:p>
@@ -894,7 +892,7 @@
     </p:spTree>
     <p:extLst>
       <p:ext uri="{BB962C8B-B14F-4D97-AF65-F5344CB8AC3E}">
-        <p14:creationId xmlns:p14="http://schemas.microsoft.com/office/powerpoint/2010/main" val="93439173"/>
+        <p14:creationId xmlns:p14="http://schemas.microsoft.com/office/powerpoint/2010/main" val="2221048654"/>
       </p:ext>
     </p:extLst>
   </p:cSld>
@@ -952,7 +950,10 @@
               <a:buFont typeface="+mj-lt"/>
               <a:buAutoNum type="arabicPeriod"/>
             </a:pPr>
-            <a:endParaRPr lang="cs-CZ" dirty="0"/>
+            <a:r>
+              <a:rPr lang="cs-CZ" dirty="0"/>
+              <a:t>30 kreditů</a:t>
+            </a:r>
           </a:p>
         </p:txBody>
       </p:sp>
@@ -973,7 +974,7 @@
           <a:p>
             <a:fld id="{00DDF4D0-8309-4E64-A990-0D427E2DF5D3}" type="slidenum">
               <a:rPr lang="cs-CZ" smtClean="0"/>
-              <a:t>14</a:t>
+              <a:t>13</a:t>
             </a:fld>
             <a:endParaRPr lang="cs-CZ" dirty="0"/>
           </a:p>
@@ -1061,7 +1062,7 @@
           <a:p>
             <a:fld id="{00DDF4D0-8309-4E64-A990-0D427E2DF5D3}" type="slidenum">
               <a:rPr lang="cs-CZ" smtClean="0"/>
-              <a:t>15</a:t>
+              <a:t>14</a:t>
             </a:fld>
             <a:endParaRPr lang="cs-CZ" dirty="0"/>
           </a:p>
@@ -1070,7 +1071,7 @@
     </p:spTree>
     <p:extLst>
       <p:ext uri="{BB962C8B-B14F-4D97-AF65-F5344CB8AC3E}">
-        <p14:creationId xmlns:p14="http://schemas.microsoft.com/office/powerpoint/2010/main" val="293896525"/>
+        <p14:creationId xmlns:p14="http://schemas.microsoft.com/office/powerpoint/2010/main" val="3870885248"/>
       </p:ext>
     </p:extLst>
   </p:cSld>
@@ -1124,9 +1125,9 @@
           <a:bodyPr/>
           <a:lstStyle/>
           <a:p>
-            <a:pPr marL="228600" indent="-228600">
+            <a:pPr marL="0" indent="0">
               <a:buFont typeface="+mj-lt"/>
-              <a:buAutoNum type="arabicPeriod"/>
+              <a:buNone/>
             </a:pPr>
             <a:endParaRPr lang="cs-CZ" dirty="0"/>
           </a:p>
@@ -1149,7 +1150,7 @@
           <a:p>
             <a:fld id="{00DDF4D0-8309-4E64-A990-0D427E2DF5D3}" type="slidenum">
               <a:rPr lang="cs-CZ" smtClean="0"/>
-              <a:t>16</a:t>
+              <a:t>15</a:t>
             </a:fld>
             <a:endParaRPr lang="cs-CZ" dirty="0"/>
           </a:p>
@@ -1158,7 +1159,7 @@
     </p:spTree>
     <p:extLst>
       <p:ext uri="{BB962C8B-B14F-4D97-AF65-F5344CB8AC3E}">
-        <p14:creationId xmlns:p14="http://schemas.microsoft.com/office/powerpoint/2010/main" val="3870885248"/>
+        <p14:creationId xmlns:p14="http://schemas.microsoft.com/office/powerpoint/2010/main" val="293896525"/>
       </p:ext>
     </p:extLst>
   </p:cSld>
@@ -1237,7 +1238,7 @@
           <a:p>
             <a:fld id="{00DDF4D0-8309-4E64-A990-0D427E2DF5D3}" type="slidenum">
               <a:rPr lang="cs-CZ" smtClean="0"/>
-              <a:t>17</a:t>
+              <a:t>16</a:t>
             </a:fld>
             <a:endParaRPr lang="cs-CZ" dirty="0"/>
           </a:p>
@@ -1325,7 +1326,7 @@
           <a:p>
             <a:fld id="{00DDF4D0-8309-4E64-A990-0D427E2DF5D3}" type="slidenum">
               <a:rPr lang="cs-CZ" smtClean="0"/>
-              <a:t>18</a:t>
+              <a:t>17</a:t>
             </a:fld>
             <a:endParaRPr lang="cs-CZ" dirty="0"/>
           </a:p>
@@ -1413,7 +1414,7 @@
           <a:p>
             <a:fld id="{00DDF4D0-8309-4E64-A990-0D427E2DF5D3}" type="slidenum">
               <a:rPr lang="cs-CZ" smtClean="0"/>
-              <a:t>19</a:t>
+              <a:t>18</a:t>
             </a:fld>
             <a:endParaRPr lang="cs-CZ" dirty="0"/>
           </a:p>
@@ -1422,7 +1423,7 @@
     </p:spTree>
     <p:extLst>
       <p:ext uri="{BB962C8B-B14F-4D97-AF65-F5344CB8AC3E}">
-        <p14:creationId xmlns:p14="http://schemas.microsoft.com/office/powerpoint/2010/main" val="1704283237"/>
+        <p14:creationId xmlns:p14="http://schemas.microsoft.com/office/powerpoint/2010/main" val="1675911232"/>
       </p:ext>
     </p:extLst>
   </p:cSld>
@@ -1501,95 +1502,7 @@
           <a:p>
             <a:fld id="{00DDF4D0-8309-4E64-A990-0D427E2DF5D3}" type="slidenum">
               <a:rPr lang="cs-CZ" smtClean="0"/>
-              <a:t>20</a:t>
-            </a:fld>
-            <a:endParaRPr lang="cs-CZ" dirty="0"/>
-          </a:p>
-        </p:txBody>
-      </p:sp>
-    </p:spTree>
-    <p:extLst>
-      <p:ext uri="{BB962C8B-B14F-4D97-AF65-F5344CB8AC3E}">
-        <p14:creationId xmlns:p14="http://schemas.microsoft.com/office/powerpoint/2010/main" val="1675911232"/>
-      </p:ext>
-    </p:extLst>
-  </p:cSld>
-  <p:clrMapOvr>
-    <a:masterClrMapping/>
-  </p:clrMapOvr>
-</p:notes>
-</file>
-
-<file path=ppt/notesSlides/notesSlide18.xml><?xml version="1.0" encoding="utf-8"?>
-<p:notes xmlns:a="http://schemas.openxmlformats.org/drawingml/2006/main" xmlns:r="http://schemas.openxmlformats.org/officeDocument/2006/relationships" xmlns:p="http://schemas.openxmlformats.org/presentationml/2006/main">
-  <p:cSld>
-    <p:spTree>
-      <p:nvGrpSpPr>
-        <p:cNvPr id="1" name=""/>
-        <p:cNvGrpSpPr/>
-        <p:nvPr/>
-      </p:nvGrpSpPr>
-      <p:grpSpPr>
-        <a:xfrm>
-          <a:off x="0" y="0"/>
-          <a:ext cx="0" cy="0"/>
-          <a:chOff x="0" y="0"/>
-          <a:chExt cx="0" cy="0"/>
-        </a:xfrm>
-      </p:grpSpPr>
-      <p:sp>
-        <p:nvSpPr>
-          <p:cNvPr id="2" name="Zástupný symbol pro obrázek snímku 1"/>
-          <p:cNvSpPr>
-            <a:spLocks noGrp="1" noRot="1" noChangeAspect="1"/>
-          </p:cNvSpPr>
-          <p:nvPr>
-            <p:ph type="sldImg"/>
-          </p:nvPr>
-        </p:nvSpPr>
-        <p:spPr/>
-      </p:sp>
-      <p:sp>
-        <p:nvSpPr>
-          <p:cNvPr id="3" name="Zástupný symbol pro poznámky 2"/>
-          <p:cNvSpPr>
-            <a:spLocks noGrp="1"/>
-          </p:cNvSpPr>
-          <p:nvPr>
-            <p:ph type="body" idx="1"/>
-          </p:nvPr>
-        </p:nvSpPr>
-        <p:spPr/>
-        <p:txBody>
-          <a:bodyPr/>
-          <a:lstStyle/>
-          <a:p>
-            <a:pPr marL="228600" indent="-228600">
-              <a:buFont typeface="+mj-lt"/>
-              <a:buAutoNum type="arabicPeriod"/>
-            </a:pPr>
-            <a:endParaRPr lang="cs-CZ" dirty="0"/>
-          </a:p>
-        </p:txBody>
-      </p:sp>
-      <p:sp>
-        <p:nvSpPr>
-          <p:cNvPr id="4" name="Zástupný symbol pro číslo snímku 3"/>
-          <p:cNvSpPr>
-            <a:spLocks noGrp="1"/>
-          </p:cNvSpPr>
-          <p:nvPr>
-            <p:ph type="sldNum" sz="quarter" idx="5"/>
-          </p:nvPr>
-        </p:nvSpPr>
-        <p:spPr/>
-        <p:txBody>
-          <a:bodyPr/>
-          <a:lstStyle/>
-          <a:p>
-            <a:fld id="{00DDF4D0-8309-4E64-A990-0D427E2DF5D3}" type="slidenum">
-              <a:rPr lang="cs-CZ" smtClean="0"/>
-              <a:t>21</a:t>
+              <a:t>19</a:t>
             </a:fld>
             <a:endParaRPr lang="cs-CZ" dirty="0"/>
           </a:p>
@@ -1999,7 +1912,10 @@
               <a:buFont typeface="+mj-lt"/>
               <a:buAutoNum type="arabicPeriod"/>
             </a:pPr>
-            <a:endParaRPr lang="cs-CZ" dirty="0"/>
+            <a:r>
+              <a:rPr lang="cs-CZ" dirty="0"/>
+              <a:t>5 kreditů</a:t>
+            </a:r>
           </a:p>
         </p:txBody>
       </p:sp>
@@ -2020,7 +1936,7 @@
           <a:p>
             <a:fld id="{00DDF4D0-8309-4E64-A990-0D427E2DF5D3}" type="slidenum">
               <a:rPr lang="cs-CZ" smtClean="0"/>
-              <a:t>8</a:t>
+              <a:t>7</a:t>
             </a:fld>
             <a:endParaRPr lang="cs-CZ" dirty="0"/>
           </a:p>
@@ -2108,7 +2024,7 @@
           <a:p>
             <a:fld id="{00DDF4D0-8309-4E64-A990-0D427E2DF5D3}" type="slidenum">
               <a:rPr lang="cs-CZ" smtClean="0"/>
-              <a:t>9</a:t>
+              <a:t>8</a:t>
             </a:fld>
             <a:endParaRPr lang="cs-CZ" dirty="0"/>
           </a:p>
@@ -2117,7 +2033,7 @@
     </p:spTree>
     <p:extLst>
       <p:ext uri="{BB962C8B-B14F-4D97-AF65-F5344CB8AC3E}">
-        <p14:creationId xmlns:p14="http://schemas.microsoft.com/office/powerpoint/2010/main" val="1552412930"/>
+        <p14:creationId xmlns:p14="http://schemas.microsoft.com/office/powerpoint/2010/main" val="3474004141"/>
       </p:ext>
     </p:extLst>
   </p:cSld>
@@ -2175,7 +2091,10 @@
               <a:buFont typeface="+mj-lt"/>
               <a:buAutoNum type="arabicPeriod"/>
             </a:pPr>
-            <a:endParaRPr lang="cs-CZ" dirty="0"/>
+            <a:r>
+              <a:rPr lang="cs-CZ" dirty="0"/>
+              <a:t>15 kreditů</a:t>
+            </a:r>
           </a:p>
         </p:txBody>
       </p:sp>
@@ -2196,7 +2115,7 @@
           <a:p>
             <a:fld id="{00DDF4D0-8309-4E64-A990-0D427E2DF5D3}" type="slidenum">
               <a:rPr lang="cs-CZ" smtClean="0"/>
-              <a:t>10</a:t>
+              <a:t>9</a:t>
             </a:fld>
             <a:endParaRPr lang="cs-CZ" dirty="0"/>
           </a:p>
@@ -2205,7 +2124,7 @@
     </p:spTree>
     <p:extLst>
       <p:ext uri="{BB962C8B-B14F-4D97-AF65-F5344CB8AC3E}">
-        <p14:creationId xmlns:p14="http://schemas.microsoft.com/office/powerpoint/2010/main" val="2888970641"/>
+        <p14:creationId xmlns:p14="http://schemas.microsoft.com/office/powerpoint/2010/main" val="1552412930"/>
       </p:ext>
     </p:extLst>
   </p:cSld>
@@ -2284,7 +2203,7 @@
           <a:p>
             <a:fld id="{00DDF4D0-8309-4E64-A990-0D427E2DF5D3}" type="slidenum">
               <a:rPr lang="cs-CZ" smtClean="0"/>
-              <a:t>11</a:t>
+              <a:t>10</a:t>
             </a:fld>
             <a:endParaRPr lang="cs-CZ" dirty="0"/>
           </a:p>
@@ -2293,7 +2212,7 @@
     </p:spTree>
     <p:extLst>
       <p:ext uri="{BB962C8B-B14F-4D97-AF65-F5344CB8AC3E}">
-        <p14:creationId xmlns:p14="http://schemas.microsoft.com/office/powerpoint/2010/main" val="638928311"/>
+        <p14:creationId xmlns:p14="http://schemas.microsoft.com/office/powerpoint/2010/main" val="2888970641"/>
       </p:ext>
     </p:extLst>
   </p:cSld>
@@ -2351,7 +2270,10 @@
               <a:buFont typeface="+mj-lt"/>
               <a:buAutoNum type="arabicPeriod"/>
             </a:pPr>
-            <a:endParaRPr lang="cs-CZ" dirty="0"/>
+            <a:r>
+              <a:rPr lang="cs-CZ" dirty="0"/>
+              <a:t>50 kreditů</a:t>
+            </a:r>
           </a:p>
         </p:txBody>
       </p:sp>
@@ -2372,7 +2294,7 @@
           <a:p>
             <a:fld id="{00DDF4D0-8309-4E64-A990-0D427E2DF5D3}" type="slidenum">
               <a:rPr lang="cs-CZ" smtClean="0"/>
-              <a:t>12</a:t>
+              <a:t>11</a:t>
             </a:fld>
             <a:endParaRPr lang="cs-CZ" dirty="0"/>
           </a:p>
@@ -2381,7 +2303,7 @@
     </p:spTree>
     <p:extLst>
       <p:ext uri="{BB962C8B-B14F-4D97-AF65-F5344CB8AC3E}">
-        <p14:creationId xmlns:p14="http://schemas.microsoft.com/office/powerpoint/2010/main" val="2221048654"/>
+        <p14:creationId xmlns:p14="http://schemas.microsoft.com/office/powerpoint/2010/main" val="638928311"/>
       </p:ext>
     </p:extLst>
   </p:cSld>
@@ -2582,7 +2504,7 @@
           <a:p>
             <a:fld id="{79EEDE6A-8037-448A-A111-0D1B671B68E3}" type="datetimeFigureOut">
               <a:rPr lang="cs-CZ" smtClean="0"/>
-              <a:t>06.02.2023</a:t>
+              <a:t>07.02.2023</a:t>
             </a:fld>
             <a:endParaRPr lang="cs-CZ" dirty="0"/>
           </a:p>
@@ -3018,7 +2940,7 @@
           <a:p>
             <a:fld id="{79EEDE6A-8037-448A-A111-0D1B671B68E3}" type="datetimeFigureOut">
               <a:rPr lang="cs-CZ" smtClean="0"/>
-              <a:t>06.02.2023</a:t>
+              <a:t>07.02.2023</a:t>
             </a:fld>
             <a:endParaRPr lang="cs-CZ" dirty="0"/>
           </a:p>
@@ -3268,7 +3190,7 @@
           <a:p>
             <a:fld id="{79EEDE6A-8037-448A-A111-0D1B671B68E3}" type="datetimeFigureOut">
               <a:rPr lang="cs-CZ" smtClean="0"/>
-              <a:t>06.02.2023</a:t>
+              <a:t>07.02.2023</a:t>
             </a:fld>
             <a:endParaRPr lang="cs-CZ" dirty="0"/>
           </a:p>
@@ -3576,7 +3498,7 @@
           <a:p>
             <a:fld id="{79EEDE6A-8037-448A-A111-0D1B671B68E3}" type="datetimeFigureOut">
               <a:rPr lang="cs-CZ" smtClean="0"/>
-              <a:t>06.02.2023</a:t>
+              <a:t>07.02.2023</a:t>
             </a:fld>
             <a:endParaRPr lang="cs-CZ" dirty="0"/>
           </a:p>
@@ -3894,7 +3816,7 @@
           <a:p>
             <a:fld id="{79EEDE6A-8037-448A-A111-0D1B671B68E3}" type="datetimeFigureOut">
               <a:rPr lang="cs-CZ" smtClean="0"/>
-              <a:t>06.02.2023</a:t>
+              <a:t>07.02.2023</a:t>
             </a:fld>
             <a:endParaRPr lang="cs-CZ" dirty="0"/>
           </a:p>
@@ -4196,7 +4118,7 @@
           <a:p>
             <a:fld id="{79EEDE6A-8037-448A-A111-0D1B671B68E3}" type="datetimeFigureOut">
               <a:rPr lang="cs-CZ" smtClean="0"/>
-              <a:t>06.02.2023</a:t>
+              <a:t>07.02.2023</a:t>
             </a:fld>
             <a:endParaRPr lang="cs-CZ" dirty="0"/>
           </a:p>
@@ -4563,7 +4485,7 @@
           <a:p>
             <a:fld id="{79EEDE6A-8037-448A-A111-0D1B671B68E3}" type="datetimeFigureOut">
               <a:rPr lang="cs-CZ" smtClean="0"/>
-              <a:t>06.02.2023</a:t>
+              <a:t>07.02.2023</a:t>
             </a:fld>
             <a:endParaRPr lang="cs-CZ" dirty="0"/>
           </a:p>
@@ -4737,7 +4659,7 @@
           <a:p>
             <a:fld id="{79EEDE6A-8037-448A-A111-0D1B671B68E3}" type="datetimeFigureOut">
               <a:rPr lang="cs-CZ" smtClean="0"/>
-              <a:t>06.02.2023</a:t>
+              <a:t>07.02.2023</a:t>
             </a:fld>
             <a:endParaRPr lang="cs-CZ" dirty="0"/>
           </a:p>
@@ -4917,7 +4839,7 @@
           <a:p>
             <a:fld id="{79EEDE6A-8037-448A-A111-0D1B671B68E3}" type="datetimeFigureOut">
               <a:rPr lang="cs-CZ" smtClean="0"/>
-              <a:t>06.02.2023</a:t>
+              <a:t>07.02.2023</a:t>
             </a:fld>
             <a:endParaRPr lang="cs-CZ" dirty="0"/>
           </a:p>
@@ -5087,7 +5009,7 @@
           <a:p>
             <a:fld id="{79EEDE6A-8037-448A-A111-0D1B671B68E3}" type="datetimeFigureOut">
               <a:rPr lang="cs-CZ" smtClean="0"/>
-              <a:t>06.02.2023</a:t>
+              <a:t>07.02.2023</a:t>
             </a:fld>
             <a:endParaRPr lang="cs-CZ" dirty="0"/>
           </a:p>
@@ -5337,7 +5259,7 @@
           <a:p>
             <a:fld id="{79EEDE6A-8037-448A-A111-0D1B671B68E3}" type="datetimeFigureOut">
               <a:rPr lang="cs-CZ" smtClean="0"/>
-              <a:t>06.02.2023</a:t>
+              <a:t>07.02.2023</a:t>
             </a:fld>
             <a:endParaRPr lang="cs-CZ" dirty="0"/>
           </a:p>
@@ -5573,7 +5495,7 @@
           <a:p>
             <a:fld id="{79EEDE6A-8037-448A-A111-0D1B671B68E3}" type="datetimeFigureOut">
               <a:rPr lang="cs-CZ" smtClean="0"/>
-              <a:t>06.02.2023</a:t>
+              <a:t>07.02.2023</a:t>
             </a:fld>
             <a:endParaRPr lang="cs-CZ" dirty="0"/>
           </a:p>
@@ -5955,7 +5877,7 @@
           <a:p>
             <a:fld id="{79EEDE6A-8037-448A-A111-0D1B671B68E3}" type="datetimeFigureOut">
               <a:rPr lang="cs-CZ" smtClean="0"/>
-              <a:t>06.02.2023</a:t>
+              <a:t>07.02.2023</a:t>
             </a:fld>
             <a:endParaRPr lang="cs-CZ" dirty="0"/>
           </a:p>
@@ -6073,7 +5995,7 @@
           <a:p>
             <a:fld id="{79EEDE6A-8037-448A-A111-0D1B671B68E3}" type="datetimeFigureOut">
               <a:rPr lang="cs-CZ" smtClean="0"/>
-              <a:t>06.02.2023</a:t>
+              <a:t>07.02.2023</a:t>
             </a:fld>
             <a:endParaRPr lang="cs-CZ" dirty="0"/>
           </a:p>
@@ -6168,7 +6090,7 @@
           <a:p>
             <a:fld id="{79EEDE6A-8037-448A-A111-0D1B671B68E3}" type="datetimeFigureOut">
               <a:rPr lang="cs-CZ" smtClean="0"/>
-              <a:t>06.02.2023</a:t>
+              <a:t>07.02.2023</a:t>
             </a:fld>
             <a:endParaRPr lang="cs-CZ" dirty="0"/>
           </a:p>
@@ -6423,7 +6345,7 @@
           <a:p>
             <a:fld id="{79EEDE6A-8037-448A-A111-0D1B671B68E3}" type="datetimeFigureOut">
               <a:rPr lang="cs-CZ" smtClean="0"/>
-              <a:t>06.02.2023</a:t>
+              <a:t>07.02.2023</a:t>
             </a:fld>
             <a:endParaRPr lang="cs-CZ" dirty="0"/>
           </a:p>
@@ -6706,7 +6628,7 @@
           <a:p>
             <a:fld id="{79EEDE6A-8037-448A-A111-0D1B671B68E3}" type="datetimeFigureOut">
               <a:rPr lang="cs-CZ" smtClean="0"/>
-              <a:t>06.02.2023</a:t>
+              <a:t>07.02.2023</a:t>
             </a:fld>
             <a:endParaRPr lang="cs-CZ" dirty="0"/>
           </a:p>
@@ -7112,7 +7034,7 @@
           <a:p>
             <a:fld id="{79EEDE6A-8037-448A-A111-0D1B671B68E3}" type="datetimeFigureOut">
               <a:rPr lang="cs-CZ" smtClean="0"/>
-              <a:t>06.02.2023</a:t>
+              <a:t>07.02.2023</a:t>
             </a:fld>
             <a:endParaRPr lang="cs-CZ" dirty="0"/>
           </a:p>
@@ -8852,7 +8774,7 @@
         </p:nvSpPr>
         <p:spPr>
           <a:xfrm>
-            <a:off x="684212" y="4487332"/>
+            <a:off x="658879" y="179283"/>
             <a:ext cx="7543800" cy="1507067"/>
           </a:xfrm>
         </p:spPr>
@@ -8862,7 +8784,15 @@
           </a:bodyPr>
           <a:lstStyle/>
           <a:p>
-            <a:endParaRPr lang="cs-CZ" dirty="0"/>
+            <a:pPr algn="ctr"/>
+            <a:r>
+              <a:rPr lang="cs-CZ" dirty="0">
+                <a:solidFill>
+                  <a:schemeClr val="bg1"/>
+                </a:solidFill>
+              </a:rPr>
+              <a:t>Sales navigator core</a:t>
+            </a:r>
           </a:p>
         </p:txBody>
       </p:sp>
@@ -8884,7 +8814,7 @@
         </p:nvSpPr>
         <p:spPr>
           <a:xfrm>
-            <a:off x="684211" y="685800"/>
+            <a:off x="684210" y="2425699"/>
             <a:ext cx="7493137" cy="3615267"/>
           </a:xfrm>
         </p:spPr>
@@ -8894,7 +8824,28 @@
           </a:bodyPr>
           <a:lstStyle/>
           <a:p>
-            <a:endParaRPr lang="cs-CZ" dirty="0"/>
+            <a:r>
+              <a:rPr lang="cs-CZ" sz="2400" dirty="0"/>
+              <a:t>Rozšířené vyhledávání</a:t>
+            </a:r>
+          </a:p>
+          <a:p>
+            <a:endParaRPr lang="cs-CZ" sz="2400" dirty="0"/>
+          </a:p>
+          <a:p>
+            <a:r>
+              <a:rPr lang="cs-CZ" sz="2400" dirty="0"/>
+              <a:t>Samostatné rozhraní</a:t>
+            </a:r>
+          </a:p>
+          <a:p>
+            <a:endParaRPr lang="cs-CZ" sz="2400" dirty="0"/>
+          </a:p>
+          <a:p>
+            <a:r>
+              <a:rPr lang="cs-CZ" sz="2400" dirty="0"/>
+              <a:t>Seznamy potencionálních zákazníku</a:t>
+            </a:r>
           </a:p>
         </p:txBody>
       </p:sp>
@@ -9381,7 +9332,7 @@
         </p:nvSpPr>
         <p:spPr>
           <a:xfrm>
-            <a:off x="684211" y="685800"/>
+            <a:off x="709399" y="1477433"/>
             <a:ext cx="7493137" cy="3615267"/>
           </a:xfrm>
         </p:spPr>
@@ -9391,7 +9342,19 @@
           </a:bodyPr>
           <a:lstStyle/>
           <a:p>
-            <a:endParaRPr lang="cs-CZ" dirty="0"/>
+            <a:r>
+              <a:rPr lang="cs-CZ" sz="2400" dirty="0"/>
+              <a:t>Doručení a uložení potencionálních kontaktů</a:t>
+            </a:r>
+          </a:p>
+          <a:p>
+            <a:endParaRPr lang="cs-CZ" sz="2400" dirty="0"/>
+          </a:p>
+          <a:p>
+            <a:r>
+              <a:rPr lang="cs-CZ" sz="2400" dirty="0"/>
+              <a:t>Aktualizace a upozornění</a:t>
+            </a:r>
           </a:p>
         </p:txBody>
       </p:sp>
@@ -9846,7 +9809,7 @@
         </p:nvSpPr>
         <p:spPr>
           <a:xfrm>
-            <a:off x="684212" y="4487332"/>
+            <a:off x="684067" y="198135"/>
             <a:ext cx="7543800" cy="1507067"/>
           </a:xfrm>
         </p:spPr>
@@ -9856,6 +9819,23 @@
           </a:bodyPr>
           <a:lstStyle/>
           <a:p>
+            <a:pPr algn="ctr"/>
+            <a:r>
+              <a:rPr lang="cs-CZ" dirty="0" err="1">
+                <a:solidFill>
+                  <a:schemeClr val="bg1"/>
+                </a:solidFill>
+              </a:rPr>
+              <a:t>Recruiter</a:t>
+            </a:r>
+            <a:r>
+              <a:rPr lang="cs-CZ" dirty="0">
+                <a:solidFill>
+                  <a:schemeClr val="bg1"/>
+                </a:solidFill>
+              </a:rPr>
+              <a:t> lite</a:t>
+            </a:r>
             <a:endParaRPr lang="cs-CZ" dirty="0"/>
           </a:p>
         </p:txBody>
@@ -9878,7 +9858,7 @@
         </p:nvSpPr>
         <p:spPr>
           <a:xfrm>
-            <a:off x="684211" y="685800"/>
+            <a:off x="709398" y="2196306"/>
             <a:ext cx="7493137" cy="3615267"/>
           </a:xfrm>
         </p:spPr>
@@ -9888,7 +9868,28 @@
           </a:bodyPr>
           <a:lstStyle/>
           <a:p>
-            <a:endParaRPr lang="cs-CZ" dirty="0"/>
+            <a:r>
+              <a:rPr lang="cs-CZ" sz="2400" dirty="0"/>
+              <a:t>Rozšířené vyhledávání</a:t>
+            </a:r>
+          </a:p>
+          <a:p>
+            <a:endParaRPr lang="cs-CZ" sz="2400" dirty="0"/>
+          </a:p>
+          <a:p>
+            <a:r>
+              <a:rPr lang="cs-CZ" sz="2400" dirty="0"/>
+              <a:t>Navrženo pro nábor</a:t>
+            </a:r>
+          </a:p>
+          <a:p>
+            <a:endParaRPr lang="cs-CZ" sz="2400" dirty="0"/>
+          </a:p>
+          <a:p>
+            <a:r>
+              <a:rPr lang="cs-CZ" sz="2400" dirty="0"/>
+              <a:t>Sledování uchazečů</a:t>
+            </a:r>
           </a:p>
         </p:txBody>
       </p:sp>
@@ -10213,7 +10214,7 @@
     </p:spTree>
     <p:extLst>
       <p:ext uri="{BB962C8B-B14F-4D97-AF65-F5344CB8AC3E}">
-        <p14:creationId xmlns:p14="http://schemas.microsoft.com/office/powerpoint/2010/main" val="1422674590"/>
+        <p14:creationId xmlns:p14="http://schemas.microsoft.com/office/powerpoint/2010/main" val="522994157"/>
       </p:ext>
     </p:extLst>
   </p:cSld>
@@ -10375,7 +10376,7 @@
         </p:nvSpPr>
         <p:spPr>
           <a:xfrm>
-            <a:off x="684211" y="685800"/>
+            <a:off x="709399" y="1477433"/>
             <a:ext cx="7493137" cy="3615267"/>
           </a:xfrm>
         </p:spPr>
@@ -10385,7 +10386,19 @@
           </a:bodyPr>
           <a:lstStyle/>
           <a:p>
-            <a:endParaRPr lang="cs-CZ" dirty="0"/>
+            <a:r>
+              <a:rPr lang="cs-CZ" sz="2400" dirty="0"/>
+              <a:t>Integrované nábory</a:t>
+            </a:r>
+          </a:p>
+          <a:p>
+            <a:endParaRPr lang="cs-CZ" sz="2400" dirty="0"/>
+          </a:p>
+          <a:p>
+            <a:r>
+              <a:rPr lang="cs-CZ" sz="2400" dirty="0"/>
+              <a:t>Chytré návrhy</a:t>
+            </a:r>
           </a:p>
         </p:txBody>
       </p:sp>
@@ -10710,7 +10723,7 @@
     </p:spTree>
     <p:extLst>
       <p:ext uri="{BB962C8B-B14F-4D97-AF65-F5344CB8AC3E}">
-        <p14:creationId xmlns:p14="http://schemas.microsoft.com/office/powerpoint/2010/main" val="522994157"/>
+        <p14:creationId xmlns:p14="http://schemas.microsoft.com/office/powerpoint/2010/main" val="2019722117"/>
       </p:ext>
     </p:extLst>
   </p:cSld>
@@ -10840,7 +10853,7 @@
         </p:nvSpPr>
         <p:spPr>
           <a:xfrm>
-            <a:off x="684212" y="4487332"/>
+            <a:off x="658879" y="235844"/>
             <a:ext cx="7543800" cy="1507067"/>
           </a:xfrm>
         </p:spPr>
@@ -10850,7 +10863,15 @@
           </a:bodyPr>
           <a:lstStyle/>
           <a:p>
-            <a:endParaRPr lang="cs-CZ" dirty="0"/>
+            <a:pPr algn="ctr"/>
+            <a:r>
+              <a:rPr lang="cs-CZ" dirty="0">
+                <a:solidFill>
+                  <a:schemeClr val="bg1"/>
+                </a:solidFill>
+              </a:rPr>
+              <a:t>Linkedin learning</a:t>
+            </a:r>
           </a:p>
         </p:txBody>
       </p:sp>
@@ -10872,7 +10893,7 @@
         </p:nvSpPr>
         <p:spPr>
           <a:xfrm>
-            <a:off x="684211" y="685800"/>
+            <a:off x="684210" y="1875367"/>
             <a:ext cx="7493137" cy="3615267"/>
           </a:xfrm>
         </p:spPr>
@@ -10882,7 +10903,16 @@
           </a:bodyPr>
           <a:lstStyle/>
           <a:p>
-            <a:endParaRPr lang="cs-CZ" dirty="0"/>
+            <a:r>
+              <a:rPr lang="cs-CZ" sz="2400" dirty="0"/>
+              <a:t>Neomezený přístup k LinkedIn Learning</a:t>
+            </a:r>
+          </a:p>
+          <a:p>
+            <a:pPr marL="0" indent="0">
+              <a:buNone/>
+            </a:pPr>
+            <a:endParaRPr lang="cs-CZ" sz="2400" dirty="0"/>
           </a:p>
         </p:txBody>
       </p:sp>
@@ -11337,7 +11367,7 @@
         </p:nvSpPr>
         <p:spPr>
           <a:xfrm>
-            <a:off x="684212" y="4487332"/>
+            <a:off x="658879" y="320684"/>
             <a:ext cx="7543800" cy="1507067"/>
           </a:xfrm>
         </p:spPr>
@@ -11347,7 +11377,15 @@
           </a:bodyPr>
           <a:lstStyle/>
           <a:p>
-            <a:endParaRPr lang="cs-CZ" dirty="0"/>
+            <a:pPr algn="ctr"/>
+            <a:r>
+              <a:rPr lang="cs-CZ" dirty="0">
+                <a:solidFill>
+                  <a:schemeClr val="bg1"/>
+                </a:solidFill>
+              </a:rPr>
+              <a:t>Inmail kredity</a:t>
+            </a:r>
           </a:p>
         </p:txBody>
       </p:sp>
@@ -11369,7 +11407,7 @@
         </p:nvSpPr>
         <p:spPr>
           <a:xfrm>
-            <a:off x="684211" y="685800"/>
+            <a:off x="684210" y="2425699"/>
             <a:ext cx="7493137" cy="3615267"/>
           </a:xfrm>
         </p:spPr>
@@ -11704,7 +11742,7 @@
     </p:spTree>
     <p:extLst>
       <p:ext uri="{BB962C8B-B14F-4D97-AF65-F5344CB8AC3E}">
-        <p14:creationId xmlns:p14="http://schemas.microsoft.com/office/powerpoint/2010/main" val="2019722117"/>
+        <p14:creationId xmlns:p14="http://schemas.microsoft.com/office/powerpoint/2010/main" val="2790387533"/>
       </p:ext>
     </p:extLst>
   </p:cSld>
@@ -12201,7 +12239,7 @@
     </p:spTree>
     <p:extLst>
       <p:ext uri="{BB962C8B-B14F-4D97-AF65-F5344CB8AC3E}">
-        <p14:creationId xmlns:p14="http://schemas.microsoft.com/office/powerpoint/2010/main" val="2790387533"/>
+        <p14:creationId xmlns:p14="http://schemas.microsoft.com/office/powerpoint/2010/main" val="1910957612"/>
       </p:ext>
     </p:extLst>
   </p:cSld>
@@ -12331,7 +12369,7 @@
         </p:nvSpPr>
         <p:spPr>
           <a:xfrm>
-            <a:off x="684212" y="4487332"/>
+            <a:off x="684211" y="216990"/>
             <a:ext cx="7543800" cy="1507067"/>
           </a:xfrm>
         </p:spPr>
@@ -12341,7 +12379,10 @@
           </a:bodyPr>
           <a:lstStyle/>
           <a:p>
-            <a:endParaRPr lang="cs-CZ" dirty="0"/>
+            <a:r>
+              <a:rPr lang="cs-CZ" dirty="0"/>
+              <a:t>Citace</a:t>
+            </a:r>
           </a:p>
         </p:txBody>
       </p:sp>
@@ -12363,16 +12404,121 @@
         </p:nvSpPr>
         <p:spPr>
           <a:xfrm>
-            <a:off x="684211" y="685800"/>
-            <a:ext cx="7493137" cy="3615267"/>
+            <a:off x="683926" y="1828800"/>
+            <a:ext cx="7493137" cy="4976811"/>
           </a:xfrm>
         </p:spPr>
         <p:txBody>
           <a:bodyPr>
-            <a:normAutofit/>
+            <a:normAutofit fontScale="92500" lnSpcReduction="10000"/>
           </a:bodyPr>
           <a:lstStyle/>
           <a:p>
+            <a:r>
+              <a:rPr lang="cs-CZ" sz="2800" b="0" i="0" dirty="0">
+                <a:solidFill>
+                  <a:srgbClr val="000000"/>
+                </a:solidFill>
+                <a:effectLst/>
+                <a:latin typeface="Century Gothic" panose="020B0502020202020204" pitchFamily="34" charset="0"/>
+              </a:rPr>
+              <a:t>LinkedIn – Wikipedie. [online]. Dostupné z: </a:t>
+            </a:r>
+            <a:r>
+              <a:rPr lang="cs-CZ" sz="2800" b="0" i="0" u="none" strike="noStrike" dirty="0">
+                <a:solidFill>
+                  <a:srgbClr val="000000"/>
+                </a:solidFill>
+                <a:effectLst/>
+                <a:latin typeface="Century Gothic" panose="020B0502020202020204" pitchFamily="34" charset="0"/>
+              </a:rPr>
+              <a:t>https://cs.wikipedia.org/wiki/LinkedIn</a:t>
+            </a:r>
+          </a:p>
+          <a:p>
+            <a:pPr marL="0" indent="0">
+              <a:buNone/>
+            </a:pPr>
+            <a:endParaRPr lang="cs-CZ" sz="2800" b="0" i="0" dirty="0">
+              <a:solidFill>
+                <a:srgbClr val="000000"/>
+              </a:solidFill>
+              <a:effectLst/>
+              <a:latin typeface="Roboto Slab" panose="020B0604020202020204" pitchFamily="2" charset="0"/>
+            </a:endParaRPr>
+          </a:p>
+          <a:p>
+            <a:pPr algn="l"/>
+            <a:r>
+              <a:rPr lang="cs-CZ" sz="2600" b="0" i="0" dirty="0">
+                <a:solidFill>
+                  <a:srgbClr val="000000"/>
+                </a:solidFill>
+                <a:effectLst/>
+                <a:latin typeface="Century Gothic" panose="020B0502020202020204" pitchFamily="34" charset="0"/>
+              </a:rPr>
+              <a:t>Co je LinkedIn a jak ho mohu používat? | LinkedIn Help. </a:t>
+            </a:r>
+            <a:r>
+              <a:rPr lang="cs-CZ" sz="2600" b="0" i="1" dirty="0">
+                <a:solidFill>
+                  <a:srgbClr val="000000"/>
+                </a:solidFill>
+                <a:effectLst/>
+                <a:latin typeface="Century Gothic" panose="020B0502020202020204" pitchFamily="34" charset="0"/>
+              </a:rPr>
+              <a:t>LinkedIn: Log In or Sign Up</a:t>
+            </a:r>
+            <a:r>
+              <a:rPr lang="cs-CZ" sz="2600" b="0" i="0" dirty="0">
+                <a:solidFill>
+                  <a:srgbClr val="000000"/>
+                </a:solidFill>
+                <a:effectLst/>
+                <a:latin typeface="Century Gothic" panose="020B0502020202020204" pitchFamily="34" charset="0"/>
+              </a:rPr>
+              <a:t> [online]. Copyright © 2023 [cit. 19.01.2023]. Dostupné z: </a:t>
+            </a:r>
+            <a:r>
+              <a:rPr lang="cs-CZ" sz="2600" b="0" i="0" u="none" strike="noStrike" dirty="0">
+                <a:solidFill>
+                  <a:srgbClr val="000000"/>
+                </a:solidFill>
+                <a:effectLst/>
+                <a:latin typeface="Century Gothic" panose="020B0502020202020204" pitchFamily="34" charset="0"/>
+              </a:rPr>
+              <a:t>https://www.linkedin.com/help/linkedin/answer/a548442/co-je-linkedin-a-jak-ho-mohu-pouzivat-?lang=cs</a:t>
+            </a:r>
+            <a:endParaRPr lang="cs-CZ" sz="2600" b="0" i="0" dirty="0">
+              <a:solidFill>
+                <a:srgbClr val="000000"/>
+              </a:solidFill>
+              <a:effectLst/>
+              <a:latin typeface="Century Gothic" panose="020B0502020202020204" pitchFamily="34" charset="0"/>
+            </a:endParaRPr>
+          </a:p>
+          <a:p>
+            <a:pPr marL="0" indent="0">
+              <a:buNone/>
+            </a:pPr>
+            <a:br>
+              <a:rPr lang="cs-CZ" b="0" i="0" dirty="0">
+                <a:solidFill>
+                  <a:srgbClr val="FFFFFF"/>
+                </a:solidFill>
+                <a:effectLst/>
+                <a:latin typeface="Roboto Slab" panose="020B0604020202020204" pitchFamily="2" charset="0"/>
+              </a:rPr>
+            </a:br>
+            <a:br>
+              <a:rPr lang="cs-CZ" b="0" i="0" dirty="0">
+                <a:solidFill>
+                  <a:srgbClr val="FFFFFF"/>
+                </a:solidFill>
+                <a:effectLst/>
+                <a:latin typeface="Roboto Slab" panose="020B0604020202020204" pitchFamily="2" charset="0"/>
+              </a:rPr>
+            </a:br>
             <a:endParaRPr lang="cs-CZ" dirty="0"/>
           </a:p>
         </p:txBody>
@@ -12698,7 +12844,7 @@
     </p:spTree>
     <p:extLst>
       <p:ext uri="{BB962C8B-B14F-4D97-AF65-F5344CB8AC3E}">
-        <p14:creationId xmlns:p14="http://schemas.microsoft.com/office/powerpoint/2010/main" val="1910957612"/>
+        <p14:creationId xmlns:p14="http://schemas.microsoft.com/office/powerpoint/2010/main" val="597823284"/>
       </p:ext>
     </p:extLst>
   </p:cSld>
@@ -12828,7 +12974,7 @@
         </p:nvSpPr>
         <p:spPr>
           <a:xfrm>
-            <a:off x="684212" y="4487332"/>
+            <a:off x="658879" y="169855"/>
             <a:ext cx="7543800" cy="1507067"/>
           </a:xfrm>
         </p:spPr>
@@ -12838,7 +12984,10 @@
           </a:bodyPr>
           <a:lstStyle/>
           <a:p>
-            <a:endParaRPr lang="cs-CZ" dirty="0"/>
+            <a:r>
+              <a:rPr lang="cs-CZ" dirty="0"/>
+              <a:t>GitHub- repositář</a:t>
+            </a:r>
           </a:p>
         </p:txBody>
       </p:sp>
@@ -12860,8 +13009,8 @@
         </p:nvSpPr>
         <p:spPr>
           <a:xfrm>
-            <a:off x="684211" y="685800"/>
-            <a:ext cx="7493137" cy="3615267"/>
+            <a:off x="658879" y="2963333"/>
+            <a:ext cx="7493137" cy="2306251"/>
           </a:xfrm>
         </p:spPr>
         <p:txBody>
@@ -12870,7 +13019,26 @@
           </a:bodyPr>
           <a:lstStyle/>
           <a:p>
-            <a:endParaRPr lang="cs-CZ" dirty="0"/>
+            <a:r>
+              <a:rPr lang="cs-CZ" dirty="0">
+                <a:solidFill>
+                  <a:schemeClr val="bg1"/>
+                </a:solidFill>
+                <a:hlinkClick r:id="rId3">
+                  <a:extLst>
+                    <a:ext uri="{A12FA001-AC4F-418D-AE19-62706E023703}">
+                      <ahyp:hlinkClr xmlns:ahyp="http://schemas.microsoft.com/office/drawing/2018/hyperlinkcolor" val="tx"/>
+                    </a:ext>
+                  </a:extLst>
+                </a:hlinkClick>
+              </a:rPr>
+              <a:t>https://github.com/Jelenos69/I11-prezentace-Jelinek.git</a:t>
+            </a:r>
+            <a:endParaRPr lang="cs-CZ" dirty="0">
+              <a:solidFill>
+                <a:schemeClr val="bg1"/>
+              </a:solidFill>
+            </a:endParaRPr>
           </a:p>
         </p:txBody>
       </p:sp>
@@ -12889,7 +13057,7 @@
           <p:nvPr/>
         </p:nvPicPr>
         <p:blipFill rotWithShape="1">
-          <a:blip r:embed="rId3"/>
+          <a:blip r:embed="rId4"/>
           <a:srcRect l="47059" r="16071"/>
           <a:stretch/>
         </p:blipFill>
@@ -13195,7 +13363,7 @@
     </p:spTree>
     <p:extLst>
       <p:ext uri="{BB962C8B-B14F-4D97-AF65-F5344CB8AC3E}">
-        <p14:creationId xmlns:p14="http://schemas.microsoft.com/office/powerpoint/2010/main" val="2779995423"/>
+        <p14:creationId xmlns:p14="http://schemas.microsoft.com/office/powerpoint/2010/main" val="3115239885"/>
       </p:ext>
     </p:extLst>
   </p:cSld>
@@ -13369,1179 +13537,6 @@
     <p:extLst>
       <p:ext uri="{BB962C8B-B14F-4D97-AF65-F5344CB8AC3E}">
         <p14:creationId xmlns:p14="http://schemas.microsoft.com/office/powerpoint/2010/main" val="2072729638"/>
-      </p:ext>
-    </p:extLst>
-  </p:cSld>
-  <p:clrMapOvr>
-    <a:masterClrMapping/>
-  </p:clrMapOvr>
-</p:sld>
-</file>
-
-<file path=ppt/slides/slide20.xml><?xml version="1.0" encoding="utf-8"?>
-<p:sld xmlns:a="http://schemas.openxmlformats.org/drawingml/2006/main" xmlns:r="http://schemas.openxmlformats.org/officeDocument/2006/relationships" xmlns:p="http://schemas.openxmlformats.org/presentationml/2006/main">
-  <p:cSld>
-    <p:bg>
-      <p:bgPr>
-        <a:gradFill rotWithShape="1">
-          <a:gsLst>
-            <a:gs pos="10000">
-              <a:schemeClr val="bg2">
-                <a:tint val="97000"/>
-                <a:hueMod val="92000"/>
-                <a:satMod val="169000"/>
-                <a:lumMod val="164000"/>
-              </a:schemeClr>
-            </a:gs>
-            <a:gs pos="100000">
-              <a:schemeClr val="bg2">
-                <a:shade val="96000"/>
-                <a:satMod val="120000"/>
-                <a:lumMod val="90000"/>
-              </a:schemeClr>
-            </a:gs>
-          </a:gsLst>
-          <a:lin ang="6120000" scaled="1"/>
-        </a:gradFill>
-        <a:effectLst/>
-      </p:bgPr>
-    </p:bg>
-    <p:spTree>
-      <p:nvGrpSpPr>
-        <p:cNvPr id="1" name=""/>
-        <p:cNvGrpSpPr/>
-        <p:nvPr/>
-      </p:nvGrpSpPr>
-      <p:grpSpPr>
-        <a:xfrm>
-          <a:off x="0" y="0"/>
-          <a:ext cx="0" cy="0"/>
-          <a:chOff x="0" y="0"/>
-          <a:chExt cx="0" cy="0"/>
-        </a:xfrm>
-      </p:grpSpPr>
-      <p:sp useBgFill="1">
-        <p:nvSpPr>
-          <p:cNvPr id="9" name="Rectangle 8">
-            <a:extLst>
-              <a:ext uri="{FF2B5EF4-FFF2-40B4-BE49-F238E27FC236}">
-                <a16:creationId xmlns:a16="http://schemas.microsoft.com/office/drawing/2014/main" id="{929448D9-8F1D-4CFE-93BA-E0272F0DBD6E}"/>
-              </a:ext>
-              <a:ext uri="{C183D7F6-B498-43B3-948B-1728B52AA6E4}">
-                <adec:decorative xmlns:adec="http://schemas.microsoft.com/office/drawing/2017/decorative" val="1"/>
-              </a:ext>
-            </a:extLst>
-          </p:cNvPr>
-          <p:cNvSpPr>
-            <a:spLocks noGrp="1" noRot="1" noChangeAspect="1" noMove="1" noResize="1" noEditPoints="1" noAdjustHandles="1" noChangeArrowheads="1" noChangeShapeType="1" noTextEdit="1"/>
-          </p:cNvSpPr>
-          <p:nvPr>
-            <p:extLst>
-              <p:ext uri="{386F3935-93C4-4BCD-93E2-E3B085C9AB24}">
-                <p16:designElem xmlns:p16="http://schemas.microsoft.com/office/powerpoint/2015/main" val="1"/>
-              </p:ext>
-            </p:extLst>
-          </p:nvPr>
-        </p:nvSpPr>
-        <p:spPr>
-          <a:xfrm>
-            <a:off x="0" y="0"/>
-            <a:ext cx="12192000" cy="6858000"/>
-          </a:xfrm>
-          <a:prstGeom prst="rect">
-            <a:avLst/>
-          </a:prstGeom>
-          <a:ln>
-            <a:noFill/>
-          </a:ln>
-        </p:spPr>
-        <p:style>
-          <a:lnRef idx="2">
-            <a:schemeClr val="accent1">
-              <a:shade val="50000"/>
-            </a:schemeClr>
-          </a:lnRef>
-          <a:fillRef idx="1">
-            <a:schemeClr val="accent1"/>
-          </a:fillRef>
-          <a:effectRef idx="0">
-            <a:schemeClr val="accent1"/>
-          </a:effectRef>
-          <a:fontRef idx="minor">
-            <a:schemeClr val="lt1"/>
-          </a:fontRef>
-        </p:style>
-        <p:txBody>
-          <a:bodyPr rtlCol="0" anchor="ctr"/>
-          <a:lstStyle/>
-          <a:p>
-            <a:pPr algn="ctr"/>
-            <a:endParaRPr lang="en-US" dirty="0"/>
-          </a:p>
-        </p:txBody>
-      </p:sp>
-      <p:sp>
-        <p:nvSpPr>
-          <p:cNvPr id="2" name="Nadpis 1">
-            <a:extLst>
-              <a:ext uri="{FF2B5EF4-FFF2-40B4-BE49-F238E27FC236}">
-                <a16:creationId xmlns:a16="http://schemas.microsoft.com/office/drawing/2014/main" id="{B0FD30D7-C057-49CC-A0AC-A9316AA1853C}"/>
-              </a:ext>
-            </a:extLst>
-          </p:cNvPr>
-          <p:cNvSpPr>
-            <a:spLocks noGrp="1"/>
-          </p:cNvSpPr>
-          <p:nvPr>
-            <p:ph type="title"/>
-          </p:nvPr>
-        </p:nvSpPr>
-        <p:spPr>
-          <a:xfrm>
-            <a:off x="684211" y="216990"/>
-            <a:ext cx="7543800" cy="1507067"/>
-          </a:xfrm>
-        </p:spPr>
-        <p:txBody>
-          <a:bodyPr>
-            <a:normAutofit/>
-          </a:bodyPr>
-          <a:lstStyle/>
-          <a:p>
-            <a:r>
-              <a:rPr lang="cs-CZ" dirty="0"/>
-              <a:t>Citace</a:t>
-            </a:r>
-          </a:p>
-        </p:txBody>
-      </p:sp>
-      <p:sp>
-        <p:nvSpPr>
-          <p:cNvPr id="3" name="Zástupný obsah 2">
-            <a:extLst>
-              <a:ext uri="{FF2B5EF4-FFF2-40B4-BE49-F238E27FC236}">
-                <a16:creationId xmlns:a16="http://schemas.microsoft.com/office/drawing/2014/main" id="{55710C13-7612-47CA-9A13-0DCB02F142A4}"/>
-              </a:ext>
-            </a:extLst>
-          </p:cNvPr>
-          <p:cNvSpPr>
-            <a:spLocks noGrp="1"/>
-          </p:cNvSpPr>
-          <p:nvPr>
-            <p:ph idx="1"/>
-          </p:nvPr>
-        </p:nvSpPr>
-        <p:spPr>
-          <a:xfrm>
-            <a:off x="683926" y="1828800"/>
-            <a:ext cx="7493137" cy="4976811"/>
-          </a:xfrm>
-        </p:spPr>
-        <p:txBody>
-          <a:bodyPr>
-            <a:normAutofit fontScale="92500" lnSpcReduction="10000"/>
-          </a:bodyPr>
-          <a:lstStyle/>
-          <a:p>
-            <a:r>
-              <a:rPr lang="cs-CZ" sz="2800" b="0" i="0" dirty="0">
-                <a:solidFill>
-                  <a:srgbClr val="000000"/>
-                </a:solidFill>
-                <a:effectLst/>
-                <a:latin typeface="Century Gothic" panose="020B0502020202020204" pitchFamily="34" charset="0"/>
-              </a:rPr>
-              <a:t>LinkedIn – Wikipedie. [online]. Dostupné z: </a:t>
-            </a:r>
-            <a:r>
-              <a:rPr lang="cs-CZ" sz="2800" b="0" i="0" u="none" strike="noStrike" dirty="0">
-                <a:solidFill>
-                  <a:srgbClr val="000000"/>
-                </a:solidFill>
-                <a:effectLst/>
-                <a:latin typeface="Century Gothic" panose="020B0502020202020204" pitchFamily="34" charset="0"/>
-              </a:rPr>
-              <a:t>https://cs.wikipedia.org/wiki/LinkedIn</a:t>
-            </a:r>
-          </a:p>
-          <a:p>
-            <a:pPr marL="0" indent="0">
-              <a:buNone/>
-            </a:pPr>
-            <a:endParaRPr lang="cs-CZ" sz="2800" b="0" i="0" dirty="0">
-              <a:solidFill>
-                <a:srgbClr val="000000"/>
-              </a:solidFill>
-              <a:effectLst/>
-              <a:latin typeface="Roboto Slab" panose="020B0604020202020204" pitchFamily="2" charset="0"/>
-            </a:endParaRPr>
-          </a:p>
-          <a:p>
-            <a:pPr algn="l"/>
-            <a:r>
-              <a:rPr lang="cs-CZ" sz="2600" b="0" i="0" dirty="0">
-                <a:solidFill>
-                  <a:srgbClr val="000000"/>
-                </a:solidFill>
-                <a:effectLst/>
-                <a:latin typeface="Century Gothic" panose="020B0502020202020204" pitchFamily="34" charset="0"/>
-              </a:rPr>
-              <a:t>Co je LinkedIn a jak ho mohu používat? | LinkedIn </a:t>
-            </a:r>
-            <a:r>
-              <a:rPr lang="cs-CZ" sz="2600" b="0" i="0" dirty="0" err="1">
-                <a:solidFill>
-                  <a:srgbClr val="000000"/>
-                </a:solidFill>
-                <a:effectLst/>
-                <a:latin typeface="Century Gothic" panose="020B0502020202020204" pitchFamily="34" charset="0"/>
-              </a:rPr>
-              <a:t>Help</a:t>
-            </a:r>
-            <a:r>
-              <a:rPr lang="cs-CZ" sz="2600" b="0" i="0" dirty="0">
-                <a:solidFill>
-                  <a:srgbClr val="000000"/>
-                </a:solidFill>
-                <a:effectLst/>
-                <a:latin typeface="Century Gothic" panose="020B0502020202020204" pitchFamily="34" charset="0"/>
-              </a:rPr>
-              <a:t>. </a:t>
-            </a:r>
-            <a:r>
-              <a:rPr lang="cs-CZ" sz="2600" b="0" i="1" dirty="0">
-                <a:solidFill>
-                  <a:srgbClr val="000000"/>
-                </a:solidFill>
-                <a:effectLst/>
-                <a:latin typeface="Century Gothic" panose="020B0502020202020204" pitchFamily="34" charset="0"/>
-              </a:rPr>
-              <a:t>LinkedIn: Log In </a:t>
-            </a:r>
-            <a:r>
-              <a:rPr lang="cs-CZ" sz="2600" b="0" i="1" dirty="0" err="1">
-                <a:solidFill>
-                  <a:srgbClr val="000000"/>
-                </a:solidFill>
-                <a:effectLst/>
-                <a:latin typeface="Century Gothic" panose="020B0502020202020204" pitchFamily="34" charset="0"/>
-              </a:rPr>
-              <a:t>or</a:t>
-            </a:r>
-            <a:r>
-              <a:rPr lang="cs-CZ" sz="2600" b="0" i="1" dirty="0">
-                <a:solidFill>
-                  <a:srgbClr val="000000"/>
-                </a:solidFill>
-                <a:effectLst/>
-                <a:latin typeface="Century Gothic" panose="020B0502020202020204" pitchFamily="34" charset="0"/>
-              </a:rPr>
-              <a:t> Sign Up</a:t>
-            </a:r>
-            <a:r>
-              <a:rPr lang="cs-CZ" sz="2600" b="0" i="0" dirty="0">
-                <a:solidFill>
-                  <a:srgbClr val="000000"/>
-                </a:solidFill>
-                <a:effectLst/>
-                <a:latin typeface="Century Gothic" panose="020B0502020202020204" pitchFamily="34" charset="0"/>
-              </a:rPr>
-              <a:t> [online]. Copyright © 2023 [cit. 19.01.2023]. Dostupné z: </a:t>
-            </a:r>
-            <a:r>
-              <a:rPr lang="cs-CZ" sz="2600" b="0" i="0" u="none" strike="noStrike" dirty="0">
-                <a:solidFill>
-                  <a:srgbClr val="000000"/>
-                </a:solidFill>
-                <a:effectLst/>
-                <a:latin typeface="Century Gothic" panose="020B0502020202020204" pitchFamily="34" charset="0"/>
-              </a:rPr>
-              <a:t>https://www.linkedin.com/help/linkedin/answer/a548442/co-je-linkedin-a-jak-ho-mohu-pouzivat-?lang=cs</a:t>
-            </a:r>
-            <a:endParaRPr lang="cs-CZ" sz="2600" b="0" i="0" dirty="0">
-              <a:solidFill>
-                <a:srgbClr val="000000"/>
-              </a:solidFill>
-              <a:effectLst/>
-              <a:latin typeface="Century Gothic" panose="020B0502020202020204" pitchFamily="34" charset="0"/>
-            </a:endParaRPr>
-          </a:p>
-          <a:p>
-            <a:pPr marL="0" indent="0">
-              <a:buNone/>
-            </a:pPr>
-            <a:br>
-              <a:rPr lang="cs-CZ" b="0" i="0" dirty="0">
-                <a:solidFill>
-                  <a:srgbClr val="FFFFFF"/>
-                </a:solidFill>
-                <a:effectLst/>
-                <a:latin typeface="Roboto Slab" panose="020B0604020202020204" pitchFamily="2" charset="0"/>
-              </a:rPr>
-            </a:br>
-            <a:br>
-              <a:rPr lang="cs-CZ" b="0" i="0" dirty="0">
-                <a:solidFill>
-                  <a:srgbClr val="FFFFFF"/>
-                </a:solidFill>
-                <a:effectLst/>
-                <a:latin typeface="Roboto Slab" panose="020B0604020202020204" pitchFamily="2" charset="0"/>
-              </a:rPr>
-            </a:br>
-            <a:endParaRPr lang="cs-CZ" dirty="0"/>
-          </a:p>
-        </p:txBody>
-      </p:sp>
-      <p:pic>
-        <p:nvPicPr>
-          <p:cNvPr id="5" name="Picture 4" descr="Koule tvořená sítí a uzly">
-            <a:extLst>
-              <a:ext uri="{FF2B5EF4-FFF2-40B4-BE49-F238E27FC236}">
-                <a16:creationId xmlns:a16="http://schemas.microsoft.com/office/drawing/2014/main" id="{88E772C4-8D2F-56A5-976F-E08F8C1F29EC}"/>
-              </a:ext>
-            </a:extLst>
-          </p:cNvPr>
-          <p:cNvPicPr>
-            <a:picLocks noChangeAspect="1"/>
-          </p:cNvPicPr>
-          <p:nvPr/>
-        </p:nvPicPr>
-        <p:blipFill rotWithShape="1">
-          <a:blip r:embed="rId3"/>
-          <a:srcRect l="47059" r="16071"/>
-          <a:stretch/>
-        </p:blipFill>
-        <p:spPr>
-          <a:xfrm>
-            <a:off x="8820603" y="10"/>
-            <a:ext cx="3371397" cy="6857990"/>
-          </a:xfrm>
-          <a:prstGeom prst="rect">
-            <a:avLst/>
-          </a:prstGeom>
-          <a:effectLst>
-            <a:innerShdw blurRad="57150" dist="38100" dir="14460000">
-              <a:prstClr val="black">
-                <a:alpha val="70000"/>
-              </a:prstClr>
-            </a:innerShdw>
-          </a:effectLst>
-        </p:spPr>
-      </p:pic>
-      <p:grpSp>
-        <p:nvGrpSpPr>
-          <p:cNvPr id="11" name="Group 10">
-            <a:extLst>
-              <a:ext uri="{FF2B5EF4-FFF2-40B4-BE49-F238E27FC236}">
-                <a16:creationId xmlns:a16="http://schemas.microsoft.com/office/drawing/2014/main" id="{94749DEA-AC6C-4834-A330-03A1796B8929}"/>
-              </a:ext>
-              <a:ext uri="{C183D7F6-B498-43B3-948B-1728B52AA6E4}">
-                <adec:decorative xmlns:adec="http://schemas.microsoft.com/office/drawing/2017/decorative" val="1"/>
-              </a:ext>
-            </a:extLst>
-          </p:cNvPr>
-          <p:cNvGrpSpPr>
-            <a:grpSpLocks noGrp="1" noUngrp="1" noRot="1" noChangeAspect="1" noMove="1" noResize="1"/>
-          </p:cNvGrpSpPr>
-          <p:nvPr>
-            <p:extLst>
-              <p:ext uri="{386F3935-93C4-4BCD-93E2-E3B085C9AB24}">
-                <p16:designElem xmlns:p16="http://schemas.microsoft.com/office/powerpoint/2015/main" val="1"/>
-              </p:ext>
-            </p:extLst>
-          </p:nvPr>
-        </p:nvGrpSpPr>
-        <p:grpSpPr>
-          <a:xfrm>
-            <a:off x="9206969" y="2963333"/>
-            <a:ext cx="2981858" cy="3208867"/>
-            <a:chOff x="9206969" y="2963333"/>
-            <a:chExt cx="2981858" cy="3208867"/>
-          </a:xfrm>
-        </p:grpSpPr>
-        <p:cxnSp>
-          <p:nvCxnSpPr>
-            <p:cNvPr id="12" name="Straight Connector 11">
-              <a:extLst>
-                <a:ext uri="{FF2B5EF4-FFF2-40B4-BE49-F238E27FC236}">
-                  <a16:creationId xmlns:a16="http://schemas.microsoft.com/office/drawing/2014/main" id="{20CBC5D1-BAF0-454E-9D7C-68370AA9545E}"/>
-                </a:ext>
-                <a:ext uri="{C183D7F6-B498-43B3-948B-1728B52AA6E4}">
-                  <adec:decorative xmlns:adec="http://schemas.microsoft.com/office/drawing/2017/decorative" val="1"/>
-                </a:ext>
-              </a:extLst>
-            </p:cNvPr>
-            <p:cNvCxnSpPr/>
-            <p:nvPr>
-              <p:extLst>
-                <p:ext uri="{386F3935-93C4-4BCD-93E2-E3B085C9AB24}">
-                  <p16:designElem xmlns:p16="http://schemas.microsoft.com/office/powerpoint/2015/main" val="1"/>
-                </p:ext>
-              </p:extLst>
-            </p:nvPr>
-          </p:nvCxnSpPr>
-          <p:spPr>
-            <a:xfrm flipH="1">
-              <a:off x="11276012" y="2963333"/>
-              <a:ext cx="912814" cy="912812"/>
-            </a:xfrm>
-            <a:prstGeom prst="line">
-              <a:avLst/>
-            </a:prstGeom>
-            <a:ln w="9525">
-              <a:solidFill>
-                <a:schemeClr val="tx1"/>
-              </a:solidFill>
-            </a:ln>
-          </p:spPr>
-          <p:style>
-            <a:lnRef idx="2">
-              <a:schemeClr val="accent1"/>
-            </a:lnRef>
-            <a:fillRef idx="0">
-              <a:schemeClr val="accent1"/>
-            </a:fillRef>
-            <a:effectRef idx="1">
-              <a:schemeClr val="accent1"/>
-            </a:effectRef>
-            <a:fontRef idx="minor">
-              <a:schemeClr val="tx1"/>
-            </a:fontRef>
-          </p:style>
-        </p:cxnSp>
-        <p:cxnSp>
-          <p:nvCxnSpPr>
-            <p:cNvPr id="13" name="Straight Connector 12">
-              <a:extLst>
-                <a:ext uri="{FF2B5EF4-FFF2-40B4-BE49-F238E27FC236}">
-                  <a16:creationId xmlns:a16="http://schemas.microsoft.com/office/drawing/2014/main" id="{8ABB9F45-32F7-4915-A94F-F1E34B32DEDC}"/>
-                </a:ext>
-                <a:ext uri="{C183D7F6-B498-43B3-948B-1728B52AA6E4}">
-                  <adec:decorative xmlns:adec="http://schemas.microsoft.com/office/drawing/2017/decorative" val="1"/>
-                </a:ext>
-              </a:extLst>
-            </p:cNvPr>
-            <p:cNvCxnSpPr/>
-            <p:nvPr>
-              <p:extLst>
-                <p:ext uri="{386F3935-93C4-4BCD-93E2-E3B085C9AB24}">
-                  <p16:designElem xmlns:p16="http://schemas.microsoft.com/office/powerpoint/2015/main" val="1"/>
-                </p:ext>
-              </p:extLst>
-            </p:nvPr>
-          </p:nvCxnSpPr>
-          <p:spPr>
-            <a:xfrm flipH="1">
-              <a:off x="9206969" y="3190344"/>
-              <a:ext cx="2981857" cy="2981856"/>
-            </a:xfrm>
-            <a:prstGeom prst="line">
-              <a:avLst/>
-            </a:prstGeom>
-            <a:ln w="9525">
-              <a:solidFill>
-                <a:schemeClr val="tx1"/>
-              </a:solidFill>
-            </a:ln>
-          </p:spPr>
-          <p:style>
-            <a:lnRef idx="2">
-              <a:schemeClr val="accent1"/>
-            </a:lnRef>
-            <a:fillRef idx="0">
-              <a:schemeClr val="accent1"/>
-            </a:fillRef>
-            <a:effectRef idx="1">
-              <a:schemeClr val="accent1"/>
-            </a:effectRef>
-            <a:fontRef idx="minor">
-              <a:schemeClr val="tx1"/>
-            </a:fontRef>
-          </p:style>
-        </p:cxnSp>
-        <p:cxnSp>
-          <p:nvCxnSpPr>
-            <p:cNvPr id="14" name="Straight Connector 13">
-              <a:extLst>
-                <a:ext uri="{FF2B5EF4-FFF2-40B4-BE49-F238E27FC236}">
-                  <a16:creationId xmlns:a16="http://schemas.microsoft.com/office/drawing/2014/main" id="{94EA6F09-00FD-4C50-A2DF-D0B1CC4C9AB1}"/>
-                </a:ext>
-                <a:ext uri="{C183D7F6-B498-43B3-948B-1728B52AA6E4}">
-                  <adec:decorative xmlns:adec="http://schemas.microsoft.com/office/drawing/2017/decorative" val="1"/>
-                </a:ext>
-              </a:extLst>
-            </p:cNvPr>
-            <p:cNvCxnSpPr/>
-            <p:nvPr>
-              <p:extLst>
-                <p:ext uri="{386F3935-93C4-4BCD-93E2-E3B085C9AB24}">
-                  <p16:designElem xmlns:p16="http://schemas.microsoft.com/office/powerpoint/2015/main" val="1"/>
-                </p:ext>
-              </p:extLst>
-            </p:nvPr>
-          </p:nvCxnSpPr>
-          <p:spPr>
-            <a:xfrm flipH="1">
-              <a:off x="10292292" y="3285067"/>
-              <a:ext cx="1896534" cy="1896533"/>
-            </a:xfrm>
-            <a:prstGeom prst="line">
-              <a:avLst/>
-            </a:prstGeom>
-            <a:ln w="9525">
-              <a:solidFill>
-                <a:schemeClr val="tx1"/>
-              </a:solidFill>
-            </a:ln>
-          </p:spPr>
-          <p:style>
-            <a:lnRef idx="2">
-              <a:schemeClr val="accent1"/>
-            </a:lnRef>
-            <a:fillRef idx="0">
-              <a:schemeClr val="accent1"/>
-            </a:fillRef>
-            <a:effectRef idx="1">
-              <a:schemeClr val="accent1"/>
-            </a:effectRef>
-            <a:fontRef idx="minor">
-              <a:schemeClr val="tx1"/>
-            </a:fontRef>
-          </p:style>
-        </p:cxnSp>
-        <p:cxnSp>
-          <p:nvCxnSpPr>
-            <p:cNvPr id="15" name="Straight Connector 14">
-              <a:extLst>
-                <a:ext uri="{FF2B5EF4-FFF2-40B4-BE49-F238E27FC236}">
-                  <a16:creationId xmlns:a16="http://schemas.microsoft.com/office/drawing/2014/main" id="{4B8B975B-2618-4734-A401-FAB74519010B}"/>
-                </a:ext>
-                <a:ext uri="{C183D7F6-B498-43B3-948B-1728B52AA6E4}">
-                  <adec:decorative xmlns:adec="http://schemas.microsoft.com/office/drawing/2017/decorative" val="1"/>
-                </a:ext>
-              </a:extLst>
-            </p:cNvPr>
-            <p:cNvCxnSpPr/>
-            <p:nvPr>
-              <p:extLst>
-                <p:ext uri="{386F3935-93C4-4BCD-93E2-E3B085C9AB24}">
-                  <p16:designElem xmlns:p16="http://schemas.microsoft.com/office/powerpoint/2015/main" val="1"/>
-                </p:ext>
-              </p:extLst>
-            </p:nvPr>
-          </p:nvCxnSpPr>
-          <p:spPr>
-            <a:xfrm flipH="1">
-              <a:off x="10443103" y="3131080"/>
-              <a:ext cx="1745722" cy="1745720"/>
-            </a:xfrm>
-            <a:prstGeom prst="line">
-              <a:avLst/>
-            </a:prstGeom>
-            <a:ln w="28575">
-              <a:solidFill>
-                <a:schemeClr val="tx1"/>
-              </a:solidFill>
-            </a:ln>
-          </p:spPr>
-          <p:style>
-            <a:lnRef idx="2">
-              <a:schemeClr val="accent1"/>
-            </a:lnRef>
-            <a:fillRef idx="0">
-              <a:schemeClr val="accent1"/>
-            </a:fillRef>
-            <a:effectRef idx="1">
-              <a:schemeClr val="accent1"/>
-            </a:effectRef>
-            <a:fontRef idx="minor">
-              <a:schemeClr val="tx1"/>
-            </a:fontRef>
-          </p:style>
-        </p:cxnSp>
-        <p:cxnSp>
-          <p:nvCxnSpPr>
-            <p:cNvPr id="16" name="Straight Connector 15">
-              <a:extLst>
-                <a:ext uri="{FF2B5EF4-FFF2-40B4-BE49-F238E27FC236}">
-                  <a16:creationId xmlns:a16="http://schemas.microsoft.com/office/drawing/2014/main" id="{4EF4B123-0577-4F10-986B-6BD86396ABBE}"/>
-                </a:ext>
-                <a:ext uri="{C183D7F6-B498-43B3-948B-1728B52AA6E4}">
-                  <adec:decorative xmlns:adec="http://schemas.microsoft.com/office/drawing/2017/decorative" val="1"/>
-                </a:ext>
-              </a:extLst>
-            </p:cNvPr>
-            <p:cNvCxnSpPr/>
-            <p:nvPr>
-              <p:extLst>
-                <p:ext uri="{386F3935-93C4-4BCD-93E2-E3B085C9AB24}">
-                  <p16:designElem xmlns:p16="http://schemas.microsoft.com/office/powerpoint/2015/main" val="1"/>
-                </p:ext>
-              </p:extLst>
-            </p:nvPr>
-          </p:nvCxnSpPr>
-          <p:spPr>
-            <a:xfrm flipH="1">
-              <a:off x="10918826" y="3683001"/>
-              <a:ext cx="1270001" cy="1269999"/>
-            </a:xfrm>
-            <a:prstGeom prst="line">
-              <a:avLst/>
-            </a:prstGeom>
-            <a:ln w="28575">
-              <a:solidFill>
-                <a:schemeClr val="tx1"/>
-              </a:solidFill>
-            </a:ln>
-          </p:spPr>
-          <p:style>
-            <a:lnRef idx="2">
-              <a:schemeClr val="accent1"/>
-            </a:lnRef>
-            <a:fillRef idx="0">
-              <a:schemeClr val="accent1"/>
-            </a:fillRef>
-            <a:effectRef idx="1">
-              <a:schemeClr val="accent1"/>
-            </a:effectRef>
-            <a:fontRef idx="minor">
-              <a:schemeClr val="tx1"/>
-            </a:fontRef>
-          </p:style>
-        </p:cxnSp>
-      </p:grpSp>
-    </p:spTree>
-    <p:extLst>
-      <p:ext uri="{BB962C8B-B14F-4D97-AF65-F5344CB8AC3E}">
-        <p14:creationId xmlns:p14="http://schemas.microsoft.com/office/powerpoint/2010/main" val="597823284"/>
-      </p:ext>
-    </p:extLst>
-  </p:cSld>
-  <p:clrMapOvr>
-    <a:masterClrMapping/>
-  </p:clrMapOvr>
-</p:sld>
-</file>
-
-<file path=ppt/slides/slide21.xml><?xml version="1.0" encoding="utf-8"?>
-<p:sld xmlns:a="http://schemas.openxmlformats.org/drawingml/2006/main" xmlns:r="http://schemas.openxmlformats.org/officeDocument/2006/relationships" xmlns:p="http://schemas.openxmlformats.org/presentationml/2006/main">
-  <p:cSld>
-    <p:bg>
-      <p:bgPr>
-        <a:gradFill rotWithShape="1">
-          <a:gsLst>
-            <a:gs pos="10000">
-              <a:schemeClr val="bg2">
-                <a:tint val="97000"/>
-                <a:hueMod val="92000"/>
-                <a:satMod val="169000"/>
-                <a:lumMod val="164000"/>
-              </a:schemeClr>
-            </a:gs>
-            <a:gs pos="100000">
-              <a:schemeClr val="bg2">
-                <a:shade val="96000"/>
-                <a:satMod val="120000"/>
-                <a:lumMod val="90000"/>
-              </a:schemeClr>
-            </a:gs>
-          </a:gsLst>
-          <a:lin ang="6120000" scaled="1"/>
-        </a:gradFill>
-        <a:effectLst/>
-      </p:bgPr>
-    </p:bg>
-    <p:spTree>
-      <p:nvGrpSpPr>
-        <p:cNvPr id="1" name=""/>
-        <p:cNvGrpSpPr/>
-        <p:nvPr/>
-      </p:nvGrpSpPr>
-      <p:grpSpPr>
-        <a:xfrm>
-          <a:off x="0" y="0"/>
-          <a:ext cx="0" cy="0"/>
-          <a:chOff x="0" y="0"/>
-          <a:chExt cx="0" cy="0"/>
-        </a:xfrm>
-      </p:grpSpPr>
-      <p:sp useBgFill="1">
-        <p:nvSpPr>
-          <p:cNvPr id="9" name="Rectangle 8">
-            <a:extLst>
-              <a:ext uri="{FF2B5EF4-FFF2-40B4-BE49-F238E27FC236}">
-                <a16:creationId xmlns:a16="http://schemas.microsoft.com/office/drawing/2014/main" id="{929448D9-8F1D-4CFE-93BA-E0272F0DBD6E}"/>
-              </a:ext>
-              <a:ext uri="{C183D7F6-B498-43B3-948B-1728B52AA6E4}">
-                <adec:decorative xmlns:adec="http://schemas.microsoft.com/office/drawing/2017/decorative" val="1"/>
-              </a:ext>
-            </a:extLst>
-          </p:cNvPr>
-          <p:cNvSpPr>
-            <a:spLocks noGrp="1" noRot="1" noChangeAspect="1" noMove="1" noResize="1" noEditPoints="1" noAdjustHandles="1" noChangeArrowheads="1" noChangeShapeType="1" noTextEdit="1"/>
-          </p:cNvSpPr>
-          <p:nvPr>
-            <p:extLst>
-              <p:ext uri="{386F3935-93C4-4BCD-93E2-E3B085C9AB24}">
-                <p16:designElem xmlns:p16="http://schemas.microsoft.com/office/powerpoint/2015/main" val="1"/>
-              </p:ext>
-            </p:extLst>
-          </p:nvPr>
-        </p:nvSpPr>
-        <p:spPr>
-          <a:xfrm>
-            <a:off x="0" y="0"/>
-            <a:ext cx="12192000" cy="6858000"/>
-          </a:xfrm>
-          <a:prstGeom prst="rect">
-            <a:avLst/>
-          </a:prstGeom>
-          <a:ln>
-            <a:noFill/>
-          </a:ln>
-        </p:spPr>
-        <p:style>
-          <a:lnRef idx="2">
-            <a:schemeClr val="accent1">
-              <a:shade val="50000"/>
-            </a:schemeClr>
-          </a:lnRef>
-          <a:fillRef idx="1">
-            <a:schemeClr val="accent1"/>
-          </a:fillRef>
-          <a:effectRef idx="0">
-            <a:schemeClr val="accent1"/>
-          </a:effectRef>
-          <a:fontRef idx="minor">
-            <a:schemeClr val="lt1"/>
-          </a:fontRef>
-        </p:style>
-        <p:txBody>
-          <a:bodyPr rtlCol="0" anchor="ctr"/>
-          <a:lstStyle/>
-          <a:p>
-            <a:pPr algn="ctr"/>
-            <a:endParaRPr lang="en-US" dirty="0"/>
-          </a:p>
-        </p:txBody>
-      </p:sp>
-      <p:sp>
-        <p:nvSpPr>
-          <p:cNvPr id="2" name="Nadpis 1">
-            <a:extLst>
-              <a:ext uri="{FF2B5EF4-FFF2-40B4-BE49-F238E27FC236}">
-                <a16:creationId xmlns:a16="http://schemas.microsoft.com/office/drawing/2014/main" id="{B0FD30D7-C057-49CC-A0AC-A9316AA1853C}"/>
-              </a:ext>
-            </a:extLst>
-          </p:cNvPr>
-          <p:cNvSpPr>
-            <a:spLocks noGrp="1"/>
-          </p:cNvSpPr>
-          <p:nvPr>
-            <p:ph type="title"/>
-          </p:nvPr>
-        </p:nvSpPr>
-        <p:spPr>
-          <a:xfrm>
-            <a:off x="658879" y="169855"/>
-            <a:ext cx="7543800" cy="1507067"/>
-          </a:xfrm>
-        </p:spPr>
-        <p:txBody>
-          <a:bodyPr>
-            <a:normAutofit/>
-          </a:bodyPr>
-          <a:lstStyle/>
-          <a:p>
-            <a:r>
-              <a:rPr lang="cs-CZ" dirty="0" err="1"/>
-              <a:t>Github</a:t>
-            </a:r>
-            <a:r>
-              <a:rPr lang="cs-CZ" dirty="0"/>
-              <a:t>- </a:t>
-            </a:r>
-            <a:r>
-              <a:rPr lang="cs-CZ" dirty="0" err="1"/>
-              <a:t>repozitář</a:t>
-            </a:r>
-            <a:endParaRPr lang="cs-CZ" dirty="0"/>
-          </a:p>
-        </p:txBody>
-      </p:sp>
-      <p:sp>
-        <p:nvSpPr>
-          <p:cNvPr id="3" name="Zástupný obsah 2">
-            <a:extLst>
-              <a:ext uri="{FF2B5EF4-FFF2-40B4-BE49-F238E27FC236}">
-                <a16:creationId xmlns:a16="http://schemas.microsoft.com/office/drawing/2014/main" id="{55710C13-7612-47CA-9A13-0DCB02F142A4}"/>
-              </a:ext>
-            </a:extLst>
-          </p:cNvPr>
-          <p:cNvSpPr>
-            <a:spLocks noGrp="1"/>
-          </p:cNvSpPr>
-          <p:nvPr>
-            <p:ph idx="1"/>
-          </p:nvPr>
-        </p:nvSpPr>
-        <p:spPr>
-          <a:xfrm>
-            <a:off x="658879" y="2963333"/>
-            <a:ext cx="7493137" cy="2306251"/>
-          </a:xfrm>
-        </p:spPr>
-        <p:txBody>
-          <a:bodyPr>
-            <a:normAutofit/>
-          </a:bodyPr>
-          <a:lstStyle/>
-          <a:p>
-            <a:r>
-              <a:rPr lang="cs-CZ" dirty="0">
-                <a:solidFill>
-                  <a:schemeClr val="bg1"/>
-                </a:solidFill>
-                <a:hlinkClick r:id="rId3">
-                  <a:extLst>
-                    <a:ext uri="{A12FA001-AC4F-418D-AE19-62706E023703}">
-                      <ahyp:hlinkClr xmlns:ahyp="http://schemas.microsoft.com/office/drawing/2018/hyperlinkcolor" val="tx"/>
-                    </a:ext>
-                  </a:extLst>
-                </a:hlinkClick>
-              </a:rPr>
-              <a:t>https://github.com/Jelenos69/I11-prezentace-Jelinek.git</a:t>
-            </a:r>
-            <a:endParaRPr lang="cs-CZ" dirty="0">
-              <a:solidFill>
-                <a:schemeClr val="bg1"/>
-              </a:solidFill>
-            </a:endParaRPr>
-          </a:p>
-        </p:txBody>
-      </p:sp>
-      <p:pic>
-        <p:nvPicPr>
-          <p:cNvPr id="5" name="Picture 4" descr="Koule tvořená sítí a uzly">
-            <a:extLst>
-              <a:ext uri="{FF2B5EF4-FFF2-40B4-BE49-F238E27FC236}">
-                <a16:creationId xmlns:a16="http://schemas.microsoft.com/office/drawing/2014/main" id="{88E772C4-8D2F-56A5-976F-E08F8C1F29EC}"/>
-              </a:ext>
-            </a:extLst>
-          </p:cNvPr>
-          <p:cNvPicPr>
-            <a:picLocks noChangeAspect="1"/>
-          </p:cNvPicPr>
-          <p:nvPr/>
-        </p:nvPicPr>
-        <p:blipFill rotWithShape="1">
-          <a:blip r:embed="rId4"/>
-          <a:srcRect l="47059" r="16071"/>
-          <a:stretch/>
-        </p:blipFill>
-        <p:spPr>
-          <a:xfrm>
-            <a:off x="8820603" y="10"/>
-            <a:ext cx="3371397" cy="6857990"/>
-          </a:xfrm>
-          <a:prstGeom prst="rect">
-            <a:avLst/>
-          </a:prstGeom>
-          <a:effectLst>
-            <a:innerShdw blurRad="57150" dist="38100" dir="14460000">
-              <a:prstClr val="black">
-                <a:alpha val="70000"/>
-              </a:prstClr>
-            </a:innerShdw>
-          </a:effectLst>
-        </p:spPr>
-      </p:pic>
-      <p:grpSp>
-        <p:nvGrpSpPr>
-          <p:cNvPr id="11" name="Group 10">
-            <a:extLst>
-              <a:ext uri="{FF2B5EF4-FFF2-40B4-BE49-F238E27FC236}">
-                <a16:creationId xmlns:a16="http://schemas.microsoft.com/office/drawing/2014/main" id="{94749DEA-AC6C-4834-A330-03A1796B8929}"/>
-              </a:ext>
-              <a:ext uri="{C183D7F6-B498-43B3-948B-1728B52AA6E4}">
-                <adec:decorative xmlns:adec="http://schemas.microsoft.com/office/drawing/2017/decorative" val="1"/>
-              </a:ext>
-            </a:extLst>
-          </p:cNvPr>
-          <p:cNvGrpSpPr>
-            <a:grpSpLocks noGrp="1" noUngrp="1" noRot="1" noChangeAspect="1" noMove="1" noResize="1"/>
-          </p:cNvGrpSpPr>
-          <p:nvPr>
-            <p:extLst>
-              <p:ext uri="{386F3935-93C4-4BCD-93E2-E3B085C9AB24}">
-                <p16:designElem xmlns:p16="http://schemas.microsoft.com/office/powerpoint/2015/main" val="1"/>
-              </p:ext>
-            </p:extLst>
-          </p:nvPr>
-        </p:nvGrpSpPr>
-        <p:grpSpPr>
-          <a:xfrm>
-            <a:off x="9206969" y="2963333"/>
-            <a:ext cx="2981858" cy="3208867"/>
-            <a:chOff x="9206969" y="2963333"/>
-            <a:chExt cx="2981858" cy="3208867"/>
-          </a:xfrm>
-        </p:grpSpPr>
-        <p:cxnSp>
-          <p:nvCxnSpPr>
-            <p:cNvPr id="12" name="Straight Connector 11">
-              <a:extLst>
-                <a:ext uri="{FF2B5EF4-FFF2-40B4-BE49-F238E27FC236}">
-                  <a16:creationId xmlns:a16="http://schemas.microsoft.com/office/drawing/2014/main" id="{20CBC5D1-BAF0-454E-9D7C-68370AA9545E}"/>
-                </a:ext>
-                <a:ext uri="{C183D7F6-B498-43B3-948B-1728B52AA6E4}">
-                  <adec:decorative xmlns:adec="http://schemas.microsoft.com/office/drawing/2017/decorative" val="1"/>
-                </a:ext>
-              </a:extLst>
-            </p:cNvPr>
-            <p:cNvCxnSpPr/>
-            <p:nvPr>
-              <p:extLst>
-                <p:ext uri="{386F3935-93C4-4BCD-93E2-E3B085C9AB24}">
-                  <p16:designElem xmlns:p16="http://schemas.microsoft.com/office/powerpoint/2015/main" val="1"/>
-                </p:ext>
-              </p:extLst>
-            </p:nvPr>
-          </p:nvCxnSpPr>
-          <p:spPr>
-            <a:xfrm flipH="1">
-              <a:off x="11276012" y="2963333"/>
-              <a:ext cx="912814" cy="912812"/>
-            </a:xfrm>
-            <a:prstGeom prst="line">
-              <a:avLst/>
-            </a:prstGeom>
-            <a:ln w="9525">
-              <a:solidFill>
-                <a:schemeClr val="tx1"/>
-              </a:solidFill>
-            </a:ln>
-          </p:spPr>
-          <p:style>
-            <a:lnRef idx="2">
-              <a:schemeClr val="accent1"/>
-            </a:lnRef>
-            <a:fillRef idx="0">
-              <a:schemeClr val="accent1"/>
-            </a:fillRef>
-            <a:effectRef idx="1">
-              <a:schemeClr val="accent1"/>
-            </a:effectRef>
-            <a:fontRef idx="minor">
-              <a:schemeClr val="tx1"/>
-            </a:fontRef>
-          </p:style>
-        </p:cxnSp>
-        <p:cxnSp>
-          <p:nvCxnSpPr>
-            <p:cNvPr id="13" name="Straight Connector 12">
-              <a:extLst>
-                <a:ext uri="{FF2B5EF4-FFF2-40B4-BE49-F238E27FC236}">
-                  <a16:creationId xmlns:a16="http://schemas.microsoft.com/office/drawing/2014/main" id="{8ABB9F45-32F7-4915-A94F-F1E34B32DEDC}"/>
-                </a:ext>
-                <a:ext uri="{C183D7F6-B498-43B3-948B-1728B52AA6E4}">
-                  <adec:decorative xmlns:adec="http://schemas.microsoft.com/office/drawing/2017/decorative" val="1"/>
-                </a:ext>
-              </a:extLst>
-            </p:cNvPr>
-            <p:cNvCxnSpPr/>
-            <p:nvPr>
-              <p:extLst>
-                <p:ext uri="{386F3935-93C4-4BCD-93E2-E3B085C9AB24}">
-                  <p16:designElem xmlns:p16="http://schemas.microsoft.com/office/powerpoint/2015/main" val="1"/>
-                </p:ext>
-              </p:extLst>
-            </p:nvPr>
-          </p:nvCxnSpPr>
-          <p:spPr>
-            <a:xfrm flipH="1">
-              <a:off x="9206969" y="3190344"/>
-              <a:ext cx="2981857" cy="2981856"/>
-            </a:xfrm>
-            <a:prstGeom prst="line">
-              <a:avLst/>
-            </a:prstGeom>
-            <a:ln w="9525">
-              <a:solidFill>
-                <a:schemeClr val="tx1"/>
-              </a:solidFill>
-            </a:ln>
-          </p:spPr>
-          <p:style>
-            <a:lnRef idx="2">
-              <a:schemeClr val="accent1"/>
-            </a:lnRef>
-            <a:fillRef idx="0">
-              <a:schemeClr val="accent1"/>
-            </a:fillRef>
-            <a:effectRef idx="1">
-              <a:schemeClr val="accent1"/>
-            </a:effectRef>
-            <a:fontRef idx="minor">
-              <a:schemeClr val="tx1"/>
-            </a:fontRef>
-          </p:style>
-        </p:cxnSp>
-        <p:cxnSp>
-          <p:nvCxnSpPr>
-            <p:cNvPr id="14" name="Straight Connector 13">
-              <a:extLst>
-                <a:ext uri="{FF2B5EF4-FFF2-40B4-BE49-F238E27FC236}">
-                  <a16:creationId xmlns:a16="http://schemas.microsoft.com/office/drawing/2014/main" id="{94EA6F09-00FD-4C50-A2DF-D0B1CC4C9AB1}"/>
-                </a:ext>
-                <a:ext uri="{C183D7F6-B498-43B3-948B-1728B52AA6E4}">
-                  <adec:decorative xmlns:adec="http://schemas.microsoft.com/office/drawing/2017/decorative" val="1"/>
-                </a:ext>
-              </a:extLst>
-            </p:cNvPr>
-            <p:cNvCxnSpPr/>
-            <p:nvPr>
-              <p:extLst>
-                <p:ext uri="{386F3935-93C4-4BCD-93E2-E3B085C9AB24}">
-                  <p16:designElem xmlns:p16="http://schemas.microsoft.com/office/powerpoint/2015/main" val="1"/>
-                </p:ext>
-              </p:extLst>
-            </p:nvPr>
-          </p:nvCxnSpPr>
-          <p:spPr>
-            <a:xfrm flipH="1">
-              <a:off x="10292292" y="3285067"/>
-              <a:ext cx="1896534" cy="1896533"/>
-            </a:xfrm>
-            <a:prstGeom prst="line">
-              <a:avLst/>
-            </a:prstGeom>
-            <a:ln w="9525">
-              <a:solidFill>
-                <a:schemeClr val="tx1"/>
-              </a:solidFill>
-            </a:ln>
-          </p:spPr>
-          <p:style>
-            <a:lnRef idx="2">
-              <a:schemeClr val="accent1"/>
-            </a:lnRef>
-            <a:fillRef idx="0">
-              <a:schemeClr val="accent1"/>
-            </a:fillRef>
-            <a:effectRef idx="1">
-              <a:schemeClr val="accent1"/>
-            </a:effectRef>
-            <a:fontRef idx="minor">
-              <a:schemeClr val="tx1"/>
-            </a:fontRef>
-          </p:style>
-        </p:cxnSp>
-        <p:cxnSp>
-          <p:nvCxnSpPr>
-            <p:cNvPr id="15" name="Straight Connector 14">
-              <a:extLst>
-                <a:ext uri="{FF2B5EF4-FFF2-40B4-BE49-F238E27FC236}">
-                  <a16:creationId xmlns:a16="http://schemas.microsoft.com/office/drawing/2014/main" id="{4B8B975B-2618-4734-A401-FAB74519010B}"/>
-                </a:ext>
-                <a:ext uri="{C183D7F6-B498-43B3-948B-1728B52AA6E4}">
-                  <adec:decorative xmlns:adec="http://schemas.microsoft.com/office/drawing/2017/decorative" val="1"/>
-                </a:ext>
-              </a:extLst>
-            </p:cNvPr>
-            <p:cNvCxnSpPr/>
-            <p:nvPr>
-              <p:extLst>
-                <p:ext uri="{386F3935-93C4-4BCD-93E2-E3B085C9AB24}">
-                  <p16:designElem xmlns:p16="http://schemas.microsoft.com/office/powerpoint/2015/main" val="1"/>
-                </p:ext>
-              </p:extLst>
-            </p:nvPr>
-          </p:nvCxnSpPr>
-          <p:spPr>
-            <a:xfrm flipH="1">
-              <a:off x="10443103" y="3131080"/>
-              <a:ext cx="1745722" cy="1745720"/>
-            </a:xfrm>
-            <a:prstGeom prst="line">
-              <a:avLst/>
-            </a:prstGeom>
-            <a:ln w="28575">
-              <a:solidFill>
-                <a:schemeClr val="tx1"/>
-              </a:solidFill>
-            </a:ln>
-          </p:spPr>
-          <p:style>
-            <a:lnRef idx="2">
-              <a:schemeClr val="accent1"/>
-            </a:lnRef>
-            <a:fillRef idx="0">
-              <a:schemeClr val="accent1"/>
-            </a:fillRef>
-            <a:effectRef idx="1">
-              <a:schemeClr val="accent1"/>
-            </a:effectRef>
-            <a:fontRef idx="minor">
-              <a:schemeClr val="tx1"/>
-            </a:fontRef>
-          </p:style>
-        </p:cxnSp>
-        <p:cxnSp>
-          <p:nvCxnSpPr>
-            <p:cNvPr id="16" name="Straight Connector 15">
-              <a:extLst>
-                <a:ext uri="{FF2B5EF4-FFF2-40B4-BE49-F238E27FC236}">
-                  <a16:creationId xmlns:a16="http://schemas.microsoft.com/office/drawing/2014/main" id="{4EF4B123-0577-4F10-986B-6BD86396ABBE}"/>
-                </a:ext>
-                <a:ext uri="{C183D7F6-B498-43B3-948B-1728B52AA6E4}">
-                  <adec:decorative xmlns:adec="http://schemas.microsoft.com/office/drawing/2017/decorative" val="1"/>
-                </a:ext>
-              </a:extLst>
-            </p:cNvPr>
-            <p:cNvCxnSpPr/>
-            <p:nvPr>
-              <p:extLst>
-                <p:ext uri="{386F3935-93C4-4BCD-93E2-E3B085C9AB24}">
-                  <p16:designElem xmlns:p16="http://schemas.microsoft.com/office/powerpoint/2015/main" val="1"/>
-                </p:ext>
-              </p:extLst>
-            </p:nvPr>
-          </p:nvCxnSpPr>
-          <p:spPr>
-            <a:xfrm flipH="1">
-              <a:off x="10918826" y="3683001"/>
-              <a:ext cx="1270001" cy="1269999"/>
-            </a:xfrm>
-            <a:prstGeom prst="line">
-              <a:avLst/>
-            </a:prstGeom>
-            <a:ln w="28575">
-              <a:solidFill>
-                <a:schemeClr val="tx1"/>
-              </a:solidFill>
-            </a:ln>
-          </p:spPr>
-          <p:style>
-            <a:lnRef idx="2">
-              <a:schemeClr val="accent1"/>
-            </a:lnRef>
-            <a:fillRef idx="0">
-              <a:schemeClr val="accent1"/>
-            </a:fillRef>
-            <a:effectRef idx="1">
-              <a:schemeClr val="accent1"/>
-            </a:effectRef>
-            <a:fontRef idx="minor">
-              <a:schemeClr val="tx1"/>
-            </a:fontRef>
-          </p:style>
-        </p:cxnSp>
-      </p:grpSp>
-    </p:spTree>
-    <p:extLst>
-      <p:ext uri="{BB962C8B-B14F-4D97-AF65-F5344CB8AC3E}">
-        <p14:creationId xmlns:p14="http://schemas.microsoft.com/office/powerpoint/2010/main" val="3115239885"/>
       </p:ext>
     </p:extLst>
   </p:cSld>
@@ -15194,12 +14189,8 @@
           <a:lstStyle/>
           <a:p>
             <a:r>
-              <a:rPr lang="cs-CZ" dirty="0" err="1"/>
-              <a:t>LinkedIN</a:t>
-            </a:r>
-            <a:r>
               <a:rPr lang="cs-CZ" dirty="0"/>
-              <a:t> ve světě a v česku</a:t>
+              <a:t>Linkedin ve světě a v česku</a:t>
             </a:r>
           </a:p>
         </p:txBody>
@@ -15769,12 +14760,8 @@
           </a:p>
           <a:p>
             <a:r>
-              <a:rPr lang="cs-CZ" sz="2400"/>
-              <a:t>Nejlépe propojit i </a:t>
-            </a:r>
-            <a:r>
               <a:rPr lang="cs-CZ" sz="2400" dirty="0"/>
-              <a:t>tel. Číslo </a:t>
+              <a:t>Nejlépe propojit i tel. Číslo </a:t>
             </a:r>
           </a:p>
           <a:p>
@@ -16182,6 +15169,31 @@
 <file path=ppt/slides/slide7.xml><?xml version="1.0" encoding="utf-8"?>
 <p:sld xmlns:a="http://schemas.openxmlformats.org/drawingml/2006/main" xmlns:r="http://schemas.openxmlformats.org/officeDocument/2006/relationships" xmlns:p="http://schemas.openxmlformats.org/presentationml/2006/main">
   <p:cSld>
+    <p:bg>
+      <p:bgPr>
+        <a:gradFill rotWithShape="1">
+          <a:gsLst>
+            <a:gs pos="10000">
+              <a:schemeClr val="bg2">
+                <a:tint val="97000"/>
+                <a:hueMod val="92000"/>
+                <a:satMod val="169000"/>
+                <a:lumMod val="164000"/>
+              </a:schemeClr>
+            </a:gs>
+            <a:gs pos="100000">
+              <a:schemeClr val="bg2">
+                <a:shade val="96000"/>
+                <a:satMod val="120000"/>
+                <a:lumMod val="90000"/>
+              </a:schemeClr>
+            </a:gs>
+          </a:gsLst>
+          <a:lin ang="6120000" scaled="1"/>
+        </a:gradFill>
+        <a:effectLst/>
+      </p:bgPr>
+    </p:bg>
     <p:spTree>
       <p:nvGrpSpPr>
         <p:cNvPr id="1" name=""/>
@@ -16196,12 +15208,72 @@
           <a:chExt cx="0" cy="0"/>
         </a:xfrm>
       </p:grpSpPr>
+      <p:sp useBgFill="1">
+        <p:nvSpPr>
+          <p:cNvPr id="9" name="Rectangle 8">
+            <a:extLst>
+              <a:ext uri="{FF2B5EF4-FFF2-40B4-BE49-F238E27FC236}">
+                <a16:creationId xmlns:a16="http://schemas.microsoft.com/office/drawing/2014/main" id="{929448D9-8F1D-4CFE-93BA-E0272F0DBD6E}"/>
+              </a:ext>
+              <a:ext uri="{C183D7F6-B498-43B3-948B-1728B52AA6E4}">
+                <adec:decorative xmlns:adec="http://schemas.microsoft.com/office/drawing/2017/decorative" val="1"/>
+              </a:ext>
+            </a:extLst>
+          </p:cNvPr>
+          <p:cNvSpPr>
+            <a:spLocks noGrp="1" noRot="1" noChangeAspect="1" noMove="1" noResize="1" noEditPoints="1" noAdjustHandles="1" noChangeArrowheads="1" noChangeShapeType="1" noTextEdit="1"/>
+          </p:cNvSpPr>
+          <p:nvPr>
+            <p:extLst>
+              <p:ext uri="{386F3935-93C4-4BCD-93E2-E3B085C9AB24}">
+                <p16:designElem xmlns:p16="http://schemas.microsoft.com/office/powerpoint/2015/main" val="1"/>
+              </p:ext>
+            </p:extLst>
+          </p:nvPr>
+        </p:nvSpPr>
+        <p:spPr>
+          <a:xfrm>
+            <a:off x="0" y="0"/>
+            <a:ext cx="12192000" cy="6858000"/>
+          </a:xfrm>
+          <a:prstGeom prst="rect">
+            <a:avLst/>
+          </a:prstGeom>
+          <a:ln>
+            <a:noFill/>
+          </a:ln>
+        </p:spPr>
+        <p:style>
+          <a:lnRef idx="2">
+            <a:schemeClr val="accent1">
+              <a:shade val="50000"/>
+            </a:schemeClr>
+          </a:lnRef>
+          <a:fillRef idx="1">
+            <a:schemeClr val="accent1"/>
+          </a:fillRef>
+          <a:effectRef idx="0">
+            <a:schemeClr val="accent1"/>
+          </a:effectRef>
+          <a:fontRef idx="minor">
+            <a:schemeClr val="lt1"/>
+          </a:fontRef>
+        </p:style>
+        <p:txBody>
+          <a:bodyPr rtlCol="0" anchor="ctr"/>
+          <a:lstStyle/>
+          <a:p>
+            <a:pPr algn="ctr"/>
+            <a:endParaRPr lang="en-US" dirty="0"/>
+          </a:p>
+        </p:txBody>
+      </p:sp>
       <p:sp>
         <p:nvSpPr>
           <p:cNvPr id="2" name="Nadpis 1">
             <a:extLst>
               <a:ext uri="{FF2B5EF4-FFF2-40B4-BE49-F238E27FC236}">
-                <a16:creationId xmlns:a16="http://schemas.microsoft.com/office/drawing/2014/main" id="{0E99DC8A-9F5F-91F1-76D9-FE9EBE476382}"/>
+                <a16:creationId xmlns:a16="http://schemas.microsoft.com/office/drawing/2014/main" id="{B0FD30D7-C057-49CC-A0AC-A9316AA1853C}"/>
               </a:ext>
             </a:extLst>
           </p:cNvPr>
@@ -16209,13 +15281,13 @@
             <a:spLocks noGrp="1"/>
           </p:cNvSpPr>
           <p:nvPr>
-            <p:ph type="ctrTitle"/>
+            <p:ph type="title"/>
           </p:nvPr>
         </p:nvSpPr>
         <p:spPr>
           <a:xfrm>
-            <a:off x="754144" y="542433"/>
-            <a:ext cx="9342356" cy="1048733"/>
+            <a:off x="658879" y="348965"/>
+            <a:ext cx="7543800" cy="1507067"/>
           </a:xfrm>
         </p:spPr>
         <p:txBody>
@@ -16226,18 +15298,22 @@
           <a:p>
             <a:pPr algn="ctr"/>
             <a:r>
-              <a:rPr lang="cs-CZ" sz="4400" dirty="0"/>
-              <a:t>Druhy prémiových účtů</a:t>
+              <a:rPr lang="cs-CZ" dirty="0">
+                <a:solidFill>
+                  <a:schemeClr val="bg1"/>
+                </a:solidFill>
+              </a:rPr>
+              <a:t>Premium career</a:t>
             </a:r>
           </a:p>
         </p:txBody>
       </p:sp>
       <p:sp>
         <p:nvSpPr>
-          <p:cNvPr id="3" name="Podnadpis 2">
+          <p:cNvPr id="3" name="Zástupný obsah 2">
             <a:extLst>
               <a:ext uri="{FF2B5EF4-FFF2-40B4-BE49-F238E27FC236}">
-                <a16:creationId xmlns:a16="http://schemas.microsoft.com/office/drawing/2014/main" id="{D16EB82E-C6BC-E2AD-CAC2-10A90B73593C}"/>
+                <a16:creationId xmlns:a16="http://schemas.microsoft.com/office/drawing/2014/main" id="{55710C13-7612-47CA-9A13-0DCB02F142A4}"/>
               </a:ext>
             </a:extLst>
           </p:cNvPr>
@@ -16245,13 +15321,13 @@
             <a:spLocks noGrp="1"/>
           </p:cNvSpPr>
           <p:nvPr>
-            <p:ph type="subTitle" idx="1"/>
+            <p:ph idx="1"/>
           </p:nvPr>
         </p:nvSpPr>
         <p:spPr>
           <a:xfrm>
-            <a:off x="754144" y="2455333"/>
-            <a:ext cx="6400800" cy="2446605"/>
+            <a:off x="684210" y="2873638"/>
+            <a:ext cx="7493137" cy="3615267"/>
           </a:xfrm>
         </p:spPr>
         <p:txBody>
@@ -16260,34 +15336,353 @@
           </a:bodyPr>
           <a:lstStyle/>
           <a:p>
-            <a:pPr marL="342900" indent="-342900">
-              <a:buFont typeface="Arial" panose="020B0604020202020204" pitchFamily="34" charset="0"/>
-              <a:buChar char="•"/>
-            </a:pPr>
             <a:r>
-              <a:rPr lang="cs-CZ"/>
-              <a:t>Prémiová kariéra</a:t>
+              <a:rPr lang="cs-CZ" sz="2400" dirty="0"/>
+              <a:t>Soukromé prohlížení</a:t>
             </a:r>
           </a:p>
           <a:p>
-            <a:endParaRPr lang="cs-CZ"/>
-          </a:p>
-          <a:p>
-            <a:endParaRPr lang="cs-CZ" dirty="0"/>
-          </a:p>
-          <a:p>
-            <a:pPr marL="342900" indent="-342900">
-              <a:buFont typeface="Arial" panose="020B0604020202020204" pitchFamily="34" charset="0"/>
-              <a:buChar char="•"/>
-            </a:pPr>
-            <a:endParaRPr lang="cs-CZ" dirty="0"/>
-          </a:p>
-        </p:txBody>
-      </p:sp>
+            <a:endParaRPr lang="cs-CZ" sz="2400" dirty="0"/>
+          </a:p>
+          <a:p>
+            <a:r>
+              <a:rPr lang="cs-CZ" sz="2400" dirty="0"/>
+              <a:t>Informace o uchazečích</a:t>
+            </a:r>
+          </a:p>
+          <a:p>
+            <a:endParaRPr lang="cs-CZ" sz="2400" dirty="0"/>
+          </a:p>
+          <a:p>
+            <a:r>
+              <a:rPr lang="cs-CZ" sz="2400" dirty="0"/>
+              <a:t>Přímé zasílání zpráv</a:t>
+            </a:r>
+          </a:p>
+        </p:txBody>
+      </p:sp>
+      <p:pic>
+        <p:nvPicPr>
+          <p:cNvPr id="5" name="Picture 4" descr="Koule tvořená sítí a uzly">
+            <a:extLst>
+              <a:ext uri="{FF2B5EF4-FFF2-40B4-BE49-F238E27FC236}">
+                <a16:creationId xmlns:a16="http://schemas.microsoft.com/office/drawing/2014/main" id="{88E772C4-8D2F-56A5-976F-E08F8C1F29EC}"/>
+              </a:ext>
+            </a:extLst>
+          </p:cNvPr>
+          <p:cNvPicPr>
+            <a:picLocks noChangeAspect="1"/>
+          </p:cNvPicPr>
+          <p:nvPr/>
+        </p:nvPicPr>
+        <p:blipFill rotWithShape="1">
+          <a:blip r:embed="rId3"/>
+          <a:srcRect l="47059" r="16071"/>
+          <a:stretch/>
+        </p:blipFill>
+        <p:spPr>
+          <a:xfrm>
+            <a:off x="8820603" y="10"/>
+            <a:ext cx="3371397" cy="6857990"/>
+          </a:xfrm>
+          <a:prstGeom prst="rect">
+            <a:avLst/>
+          </a:prstGeom>
+          <a:effectLst>
+            <a:innerShdw blurRad="57150" dist="38100" dir="14460000">
+              <a:prstClr val="black">
+                <a:alpha val="70000"/>
+              </a:prstClr>
+            </a:innerShdw>
+          </a:effectLst>
+        </p:spPr>
+      </p:pic>
+      <p:grpSp>
+        <p:nvGrpSpPr>
+          <p:cNvPr id="11" name="Group 10">
+            <a:extLst>
+              <a:ext uri="{FF2B5EF4-FFF2-40B4-BE49-F238E27FC236}">
+                <a16:creationId xmlns:a16="http://schemas.microsoft.com/office/drawing/2014/main" id="{94749DEA-AC6C-4834-A330-03A1796B8929}"/>
+              </a:ext>
+              <a:ext uri="{C183D7F6-B498-43B3-948B-1728B52AA6E4}">
+                <adec:decorative xmlns:adec="http://schemas.microsoft.com/office/drawing/2017/decorative" val="1"/>
+              </a:ext>
+            </a:extLst>
+          </p:cNvPr>
+          <p:cNvGrpSpPr>
+            <a:grpSpLocks noGrp="1" noUngrp="1" noRot="1" noChangeAspect="1" noMove="1" noResize="1"/>
+          </p:cNvGrpSpPr>
+          <p:nvPr>
+            <p:extLst>
+              <p:ext uri="{386F3935-93C4-4BCD-93E2-E3B085C9AB24}">
+                <p16:designElem xmlns:p16="http://schemas.microsoft.com/office/powerpoint/2015/main" val="1"/>
+              </p:ext>
+            </p:extLst>
+          </p:nvPr>
+        </p:nvGrpSpPr>
+        <p:grpSpPr>
+          <a:xfrm>
+            <a:off x="9206969" y="2963333"/>
+            <a:ext cx="2981858" cy="3208867"/>
+            <a:chOff x="9206969" y="2963333"/>
+            <a:chExt cx="2981858" cy="3208867"/>
+          </a:xfrm>
+        </p:grpSpPr>
+        <p:cxnSp>
+          <p:nvCxnSpPr>
+            <p:cNvPr id="12" name="Straight Connector 11">
+              <a:extLst>
+                <a:ext uri="{FF2B5EF4-FFF2-40B4-BE49-F238E27FC236}">
+                  <a16:creationId xmlns:a16="http://schemas.microsoft.com/office/drawing/2014/main" id="{20CBC5D1-BAF0-454E-9D7C-68370AA9545E}"/>
+                </a:ext>
+                <a:ext uri="{C183D7F6-B498-43B3-948B-1728B52AA6E4}">
+                  <adec:decorative xmlns:adec="http://schemas.microsoft.com/office/drawing/2017/decorative" val="1"/>
+                </a:ext>
+              </a:extLst>
+            </p:cNvPr>
+            <p:cNvCxnSpPr/>
+            <p:nvPr>
+              <p:extLst>
+                <p:ext uri="{386F3935-93C4-4BCD-93E2-E3B085C9AB24}">
+                  <p16:designElem xmlns:p16="http://schemas.microsoft.com/office/powerpoint/2015/main" val="1"/>
+                </p:ext>
+              </p:extLst>
+            </p:nvPr>
+          </p:nvCxnSpPr>
+          <p:spPr>
+            <a:xfrm flipH="1">
+              <a:off x="11276012" y="2963333"/>
+              <a:ext cx="912814" cy="912812"/>
+            </a:xfrm>
+            <a:prstGeom prst="line">
+              <a:avLst/>
+            </a:prstGeom>
+            <a:ln w="9525">
+              <a:solidFill>
+                <a:schemeClr val="tx1"/>
+              </a:solidFill>
+            </a:ln>
+          </p:spPr>
+          <p:style>
+            <a:lnRef idx="2">
+              <a:schemeClr val="accent1"/>
+            </a:lnRef>
+            <a:fillRef idx="0">
+              <a:schemeClr val="accent1"/>
+            </a:fillRef>
+            <a:effectRef idx="1">
+              <a:schemeClr val="accent1"/>
+            </a:effectRef>
+            <a:fontRef idx="minor">
+              <a:schemeClr val="tx1"/>
+            </a:fontRef>
+          </p:style>
+        </p:cxnSp>
+        <p:cxnSp>
+          <p:nvCxnSpPr>
+            <p:cNvPr id="13" name="Straight Connector 12">
+              <a:extLst>
+                <a:ext uri="{FF2B5EF4-FFF2-40B4-BE49-F238E27FC236}">
+                  <a16:creationId xmlns:a16="http://schemas.microsoft.com/office/drawing/2014/main" id="{8ABB9F45-32F7-4915-A94F-F1E34B32DEDC}"/>
+                </a:ext>
+                <a:ext uri="{C183D7F6-B498-43B3-948B-1728B52AA6E4}">
+                  <adec:decorative xmlns:adec="http://schemas.microsoft.com/office/drawing/2017/decorative" val="1"/>
+                </a:ext>
+              </a:extLst>
+            </p:cNvPr>
+            <p:cNvCxnSpPr/>
+            <p:nvPr>
+              <p:extLst>
+                <p:ext uri="{386F3935-93C4-4BCD-93E2-E3B085C9AB24}">
+                  <p16:designElem xmlns:p16="http://schemas.microsoft.com/office/powerpoint/2015/main" val="1"/>
+                </p:ext>
+              </p:extLst>
+            </p:nvPr>
+          </p:nvCxnSpPr>
+          <p:spPr>
+            <a:xfrm flipH="1">
+              <a:off x="9206969" y="3190344"/>
+              <a:ext cx="2981857" cy="2981856"/>
+            </a:xfrm>
+            <a:prstGeom prst="line">
+              <a:avLst/>
+            </a:prstGeom>
+            <a:ln w="9525">
+              <a:solidFill>
+                <a:schemeClr val="tx1"/>
+              </a:solidFill>
+            </a:ln>
+          </p:spPr>
+          <p:style>
+            <a:lnRef idx="2">
+              <a:schemeClr val="accent1"/>
+            </a:lnRef>
+            <a:fillRef idx="0">
+              <a:schemeClr val="accent1"/>
+            </a:fillRef>
+            <a:effectRef idx="1">
+              <a:schemeClr val="accent1"/>
+            </a:effectRef>
+            <a:fontRef idx="minor">
+              <a:schemeClr val="tx1"/>
+            </a:fontRef>
+          </p:style>
+        </p:cxnSp>
+        <p:cxnSp>
+          <p:nvCxnSpPr>
+            <p:cNvPr id="14" name="Straight Connector 13">
+              <a:extLst>
+                <a:ext uri="{FF2B5EF4-FFF2-40B4-BE49-F238E27FC236}">
+                  <a16:creationId xmlns:a16="http://schemas.microsoft.com/office/drawing/2014/main" id="{94EA6F09-00FD-4C50-A2DF-D0B1CC4C9AB1}"/>
+                </a:ext>
+                <a:ext uri="{C183D7F6-B498-43B3-948B-1728B52AA6E4}">
+                  <adec:decorative xmlns:adec="http://schemas.microsoft.com/office/drawing/2017/decorative" val="1"/>
+                </a:ext>
+              </a:extLst>
+            </p:cNvPr>
+            <p:cNvCxnSpPr/>
+            <p:nvPr>
+              <p:extLst>
+                <p:ext uri="{386F3935-93C4-4BCD-93E2-E3B085C9AB24}">
+                  <p16:designElem xmlns:p16="http://schemas.microsoft.com/office/powerpoint/2015/main" val="1"/>
+                </p:ext>
+              </p:extLst>
+            </p:nvPr>
+          </p:nvCxnSpPr>
+          <p:spPr>
+            <a:xfrm flipH="1">
+              <a:off x="10292292" y="3285067"/>
+              <a:ext cx="1896534" cy="1896533"/>
+            </a:xfrm>
+            <a:prstGeom prst="line">
+              <a:avLst/>
+            </a:prstGeom>
+            <a:ln w="9525">
+              <a:solidFill>
+                <a:schemeClr val="tx1"/>
+              </a:solidFill>
+            </a:ln>
+          </p:spPr>
+          <p:style>
+            <a:lnRef idx="2">
+              <a:schemeClr val="accent1"/>
+            </a:lnRef>
+            <a:fillRef idx="0">
+              <a:schemeClr val="accent1"/>
+            </a:fillRef>
+            <a:effectRef idx="1">
+              <a:schemeClr val="accent1"/>
+            </a:effectRef>
+            <a:fontRef idx="minor">
+              <a:schemeClr val="tx1"/>
+            </a:fontRef>
+          </p:style>
+        </p:cxnSp>
+        <p:cxnSp>
+          <p:nvCxnSpPr>
+            <p:cNvPr id="15" name="Straight Connector 14">
+              <a:extLst>
+                <a:ext uri="{FF2B5EF4-FFF2-40B4-BE49-F238E27FC236}">
+                  <a16:creationId xmlns:a16="http://schemas.microsoft.com/office/drawing/2014/main" id="{4B8B975B-2618-4734-A401-FAB74519010B}"/>
+                </a:ext>
+                <a:ext uri="{C183D7F6-B498-43B3-948B-1728B52AA6E4}">
+                  <adec:decorative xmlns:adec="http://schemas.microsoft.com/office/drawing/2017/decorative" val="1"/>
+                </a:ext>
+              </a:extLst>
+            </p:cNvPr>
+            <p:cNvCxnSpPr/>
+            <p:nvPr>
+              <p:extLst>
+                <p:ext uri="{386F3935-93C4-4BCD-93E2-E3B085C9AB24}">
+                  <p16:designElem xmlns:p16="http://schemas.microsoft.com/office/powerpoint/2015/main" val="1"/>
+                </p:ext>
+              </p:extLst>
+            </p:nvPr>
+          </p:nvCxnSpPr>
+          <p:spPr>
+            <a:xfrm flipH="1">
+              <a:off x="10443103" y="3131080"/>
+              <a:ext cx="1745722" cy="1745720"/>
+            </a:xfrm>
+            <a:prstGeom prst="line">
+              <a:avLst/>
+            </a:prstGeom>
+            <a:ln w="28575">
+              <a:solidFill>
+                <a:schemeClr val="tx1"/>
+              </a:solidFill>
+            </a:ln>
+          </p:spPr>
+          <p:style>
+            <a:lnRef idx="2">
+              <a:schemeClr val="accent1"/>
+            </a:lnRef>
+            <a:fillRef idx="0">
+              <a:schemeClr val="accent1"/>
+            </a:fillRef>
+            <a:effectRef idx="1">
+              <a:schemeClr val="accent1"/>
+            </a:effectRef>
+            <a:fontRef idx="minor">
+              <a:schemeClr val="tx1"/>
+            </a:fontRef>
+          </p:style>
+        </p:cxnSp>
+        <p:cxnSp>
+          <p:nvCxnSpPr>
+            <p:cNvPr id="16" name="Straight Connector 15">
+              <a:extLst>
+                <a:ext uri="{FF2B5EF4-FFF2-40B4-BE49-F238E27FC236}">
+                  <a16:creationId xmlns:a16="http://schemas.microsoft.com/office/drawing/2014/main" id="{4EF4B123-0577-4F10-986B-6BD86396ABBE}"/>
+                </a:ext>
+                <a:ext uri="{C183D7F6-B498-43B3-948B-1728B52AA6E4}">
+                  <adec:decorative xmlns:adec="http://schemas.microsoft.com/office/drawing/2017/decorative" val="1"/>
+                </a:ext>
+              </a:extLst>
+            </p:cNvPr>
+            <p:cNvCxnSpPr/>
+            <p:nvPr>
+              <p:extLst>
+                <p:ext uri="{386F3935-93C4-4BCD-93E2-E3B085C9AB24}">
+                  <p16:designElem xmlns:p16="http://schemas.microsoft.com/office/powerpoint/2015/main" val="1"/>
+                </p:ext>
+              </p:extLst>
+            </p:nvPr>
+          </p:nvCxnSpPr>
+          <p:spPr>
+            <a:xfrm flipH="1">
+              <a:off x="10918826" y="3683001"/>
+              <a:ext cx="1270001" cy="1269999"/>
+            </a:xfrm>
+            <a:prstGeom prst="line">
+              <a:avLst/>
+            </a:prstGeom>
+            <a:ln w="28575">
+              <a:solidFill>
+                <a:schemeClr val="tx1"/>
+              </a:solidFill>
+            </a:ln>
+          </p:spPr>
+          <p:style>
+            <a:lnRef idx="2">
+              <a:schemeClr val="accent1"/>
+            </a:lnRef>
+            <a:fillRef idx="0">
+              <a:schemeClr val="accent1"/>
+            </a:fillRef>
+            <a:effectRef idx="1">
+              <a:schemeClr val="accent1"/>
+            </a:effectRef>
+            <a:fontRef idx="minor">
+              <a:schemeClr val="tx1"/>
+            </a:fontRef>
+          </p:style>
+        </p:cxnSp>
+      </p:grpSp>
     </p:spTree>
     <p:extLst>
       <p:ext uri="{BB962C8B-B14F-4D97-AF65-F5344CB8AC3E}">
-        <p14:creationId xmlns:p14="http://schemas.microsoft.com/office/powerpoint/2010/main" val="3968009670"/>
+        <p14:creationId xmlns:p14="http://schemas.microsoft.com/office/powerpoint/2010/main" val="812318926"/>
       </p:ext>
     </p:extLst>
   </p:cSld>
@@ -16449,7 +15844,7 @@
         </p:nvSpPr>
         <p:spPr>
           <a:xfrm>
-            <a:off x="684211" y="685800"/>
+            <a:off x="709399" y="1625598"/>
             <a:ext cx="7493137" cy="3615267"/>
           </a:xfrm>
         </p:spPr>
@@ -16458,6 +15853,24 @@
             <a:normAutofit/>
           </a:bodyPr>
           <a:lstStyle/>
+          <a:p>
+            <a:r>
+              <a:rPr lang="cs-CZ" sz="2400" dirty="0"/>
+              <a:t>Neomezený přístup k LinkedIn</a:t>
+            </a:r>
+          </a:p>
+          <a:p>
+            <a:endParaRPr lang="cs-CZ" sz="2400" dirty="0"/>
+          </a:p>
+          <a:p>
+            <a:r>
+              <a:rPr lang="cs-CZ" sz="2400" dirty="0"/>
+              <a:t>Kdo si zobrazil váš profil</a:t>
+            </a:r>
+          </a:p>
+          <a:p>
+            <a:endParaRPr lang="cs-CZ" dirty="0"/>
+          </a:p>
           <a:p>
             <a:endParaRPr lang="cs-CZ" dirty="0"/>
           </a:p>
@@ -16784,7 +16197,7 @@
     </p:spTree>
     <p:extLst>
       <p:ext uri="{BB962C8B-B14F-4D97-AF65-F5344CB8AC3E}">
-        <p14:creationId xmlns:p14="http://schemas.microsoft.com/office/powerpoint/2010/main" val="812318926"/>
+        <p14:creationId xmlns:p14="http://schemas.microsoft.com/office/powerpoint/2010/main" val="252957331"/>
       </p:ext>
     </p:extLst>
   </p:cSld>
@@ -16914,7 +16327,7 @@
         </p:nvSpPr>
         <p:spPr>
           <a:xfrm>
-            <a:off x="684212" y="4487332"/>
+            <a:off x="658879" y="235843"/>
             <a:ext cx="7543800" cy="1507067"/>
           </a:xfrm>
         </p:spPr>
@@ -16924,7 +16337,15 @@
           </a:bodyPr>
           <a:lstStyle/>
           <a:p>
-            <a:endParaRPr lang="cs-CZ" dirty="0"/>
+            <a:pPr algn="ctr"/>
+            <a:r>
+              <a:rPr lang="cs-CZ" dirty="0">
+                <a:solidFill>
+                  <a:schemeClr val="bg1"/>
+                </a:solidFill>
+              </a:rPr>
+              <a:t>Premium business</a:t>
+            </a:r>
           </a:p>
         </p:txBody>
       </p:sp>
@@ -16946,7 +16367,7 @@
         </p:nvSpPr>
         <p:spPr>
           <a:xfrm>
-            <a:off x="684211" y="685800"/>
+            <a:off x="684210" y="2510366"/>
             <a:ext cx="7493137" cy="3615267"/>
           </a:xfrm>
         </p:spPr>
@@ -16956,7 +16377,19 @@
           </a:bodyPr>
           <a:lstStyle/>
           <a:p>
-            <a:endParaRPr lang="cs-CZ" dirty="0"/>
+            <a:r>
+              <a:rPr lang="cs-CZ" sz="2400" dirty="0"/>
+              <a:t>Neomezené prohlížení profilů</a:t>
+            </a:r>
+          </a:p>
+          <a:p>
+            <a:endParaRPr lang="cs-CZ" sz="2400" dirty="0"/>
+          </a:p>
+          <a:p>
+            <a:r>
+              <a:rPr lang="cs-CZ" sz="2400" dirty="0"/>
+              <a:t>Obchodní informace</a:t>
+            </a:r>
           </a:p>
         </p:txBody>
       </p:sp>

--- a/Jelinek.pptx
+++ b/Jelinek.pptx
@@ -5,7 +5,7 @@
     <p:sldMasterId id="2147483660" r:id="rId1"/>
   </p:sldMasterIdLst>
   <p:notesMasterIdLst>
-    <p:notesMasterId r:id="rId21"/>
+    <p:notesMasterId r:id="rId20"/>
   </p:notesMasterIdLst>
   <p:sldIdLst>
     <p:sldId id="256" r:id="rId2"/>
@@ -17,16 +17,15 @@
     <p:sldId id="272" r:id="rId8"/>
     <p:sldId id="277" r:id="rId9"/>
     <p:sldId id="270" r:id="rId10"/>
-    <p:sldId id="271" r:id="rId11"/>
-    <p:sldId id="269" r:id="rId12"/>
-    <p:sldId id="268" r:id="rId13"/>
-    <p:sldId id="266" r:id="rId14"/>
-    <p:sldId id="264" r:id="rId15"/>
-    <p:sldId id="265" r:id="rId16"/>
+    <p:sldId id="269" r:id="rId11"/>
+    <p:sldId id="268" r:id="rId12"/>
+    <p:sldId id="266" r:id="rId13"/>
+    <p:sldId id="264" r:id="rId14"/>
+    <p:sldId id="265" r:id="rId15"/>
+    <p:sldId id="260" r:id="rId16"/>
     <p:sldId id="259" r:id="rId17"/>
-    <p:sldId id="260" r:id="rId18"/>
-    <p:sldId id="262" r:id="rId19"/>
-    <p:sldId id="261" r:id="rId20"/>
+    <p:sldId id="262" r:id="rId18"/>
+    <p:sldId id="261" r:id="rId19"/>
   </p:sldIdLst>
   <p:sldSz cx="12192000" cy="6858000"/>
   <p:notesSz cx="6858000" cy="9144000"/>
@@ -862,7 +861,10 @@
               <a:buFont typeface="+mj-lt"/>
               <a:buAutoNum type="arabicPeriod"/>
             </a:pPr>
-            <a:endParaRPr lang="cs-CZ" dirty="0"/>
+            <a:r>
+              <a:rPr lang="cs-CZ" dirty="0"/>
+              <a:t>30 kreditů</a:t>
+            </a:r>
           </a:p>
         </p:txBody>
       </p:sp>
@@ -892,7 +894,7 @@
     </p:spTree>
     <p:extLst>
       <p:ext uri="{BB962C8B-B14F-4D97-AF65-F5344CB8AC3E}">
-        <p14:creationId xmlns:p14="http://schemas.microsoft.com/office/powerpoint/2010/main" val="2221048654"/>
+        <p14:creationId xmlns:p14="http://schemas.microsoft.com/office/powerpoint/2010/main" val="3599003938"/>
       </p:ext>
     </p:extLst>
   </p:cSld>
@@ -950,10 +952,7 @@
               <a:buFont typeface="+mj-lt"/>
               <a:buAutoNum type="arabicPeriod"/>
             </a:pPr>
-            <a:r>
-              <a:rPr lang="cs-CZ" dirty="0"/>
-              <a:t>30 kreditů</a:t>
-            </a:r>
+            <a:endParaRPr lang="cs-CZ" dirty="0"/>
           </a:p>
         </p:txBody>
       </p:sp>
@@ -983,7 +982,7 @@
     </p:spTree>
     <p:extLst>
       <p:ext uri="{BB962C8B-B14F-4D97-AF65-F5344CB8AC3E}">
-        <p14:creationId xmlns:p14="http://schemas.microsoft.com/office/powerpoint/2010/main" val="3599003938"/>
+        <p14:creationId xmlns:p14="http://schemas.microsoft.com/office/powerpoint/2010/main" val="3870885248"/>
       </p:ext>
     </p:extLst>
   </p:cSld>
@@ -1037,11 +1036,24 @@
           <a:bodyPr/>
           <a:lstStyle/>
           <a:p>
-            <a:pPr marL="228600" indent="-228600">
+            <a:pPr marL="0" indent="0">
               <a:buFont typeface="+mj-lt"/>
-              <a:buAutoNum type="arabicPeriod"/>
+              <a:buNone/>
             </a:pPr>
-            <a:endParaRPr lang="cs-CZ" dirty="0"/>
+            <a:r>
+              <a:rPr lang="cs-CZ" dirty="0"/>
+              <a:t>3. Spojuje studenty s odborníky</a:t>
+            </a:r>
+          </a:p>
+          <a:p>
+            <a:pPr marL="0" indent="0">
+              <a:buFont typeface="+mj-lt"/>
+              <a:buNone/>
+            </a:pPr>
+            <a:r>
+              <a:rPr lang="cs-CZ" dirty="0"/>
+              <a:t>Mohou se připojit ke skupinám a doporučovat kurzy</a:t>
+            </a:r>
           </a:p>
         </p:txBody>
       </p:sp>
@@ -1071,7 +1083,7 @@
     </p:spTree>
     <p:extLst>
       <p:ext uri="{BB962C8B-B14F-4D97-AF65-F5344CB8AC3E}">
-        <p14:creationId xmlns:p14="http://schemas.microsoft.com/office/powerpoint/2010/main" val="3870885248"/>
+        <p14:creationId xmlns:p14="http://schemas.microsoft.com/office/powerpoint/2010/main" val="293896525"/>
       </p:ext>
     </p:extLst>
   </p:cSld>
@@ -1125,11 +1137,34 @@
           <a:bodyPr/>
           <a:lstStyle/>
           <a:p>
+            <a:pPr marL="228600" indent="-228600">
+              <a:buFont typeface="+mj-lt"/>
+              <a:buAutoNum type="arabicPeriod"/>
+            </a:pPr>
+            <a:r>
+              <a:rPr lang="cs-CZ" dirty="0"/>
+              <a:t>Odpovídá mezerám v dovednostech studentů a profesních cílů</a:t>
+            </a:r>
+          </a:p>
+          <a:p>
             <a:pPr marL="0" indent="0">
               <a:buFont typeface="+mj-lt"/>
               <a:buNone/>
             </a:pPr>
-            <a:endParaRPr lang="cs-CZ" dirty="0"/>
+            <a:r>
+              <a:rPr lang="cs-CZ" dirty="0"/>
+              <a:t>Pomáhá organizacím a lidem budovat jejich dovednosti, které potřebují. </a:t>
+            </a:r>
+          </a:p>
+          <a:p>
+            <a:pPr marL="0" indent="0">
+              <a:buFont typeface="+mj-lt"/>
+              <a:buNone/>
+            </a:pPr>
+            <a:r>
+              <a:rPr lang="cs-CZ" dirty="0"/>
+              <a:t>3.   </a:t>
+            </a:r>
           </a:p>
         </p:txBody>
       </p:sp>
@@ -1159,7 +1194,7 @@
     </p:spTree>
     <p:extLst>
       <p:ext uri="{BB962C8B-B14F-4D97-AF65-F5344CB8AC3E}">
-        <p14:creationId xmlns:p14="http://schemas.microsoft.com/office/powerpoint/2010/main" val="293896525"/>
+        <p14:creationId xmlns:p14="http://schemas.microsoft.com/office/powerpoint/2010/main" val="2458774059"/>
       </p:ext>
     </p:extLst>
   </p:cSld>
@@ -1216,6 +1251,46 @@
             <a:pPr marL="228600" indent="-228600">
               <a:buFont typeface="+mj-lt"/>
               <a:buAutoNum type="arabicPeriod"/>
+            </a:pPr>
+            <a:r>
+              <a:rPr lang="cs-CZ" dirty="0"/>
+              <a:t>Usnadňuje propojení mezi ostatními uživateli LinkedIn.</a:t>
+            </a:r>
+          </a:p>
+          <a:p>
+            <a:pPr marL="0" indent="0">
+              <a:buFont typeface="+mj-lt"/>
+              <a:buNone/>
+            </a:pPr>
+            <a:r>
+              <a:rPr lang="cs-CZ" dirty="0"/>
+              <a:t>Každá zpráva vyžaduje kredit.</a:t>
+            </a:r>
+          </a:p>
+          <a:p>
+            <a:pPr marL="0" indent="0">
+              <a:buFont typeface="+mj-lt"/>
+              <a:buNone/>
+            </a:pPr>
+            <a:r>
+              <a:rPr lang="cs-CZ" dirty="0"/>
+              <a:t>Kredit se dobijí na konci měsíce</a:t>
+            </a:r>
+          </a:p>
+          <a:p>
+            <a:pPr marL="0" indent="0">
+              <a:buFont typeface="+mj-lt"/>
+              <a:buNone/>
+            </a:pPr>
+            <a:r>
+              <a:rPr lang="cs-CZ" dirty="0"/>
+              <a:t>Každý prémiový účet na omezený počet kreditu</a:t>
+            </a:r>
+          </a:p>
+          <a:p>
+            <a:pPr marL="0" indent="0">
+              <a:buFont typeface="+mj-lt"/>
+              <a:buNone/>
             </a:pPr>
             <a:endParaRPr lang="cs-CZ" dirty="0"/>
           </a:p>
@@ -1335,7 +1410,7 @@
     </p:spTree>
     <p:extLst>
       <p:ext uri="{BB962C8B-B14F-4D97-AF65-F5344CB8AC3E}">
-        <p14:creationId xmlns:p14="http://schemas.microsoft.com/office/powerpoint/2010/main" val="2458774059"/>
+        <p14:creationId xmlns:p14="http://schemas.microsoft.com/office/powerpoint/2010/main" val="1675911232"/>
       </p:ext>
     </p:extLst>
   </p:cSld>
@@ -1415,94 +1490,6 @@
             <a:fld id="{00DDF4D0-8309-4E64-A990-0D427E2DF5D3}" type="slidenum">
               <a:rPr lang="cs-CZ" smtClean="0"/>
               <a:t>18</a:t>
-            </a:fld>
-            <a:endParaRPr lang="cs-CZ" dirty="0"/>
-          </a:p>
-        </p:txBody>
-      </p:sp>
-    </p:spTree>
-    <p:extLst>
-      <p:ext uri="{BB962C8B-B14F-4D97-AF65-F5344CB8AC3E}">
-        <p14:creationId xmlns:p14="http://schemas.microsoft.com/office/powerpoint/2010/main" val="1675911232"/>
-      </p:ext>
-    </p:extLst>
-  </p:cSld>
-  <p:clrMapOvr>
-    <a:masterClrMapping/>
-  </p:clrMapOvr>
-</p:notes>
-</file>
-
-<file path=ppt/notesSlides/notesSlide17.xml><?xml version="1.0" encoding="utf-8"?>
-<p:notes xmlns:a="http://schemas.openxmlformats.org/drawingml/2006/main" xmlns:r="http://schemas.openxmlformats.org/officeDocument/2006/relationships" xmlns:p="http://schemas.openxmlformats.org/presentationml/2006/main">
-  <p:cSld>
-    <p:spTree>
-      <p:nvGrpSpPr>
-        <p:cNvPr id="1" name=""/>
-        <p:cNvGrpSpPr/>
-        <p:nvPr/>
-      </p:nvGrpSpPr>
-      <p:grpSpPr>
-        <a:xfrm>
-          <a:off x="0" y="0"/>
-          <a:ext cx="0" cy="0"/>
-          <a:chOff x="0" y="0"/>
-          <a:chExt cx="0" cy="0"/>
-        </a:xfrm>
-      </p:grpSpPr>
-      <p:sp>
-        <p:nvSpPr>
-          <p:cNvPr id="2" name="Zástupný symbol pro obrázek snímku 1"/>
-          <p:cNvSpPr>
-            <a:spLocks noGrp="1" noRot="1" noChangeAspect="1"/>
-          </p:cNvSpPr>
-          <p:nvPr>
-            <p:ph type="sldImg"/>
-          </p:nvPr>
-        </p:nvSpPr>
-        <p:spPr/>
-      </p:sp>
-      <p:sp>
-        <p:nvSpPr>
-          <p:cNvPr id="3" name="Zástupný symbol pro poznámky 2"/>
-          <p:cNvSpPr>
-            <a:spLocks noGrp="1"/>
-          </p:cNvSpPr>
-          <p:nvPr>
-            <p:ph type="body" idx="1"/>
-          </p:nvPr>
-        </p:nvSpPr>
-        <p:spPr/>
-        <p:txBody>
-          <a:bodyPr/>
-          <a:lstStyle/>
-          <a:p>
-            <a:pPr marL="228600" indent="-228600">
-              <a:buFont typeface="+mj-lt"/>
-              <a:buAutoNum type="arabicPeriod"/>
-            </a:pPr>
-            <a:endParaRPr lang="cs-CZ" dirty="0"/>
-          </a:p>
-        </p:txBody>
-      </p:sp>
-      <p:sp>
-        <p:nvSpPr>
-          <p:cNvPr id="4" name="Zástupný symbol pro číslo snímku 3"/>
-          <p:cNvSpPr>
-            <a:spLocks noGrp="1"/>
-          </p:cNvSpPr>
-          <p:nvPr>
-            <p:ph type="sldNum" sz="quarter" idx="5"/>
-          </p:nvPr>
-        </p:nvSpPr>
-        <p:spPr/>
-        <p:txBody>
-          <a:bodyPr/>
-          <a:lstStyle/>
-          <a:p>
-            <a:fld id="{00DDF4D0-8309-4E64-A990-0D427E2DF5D3}" type="slidenum">
-              <a:rPr lang="cs-CZ" smtClean="0"/>
-              <a:t>19</a:t>
             </a:fld>
             <a:endParaRPr lang="cs-CZ" dirty="0"/>
           </a:p>
@@ -2182,7 +2169,10 @@
               <a:buFont typeface="+mj-lt"/>
               <a:buAutoNum type="arabicPeriod"/>
             </a:pPr>
-            <a:endParaRPr lang="cs-CZ" dirty="0"/>
+            <a:r>
+              <a:rPr lang="cs-CZ" dirty="0"/>
+              <a:t>50 kreditů</a:t>
+            </a:r>
           </a:p>
         </p:txBody>
       </p:sp>
@@ -2212,7 +2202,7 @@
     </p:spTree>
     <p:extLst>
       <p:ext uri="{BB962C8B-B14F-4D97-AF65-F5344CB8AC3E}">
-        <p14:creationId xmlns:p14="http://schemas.microsoft.com/office/powerpoint/2010/main" val="2888970641"/>
+        <p14:creationId xmlns:p14="http://schemas.microsoft.com/office/powerpoint/2010/main" val="638928311"/>
       </p:ext>
     </p:extLst>
   </p:cSld>
@@ -2270,10 +2260,7 @@
               <a:buFont typeface="+mj-lt"/>
               <a:buAutoNum type="arabicPeriod"/>
             </a:pPr>
-            <a:r>
-              <a:rPr lang="cs-CZ" dirty="0"/>
-              <a:t>50 kreditů</a:t>
-            </a:r>
+            <a:endParaRPr lang="cs-CZ" dirty="0"/>
           </a:p>
         </p:txBody>
       </p:sp>
@@ -2303,7 +2290,7 @@
     </p:spTree>
     <p:extLst>
       <p:ext uri="{BB962C8B-B14F-4D97-AF65-F5344CB8AC3E}">
-        <p14:creationId xmlns:p14="http://schemas.microsoft.com/office/powerpoint/2010/main" val="638928311"/>
+        <p14:creationId xmlns:p14="http://schemas.microsoft.com/office/powerpoint/2010/main" val="2221048654"/>
       </p:ext>
     </p:extLst>
   </p:cSld>
@@ -8277,7 +8264,7 @@
         </p:nvSpPr>
         <p:spPr>
           <a:xfrm>
-            <a:off x="684212" y="4487332"/>
+            <a:off x="658879" y="179283"/>
             <a:ext cx="7543800" cy="1507067"/>
           </a:xfrm>
         </p:spPr>
@@ -8287,7 +8274,15 @@
           </a:bodyPr>
           <a:lstStyle/>
           <a:p>
-            <a:endParaRPr lang="cs-CZ" dirty="0"/>
+            <a:pPr algn="ctr"/>
+            <a:r>
+              <a:rPr lang="cs-CZ" dirty="0">
+                <a:solidFill>
+                  <a:schemeClr val="bg1"/>
+                </a:solidFill>
+              </a:rPr>
+              <a:t>Sales navigator core</a:t>
+            </a:r>
           </a:p>
         </p:txBody>
       </p:sp>
@@ -8309,7 +8304,7 @@
         </p:nvSpPr>
         <p:spPr>
           <a:xfrm>
-            <a:off x="684211" y="685800"/>
+            <a:off x="684210" y="2425699"/>
             <a:ext cx="7493137" cy="3615267"/>
           </a:xfrm>
         </p:spPr>
@@ -8319,7 +8314,28 @@
           </a:bodyPr>
           <a:lstStyle/>
           <a:p>
-            <a:endParaRPr lang="cs-CZ" dirty="0"/>
+            <a:r>
+              <a:rPr lang="cs-CZ" sz="2400" dirty="0"/>
+              <a:t>Rozšířené vyhledávání</a:t>
+            </a:r>
+          </a:p>
+          <a:p>
+            <a:endParaRPr lang="cs-CZ" sz="2400" dirty="0"/>
+          </a:p>
+          <a:p>
+            <a:r>
+              <a:rPr lang="cs-CZ" sz="2400" dirty="0"/>
+              <a:t>Samostatné rozhraní</a:t>
+            </a:r>
+          </a:p>
+          <a:p>
+            <a:endParaRPr lang="cs-CZ" sz="2400" dirty="0"/>
+          </a:p>
+          <a:p>
+            <a:r>
+              <a:rPr lang="cs-CZ" sz="2400" dirty="0"/>
+              <a:t>Seznamy potencionálních zákazníku</a:t>
+            </a:r>
           </a:p>
         </p:txBody>
       </p:sp>
@@ -8644,7 +8660,7 @@
     </p:spTree>
     <p:extLst>
       <p:ext uri="{BB962C8B-B14F-4D97-AF65-F5344CB8AC3E}">
-        <p14:creationId xmlns:p14="http://schemas.microsoft.com/office/powerpoint/2010/main" val="912996044"/>
+        <p14:creationId xmlns:p14="http://schemas.microsoft.com/office/powerpoint/2010/main" val="1034294278"/>
       </p:ext>
     </p:extLst>
   </p:cSld>
@@ -8774,7 +8790,7 @@
         </p:nvSpPr>
         <p:spPr>
           <a:xfrm>
-            <a:off x="658879" y="179283"/>
+            <a:off x="684212" y="4487332"/>
             <a:ext cx="7543800" cy="1507067"/>
           </a:xfrm>
         </p:spPr>
@@ -8784,15 +8800,7 @@
           </a:bodyPr>
           <a:lstStyle/>
           <a:p>
-            <a:pPr algn="ctr"/>
-            <a:r>
-              <a:rPr lang="cs-CZ" dirty="0">
-                <a:solidFill>
-                  <a:schemeClr val="bg1"/>
-                </a:solidFill>
-              </a:rPr>
-              <a:t>Sales navigator core</a:t>
-            </a:r>
+            <a:endParaRPr lang="cs-CZ" dirty="0"/>
           </a:p>
         </p:txBody>
       </p:sp>
@@ -8814,7 +8822,7 @@
         </p:nvSpPr>
         <p:spPr>
           <a:xfrm>
-            <a:off x="684210" y="2425699"/>
+            <a:off x="709399" y="1477433"/>
             <a:ext cx="7493137" cy="3615267"/>
           </a:xfrm>
         </p:spPr>
@@ -8826,7 +8834,7 @@
           <a:p>
             <a:r>
               <a:rPr lang="cs-CZ" sz="2400" dirty="0"/>
-              <a:t>Rozšířené vyhledávání</a:t>
+              <a:t>Doručení a uložení potencionálních kontaktů</a:t>
             </a:r>
           </a:p>
           <a:p>
@@ -8835,16 +8843,7 @@
           <a:p>
             <a:r>
               <a:rPr lang="cs-CZ" sz="2400" dirty="0"/>
-              <a:t>Samostatné rozhraní</a:t>
-            </a:r>
-          </a:p>
-          <a:p>
-            <a:endParaRPr lang="cs-CZ" sz="2400" dirty="0"/>
-          </a:p>
-          <a:p>
-            <a:r>
-              <a:rPr lang="cs-CZ" sz="2400" dirty="0"/>
-              <a:t>Seznamy potencionálních zákazníku</a:t>
+              <a:t>Aktualizace a upozornění</a:t>
             </a:r>
           </a:p>
         </p:txBody>
@@ -9170,7 +9169,7 @@
     </p:spTree>
     <p:extLst>
       <p:ext uri="{BB962C8B-B14F-4D97-AF65-F5344CB8AC3E}">
-        <p14:creationId xmlns:p14="http://schemas.microsoft.com/office/powerpoint/2010/main" val="1034294278"/>
+        <p14:creationId xmlns:p14="http://schemas.microsoft.com/office/powerpoint/2010/main" val="272354279"/>
       </p:ext>
     </p:extLst>
   </p:cSld>
@@ -9300,7 +9299,7 @@
         </p:nvSpPr>
         <p:spPr>
           <a:xfrm>
-            <a:off x="684212" y="4487332"/>
+            <a:off x="684067" y="198135"/>
             <a:ext cx="7543800" cy="1507067"/>
           </a:xfrm>
         </p:spPr>
@@ -9310,6 +9309,15 @@
           </a:bodyPr>
           <a:lstStyle/>
           <a:p>
+            <a:pPr algn="ctr"/>
+            <a:r>
+              <a:rPr lang="cs-CZ" dirty="0">
+                <a:solidFill>
+                  <a:schemeClr val="bg1"/>
+                </a:solidFill>
+              </a:rPr>
+              <a:t>Recruiter lite</a:t>
+            </a:r>
             <a:endParaRPr lang="cs-CZ" dirty="0"/>
           </a:p>
         </p:txBody>
@@ -9332,7 +9340,7 @@
         </p:nvSpPr>
         <p:spPr>
           <a:xfrm>
-            <a:off x="709399" y="1477433"/>
+            <a:off x="709398" y="2196306"/>
             <a:ext cx="7493137" cy="3615267"/>
           </a:xfrm>
         </p:spPr>
@@ -9344,7 +9352,7 @@
           <a:p>
             <a:r>
               <a:rPr lang="cs-CZ" sz="2400" dirty="0"/>
-              <a:t>Doručení a uložení potencionálních kontaktů</a:t>
+              <a:t>Rozšířené vyhledávání</a:t>
             </a:r>
           </a:p>
           <a:p>
@@ -9353,7 +9361,16 @@
           <a:p>
             <a:r>
               <a:rPr lang="cs-CZ" sz="2400" dirty="0"/>
-              <a:t>Aktualizace a upozornění</a:t>
+              <a:t>Navrženo pro nábor</a:t>
+            </a:r>
+          </a:p>
+          <a:p>
+            <a:endParaRPr lang="cs-CZ" sz="2400" dirty="0"/>
+          </a:p>
+          <a:p>
+            <a:r>
+              <a:rPr lang="cs-CZ" sz="2400" dirty="0"/>
+              <a:t>Sledování uchazečů</a:t>
             </a:r>
           </a:p>
         </p:txBody>
@@ -9679,7 +9696,7 @@
     </p:spTree>
     <p:extLst>
       <p:ext uri="{BB962C8B-B14F-4D97-AF65-F5344CB8AC3E}">
-        <p14:creationId xmlns:p14="http://schemas.microsoft.com/office/powerpoint/2010/main" val="272354279"/>
+        <p14:creationId xmlns:p14="http://schemas.microsoft.com/office/powerpoint/2010/main" val="522994157"/>
       </p:ext>
     </p:extLst>
   </p:cSld>
@@ -9809,7 +9826,7 @@
         </p:nvSpPr>
         <p:spPr>
           <a:xfrm>
-            <a:off x="684067" y="198135"/>
+            <a:off x="684212" y="4487332"/>
             <a:ext cx="7543800" cy="1507067"/>
           </a:xfrm>
         </p:spPr>
@@ -9819,23 +9836,6 @@
           </a:bodyPr>
           <a:lstStyle/>
           <a:p>
-            <a:pPr algn="ctr"/>
-            <a:r>
-              <a:rPr lang="cs-CZ" dirty="0" err="1">
-                <a:solidFill>
-                  <a:schemeClr val="bg1"/>
-                </a:solidFill>
-              </a:rPr>
-              <a:t>Recruiter</a:t>
-            </a:r>
-            <a:r>
-              <a:rPr lang="cs-CZ" dirty="0">
-                <a:solidFill>
-                  <a:schemeClr val="bg1"/>
-                </a:solidFill>
-              </a:rPr>
-              <a:t> lite</a:t>
-            </a:r>
             <a:endParaRPr lang="cs-CZ" dirty="0"/>
           </a:p>
         </p:txBody>
@@ -9858,7 +9858,7 @@
         </p:nvSpPr>
         <p:spPr>
           <a:xfrm>
-            <a:off x="709398" y="2196306"/>
+            <a:off x="709399" y="1477433"/>
             <a:ext cx="7493137" cy="3615267"/>
           </a:xfrm>
         </p:spPr>
@@ -9870,7 +9870,7 @@
           <a:p>
             <a:r>
               <a:rPr lang="cs-CZ" sz="2400" dirty="0"/>
-              <a:t>Rozšířené vyhledávání</a:t>
+              <a:t>Integrované nábory</a:t>
             </a:r>
           </a:p>
           <a:p>
@@ -9879,16 +9879,7 @@
           <a:p>
             <a:r>
               <a:rPr lang="cs-CZ" sz="2400" dirty="0"/>
-              <a:t>Navrženo pro nábor</a:t>
-            </a:r>
-          </a:p>
-          <a:p>
-            <a:endParaRPr lang="cs-CZ" sz="2400" dirty="0"/>
-          </a:p>
-          <a:p>
-            <a:r>
-              <a:rPr lang="cs-CZ" sz="2400" dirty="0"/>
-              <a:t>Sledování uchazečů</a:t>
+              <a:t>Chytré návrhy</a:t>
             </a:r>
           </a:p>
         </p:txBody>
@@ -10214,7 +10205,7 @@
     </p:spTree>
     <p:extLst>
       <p:ext uri="{BB962C8B-B14F-4D97-AF65-F5344CB8AC3E}">
-        <p14:creationId xmlns:p14="http://schemas.microsoft.com/office/powerpoint/2010/main" val="522994157"/>
+        <p14:creationId xmlns:p14="http://schemas.microsoft.com/office/powerpoint/2010/main" val="2019722117"/>
       </p:ext>
     </p:extLst>
   </p:cSld>
@@ -10344,7 +10335,7 @@
         </p:nvSpPr>
         <p:spPr>
           <a:xfrm>
-            <a:off x="684212" y="4487332"/>
+            <a:off x="658879" y="235844"/>
             <a:ext cx="7543800" cy="1507067"/>
           </a:xfrm>
         </p:spPr>
@@ -10354,7 +10345,15 @@
           </a:bodyPr>
           <a:lstStyle/>
           <a:p>
-            <a:endParaRPr lang="cs-CZ" dirty="0"/>
+            <a:pPr algn="ctr"/>
+            <a:r>
+              <a:rPr lang="cs-CZ" dirty="0">
+                <a:solidFill>
+                  <a:schemeClr val="bg1"/>
+                </a:solidFill>
+              </a:rPr>
+              <a:t>Linkedin learning</a:t>
+            </a:r>
           </a:p>
         </p:txBody>
       </p:sp>
@@ -10376,7 +10375,7 @@
         </p:nvSpPr>
         <p:spPr>
           <a:xfrm>
-            <a:off x="709399" y="1477433"/>
+            <a:off x="684210" y="1875367"/>
             <a:ext cx="7493137" cy="3615267"/>
           </a:xfrm>
         </p:spPr>
@@ -10388,7 +10387,7 @@
           <a:p>
             <a:r>
               <a:rPr lang="cs-CZ" sz="2400" dirty="0"/>
-              <a:t>Integrované nábory</a:t>
+              <a:t>Neomezený přístup k LinkedIn Learning</a:t>
             </a:r>
           </a:p>
           <a:p>
@@ -10397,8 +10396,23 @@
           <a:p>
             <a:r>
               <a:rPr lang="cs-CZ" sz="2400" dirty="0"/>
-              <a:t>Chytré návrhy</a:t>
+              <a:t>Usnadnění poznaní funkcí LinkedIn</a:t>
             </a:r>
+          </a:p>
+          <a:p>
+            <a:endParaRPr lang="cs-CZ" sz="2400" dirty="0"/>
+          </a:p>
+          <a:p>
+            <a:r>
+              <a:rPr lang="cs-CZ" sz="2400" dirty="0"/>
+              <a:t>Interaktivní komunita</a:t>
+            </a:r>
+          </a:p>
+          <a:p>
+            <a:pPr marL="0" indent="0">
+              <a:buNone/>
+            </a:pPr>
+            <a:endParaRPr lang="cs-CZ" sz="2400" dirty="0"/>
           </a:p>
         </p:txBody>
       </p:sp>
@@ -10723,7 +10737,7 @@
     </p:spTree>
     <p:extLst>
       <p:ext uri="{BB962C8B-B14F-4D97-AF65-F5344CB8AC3E}">
-        <p14:creationId xmlns:p14="http://schemas.microsoft.com/office/powerpoint/2010/main" val="2019722117"/>
+        <p14:creationId xmlns:p14="http://schemas.microsoft.com/office/powerpoint/2010/main" val="3543903220"/>
       </p:ext>
     </p:extLst>
   </p:cSld>
@@ -10853,7 +10867,7 @@
         </p:nvSpPr>
         <p:spPr>
           <a:xfrm>
-            <a:off x="658879" y="235844"/>
+            <a:off x="684212" y="4487332"/>
             <a:ext cx="7543800" cy="1507067"/>
           </a:xfrm>
         </p:spPr>
@@ -10863,15 +10877,7 @@
           </a:bodyPr>
           <a:lstStyle/>
           <a:p>
-            <a:pPr algn="ctr"/>
-            <a:r>
-              <a:rPr lang="cs-CZ" dirty="0">
-                <a:solidFill>
-                  <a:schemeClr val="bg1"/>
-                </a:solidFill>
-              </a:rPr>
-              <a:t>Linkedin learning</a:t>
-            </a:r>
+            <a:endParaRPr lang="cs-CZ" dirty="0"/>
           </a:p>
         </p:txBody>
       </p:sp>
@@ -10893,7 +10899,7 @@
         </p:nvSpPr>
         <p:spPr>
           <a:xfrm>
-            <a:off x="684210" y="1875367"/>
+            <a:off x="684211" y="685800"/>
             <a:ext cx="7493137" cy="3615267"/>
           </a:xfrm>
         </p:spPr>
@@ -10905,14 +10911,17 @@
           <a:p>
             <a:r>
               <a:rPr lang="cs-CZ" sz="2400" dirty="0"/>
-              <a:t>Neomezený přístup k LinkedIn Learning</a:t>
+              <a:t>Personalizovaný obsah </a:t>
             </a:r>
           </a:p>
           <a:p>
-            <a:pPr marL="0" indent="0">
-              <a:buNone/>
-            </a:pPr>
             <a:endParaRPr lang="cs-CZ" sz="2400" dirty="0"/>
+          </a:p>
+          <a:p>
+            <a:r>
+              <a:rPr lang="cs-CZ" sz="2400" dirty="0"/>
+              <a:t>Bohaté statistiky</a:t>
+            </a:r>
           </a:p>
         </p:txBody>
       </p:sp>
@@ -11237,7 +11246,7 @@
     </p:spTree>
     <p:extLst>
       <p:ext uri="{BB962C8B-B14F-4D97-AF65-F5344CB8AC3E}">
-        <p14:creationId xmlns:p14="http://schemas.microsoft.com/office/powerpoint/2010/main" val="3543903220"/>
+        <p14:creationId xmlns:p14="http://schemas.microsoft.com/office/powerpoint/2010/main" val="1910957612"/>
       </p:ext>
     </p:extLst>
   </p:cSld>
@@ -11416,6 +11425,15 @@
             <a:normAutofit/>
           </a:bodyPr>
           <a:lstStyle/>
+          <a:p>
+            <a:r>
+              <a:rPr lang="cs-CZ" dirty="0"/>
+              <a:t>E-mailový systém služby LinkedIn</a:t>
+            </a:r>
+          </a:p>
+          <a:p>
+            <a:endParaRPr lang="cs-CZ" dirty="0"/>
+          </a:p>
           <a:p>
             <a:endParaRPr lang="cs-CZ" dirty="0"/>
           </a:p>
@@ -11872,7 +11890,7 @@
         </p:nvSpPr>
         <p:spPr>
           <a:xfrm>
-            <a:off x="684212" y="4487332"/>
+            <a:off x="684211" y="216990"/>
             <a:ext cx="7543800" cy="1507067"/>
           </a:xfrm>
         </p:spPr>
@@ -11882,7 +11900,10 @@
           </a:bodyPr>
           <a:lstStyle/>
           <a:p>
-            <a:endParaRPr lang="cs-CZ" dirty="0"/>
+            <a:r>
+              <a:rPr lang="cs-CZ" dirty="0"/>
+              <a:t>Citace</a:t>
+            </a:r>
           </a:p>
         </p:txBody>
       </p:sp>
@@ -11904,16 +11925,121 @@
         </p:nvSpPr>
         <p:spPr>
           <a:xfrm>
-            <a:off x="684211" y="685800"/>
-            <a:ext cx="7493137" cy="3615267"/>
+            <a:off x="683926" y="1828800"/>
+            <a:ext cx="7493137" cy="4976811"/>
           </a:xfrm>
         </p:spPr>
         <p:txBody>
           <a:bodyPr>
-            <a:normAutofit/>
+            <a:normAutofit fontScale="92500" lnSpcReduction="10000"/>
           </a:bodyPr>
           <a:lstStyle/>
           <a:p>
+            <a:r>
+              <a:rPr lang="cs-CZ" sz="2800" b="0" i="0" dirty="0">
+                <a:solidFill>
+                  <a:srgbClr val="000000"/>
+                </a:solidFill>
+                <a:effectLst/>
+                <a:latin typeface="Century Gothic" panose="020B0502020202020204" pitchFamily="34" charset="0"/>
+              </a:rPr>
+              <a:t>LinkedIn – Wikipedie. [online]. Dostupné z: </a:t>
+            </a:r>
+            <a:r>
+              <a:rPr lang="cs-CZ" sz="2800" b="0" i="0" u="none" strike="noStrike" dirty="0">
+                <a:solidFill>
+                  <a:srgbClr val="000000"/>
+                </a:solidFill>
+                <a:effectLst/>
+                <a:latin typeface="Century Gothic" panose="020B0502020202020204" pitchFamily="34" charset="0"/>
+              </a:rPr>
+              <a:t>https://cs.wikipedia.org/wiki/LinkedIn</a:t>
+            </a:r>
+          </a:p>
+          <a:p>
+            <a:pPr marL="0" indent="0">
+              <a:buNone/>
+            </a:pPr>
+            <a:endParaRPr lang="cs-CZ" sz="2800" b="0" i="0" dirty="0">
+              <a:solidFill>
+                <a:srgbClr val="000000"/>
+              </a:solidFill>
+              <a:effectLst/>
+              <a:latin typeface="Roboto Slab" panose="020B0604020202020204" pitchFamily="2" charset="0"/>
+            </a:endParaRPr>
+          </a:p>
+          <a:p>
+            <a:pPr algn="l"/>
+            <a:r>
+              <a:rPr lang="cs-CZ" sz="2600" b="0" i="0" dirty="0">
+                <a:solidFill>
+                  <a:srgbClr val="000000"/>
+                </a:solidFill>
+                <a:effectLst/>
+                <a:latin typeface="Century Gothic" panose="020B0502020202020204" pitchFamily="34" charset="0"/>
+              </a:rPr>
+              <a:t>Co je LinkedIn a jak ho mohu používat? | LinkedIn Help. </a:t>
+            </a:r>
+            <a:r>
+              <a:rPr lang="cs-CZ" sz="2600" b="0" i="1" dirty="0">
+                <a:solidFill>
+                  <a:srgbClr val="000000"/>
+                </a:solidFill>
+                <a:effectLst/>
+                <a:latin typeface="Century Gothic" panose="020B0502020202020204" pitchFamily="34" charset="0"/>
+              </a:rPr>
+              <a:t>LinkedIn: Log In or Sign Up</a:t>
+            </a:r>
+            <a:r>
+              <a:rPr lang="cs-CZ" sz="2600" b="0" i="0" dirty="0">
+                <a:solidFill>
+                  <a:srgbClr val="000000"/>
+                </a:solidFill>
+                <a:effectLst/>
+                <a:latin typeface="Century Gothic" panose="020B0502020202020204" pitchFamily="34" charset="0"/>
+              </a:rPr>
+              <a:t> [online]. Copyright © 2023 [cit. 19.01.2023]. Dostupné z: </a:t>
+            </a:r>
+            <a:r>
+              <a:rPr lang="cs-CZ" sz="2600" b="0" i="0" u="none" strike="noStrike" dirty="0">
+                <a:solidFill>
+                  <a:srgbClr val="000000"/>
+                </a:solidFill>
+                <a:effectLst/>
+                <a:latin typeface="Century Gothic" panose="020B0502020202020204" pitchFamily="34" charset="0"/>
+              </a:rPr>
+              <a:t>https://www.linkedin.com/help/linkedin/answer/a548442/co-je-linkedin-a-jak-ho-mohu-pouzivat-?lang=cs</a:t>
+            </a:r>
+            <a:endParaRPr lang="cs-CZ" sz="2600" b="0" i="0" dirty="0">
+              <a:solidFill>
+                <a:srgbClr val="000000"/>
+              </a:solidFill>
+              <a:effectLst/>
+              <a:latin typeface="Century Gothic" panose="020B0502020202020204" pitchFamily="34" charset="0"/>
+            </a:endParaRPr>
+          </a:p>
+          <a:p>
+            <a:pPr marL="0" indent="0">
+              <a:buNone/>
+            </a:pPr>
+            <a:br>
+              <a:rPr lang="cs-CZ" b="0" i="0" dirty="0">
+                <a:solidFill>
+                  <a:srgbClr val="FFFFFF"/>
+                </a:solidFill>
+                <a:effectLst/>
+                <a:latin typeface="Roboto Slab" panose="020B0604020202020204" pitchFamily="2" charset="0"/>
+              </a:rPr>
+            </a:br>
+            <a:br>
+              <a:rPr lang="cs-CZ" b="0" i="0" dirty="0">
+                <a:solidFill>
+                  <a:srgbClr val="FFFFFF"/>
+                </a:solidFill>
+                <a:effectLst/>
+                <a:latin typeface="Roboto Slab" panose="020B0604020202020204" pitchFamily="2" charset="0"/>
+              </a:rPr>
+            </a:br>
             <a:endParaRPr lang="cs-CZ" dirty="0"/>
           </a:p>
         </p:txBody>
@@ -12239,7 +12365,7 @@
     </p:spTree>
     <p:extLst>
       <p:ext uri="{BB962C8B-B14F-4D97-AF65-F5344CB8AC3E}">
-        <p14:creationId xmlns:p14="http://schemas.microsoft.com/office/powerpoint/2010/main" val="1910957612"/>
+        <p14:creationId xmlns:p14="http://schemas.microsoft.com/office/powerpoint/2010/main" val="597823284"/>
       </p:ext>
     </p:extLst>
   </p:cSld>
@@ -12250,611 +12376,6 @@
 </file>
 
 <file path=ppt/slides/slide18.xml><?xml version="1.0" encoding="utf-8"?>
-<p:sld xmlns:a="http://schemas.openxmlformats.org/drawingml/2006/main" xmlns:r="http://schemas.openxmlformats.org/officeDocument/2006/relationships" xmlns:p="http://schemas.openxmlformats.org/presentationml/2006/main">
-  <p:cSld>
-    <p:bg>
-      <p:bgPr>
-        <a:gradFill rotWithShape="1">
-          <a:gsLst>
-            <a:gs pos="10000">
-              <a:schemeClr val="bg2">
-                <a:tint val="97000"/>
-                <a:hueMod val="92000"/>
-                <a:satMod val="169000"/>
-                <a:lumMod val="164000"/>
-              </a:schemeClr>
-            </a:gs>
-            <a:gs pos="100000">
-              <a:schemeClr val="bg2">
-                <a:shade val="96000"/>
-                <a:satMod val="120000"/>
-                <a:lumMod val="90000"/>
-              </a:schemeClr>
-            </a:gs>
-          </a:gsLst>
-          <a:lin ang="6120000" scaled="1"/>
-        </a:gradFill>
-        <a:effectLst/>
-      </p:bgPr>
-    </p:bg>
-    <p:spTree>
-      <p:nvGrpSpPr>
-        <p:cNvPr id="1" name=""/>
-        <p:cNvGrpSpPr/>
-        <p:nvPr/>
-      </p:nvGrpSpPr>
-      <p:grpSpPr>
-        <a:xfrm>
-          <a:off x="0" y="0"/>
-          <a:ext cx="0" cy="0"/>
-          <a:chOff x="0" y="0"/>
-          <a:chExt cx="0" cy="0"/>
-        </a:xfrm>
-      </p:grpSpPr>
-      <p:sp useBgFill="1">
-        <p:nvSpPr>
-          <p:cNvPr id="9" name="Rectangle 8">
-            <a:extLst>
-              <a:ext uri="{FF2B5EF4-FFF2-40B4-BE49-F238E27FC236}">
-                <a16:creationId xmlns:a16="http://schemas.microsoft.com/office/drawing/2014/main" id="{929448D9-8F1D-4CFE-93BA-E0272F0DBD6E}"/>
-              </a:ext>
-              <a:ext uri="{C183D7F6-B498-43B3-948B-1728B52AA6E4}">
-                <adec:decorative xmlns:adec="http://schemas.microsoft.com/office/drawing/2017/decorative" val="1"/>
-              </a:ext>
-            </a:extLst>
-          </p:cNvPr>
-          <p:cNvSpPr>
-            <a:spLocks noGrp="1" noRot="1" noChangeAspect="1" noMove="1" noResize="1" noEditPoints="1" noAdjustHandles="1" noChangeArrowheads="1" noChangeShapeType="1" noTextEdit="1"/>
-          </p:cNvSpPr>
-          <p:nvPr>
-            <p:extLst>
-              <p:ext uri="{386F3935-93C4-4BCD-93E2-E3B085C9AB24}">
-                <p16:designElem xmlns:p16="http://schemas.microsoft.com/office/powerpoint/2015/main" val="1"/>
-              </p:ext>
-            </p:extLst>
-          </p:nvPr>
-        </p:nvSpPr>
-        <p:spPr>
-          <a:xfrm>
-            <a:off x="0" y="0"/>
-            <a:ext cx="12192000" cy="6858000"/>
-          </a:xfrm>
-          <a:prstGeom prst="rect">
-            <a:avLst/>
-          </a:prstGeom>
-          <a:ln>
-            <a:noFill/>
-          </a:ln>
-        </p:spPr>
-        <p:style>
-          <a:lnRef idx="2">
-            <a:schemeClr val="accent1">
-              <a:shade val="50000"/>
-            </a:schemeClr>
-          </a:lnRef>
-          <a:fillRef idx="1">
-            <a:schemeClr val="accent1"/>
-          </a:fillRef>
-          <a:effectRef idx="0">
-            <a:schemeClr val="accent1"/>
-          </a:effectRef>
-          <a:fontRef idx="minor">
-            <a:schemeClr val="lt1"/>
-          </a:fontRef>
-        </p:style>
-        <p:txBody>
-          <a:bodyPr rtlCol="0" anchor="ctr"/>
-          <a:lstStyle/>
-          <a:p>
-            <a:pPr algn="ctr"/>
-            <a:endParaRPr lang="en-US" dirty="0"/>
-          </a:p>
-        </p:txBody>
-      </p:sp>
-      <p:sp>
-        <p:nvSpPr>
-          <p:cNvPr id="2" name="Nadpis 1">
-            <a:extLst>
-              <a:ext uri="{FF2B5EF4-FFF2-40B4-BE49-F238E27FC236}">
-                <a16:creationId xmlns:a16="http://schemas.microsoft.com/office/drawing/2014/main" id="{B0FD30D7-C057-49CC-A0AC-A9316AA1853C}"/>
-              </a:ext>
-            </a:extLst>
-          </p:cNvPr>
-          <p:cNvSpPr>
-            <a:spLocks noGrp="1"/>
-          </p:cNvSpPr>
-          <p:nvPr>
-            <p:ph type="title"/>
-          </p:nvPr>
-        </p:nvSpPr>
-        <p:spPr>
-          <a:xfrm>
-            <a:off x="684211" y="216990"/>
-            <a:ext cx="7543800" cy="1507067"/>
-          </a:xfrm>
-        </p:spPr>
-        <p:txBody>
-          <a:bodyPr>
-            <a:normAutofit/>
-          </a:bodyPr>
-          <a:lstStyle/>
-          <a:p>
-            <a:r>
-              <a:rPr lang="cs-CZ" dirty="0"/>
-              <a:t>Citace</a:t>
-            </a:r>
-          </a:p>
-        </p:txBody>
-      </p:sp>
-      <p:sp>
-        <p:nvSpPr>
-          <p:cNvPr id="3" name="Zástupný obsah 2">
-            <a:extLst>
-              <a:ext uri="{FF2B5EF4-FFF2-40B4-BE49-F238E27FC236}">
-                <a16:creationId xmlns:a16="http://schemas.microsoft.com/office/drawing/2014/main" id="{55710C13-7612-47CA-9A13-0DCB02F142A4}"/>
-              </a:ext>
-            </a:extLst>
-          </p:cNvPr>
-          <p:cNvSpPr>
-            <a:spLocks noGrp="1"/>
-          </p:cNvSpPr>
-          <p:nvPr>
-            <p:ph idx="1"/>
-          </p:nvPr>
-        </p:nvSpPr>
-        <p:spPr>
-          <a:xfrm>
-            <a:off x="683926" y="1828800"/>
-            <a:ext cx="7493137" cy="4976811"/>
-          </a:xfrm>
-        </p:spPr>
-        <p:txBody>
-          <a:bodyPr>
-            <a:normAutofit fontScale="92500" lnSpcReduction="10000"/>
-          </a:bodyPr>
-          <a:lstStyle/>
-          <a:p>
-            <a:r>
-              <a:rPr lang="cs-CZ" sz="2800" b="0" i="0" dirty="0">
-                <a:solidFill>
-                  <a:srgbClr val="000000"/>
-                </a:solidFill>
-                <a:effectLst/>
-                <a:latin typeface="Century Gothic" panose="020B0502020202020204" pitchFamily="34" charset="0"/>
-              </a:rPr>
-              <a:t>LinkedIn – Wikipedie. [online]. Dostupné z: </a:t>
-            </a:r>
-            <a:r>
-              <a:rPr lang="cs-CZ" sz="2800" b="0" i="0" u="none" strike="noStrike" dirty="0">
-                <a:solidFill>
-                  <a:srgbClr val="000000"/>
-                </a:solidFill>
-                <a:effectLst/>
-                <a:latin typeface="Century Gothic" panose="020B0502020202020204" pitchFamily="34" charset="0"/>
-              </a:rPr>
-              <a:t>https://cs.wikipedia.org/wiki/LinkedIn</a:t>
-            </a:r>
-          </a:p>
-          <a:p>
-            <a:pPr marL="0" indent="0">
-              <a:buNone/>
-            </a:pPr>
-            <a:endParaRPr lang="cs-CZ" sz="2800" b="0" i="0" dirty="0">
-              <a:solidFill>
-                <a:srgbClr val="000000"/>
-              </a:solidFill>
-              <a:effectLst/>
-              <a:latin typeface="Roboto Slab" panose="020B0604020202020204" pitchFamily="2" charset="0"/>
-            </a:endParaRPr>
-          </a:p>
-          <a:p>
-            <a:pPr algn="l"/>
-            <a:r>
-              <a:rPr lang="cs-CZ" sz="2600" b="0" i="0" dirty="0">
-                <a:solidFill>
-                  <a:srgbClr val="000000"/>
-                </a:solidFill>
-                <a:effectLst/>
-                <a:latin typeface="Century Gothic" panose="020B0502020202020204" pitchFamily="34" charset="0"/>
-              </a:rPr>
-              <a:t>Co je LinkedIn a jak ho mohu používat? | LinkedIn Help. </a:t>
-            </a:r>
-            <a:r>
-              <a:rPr lang="cs-CZ" sz="2600" b="0" i="1" dirty="0">
-                <a:solidFill>
-                  <a:srgbClr val="000000"/>
-                </a:solidFill>
-                <a:effectLst/>
-                <a:latin typeface="Century Gothic" panose="020B0502020202020204" pitchFamily="34" charset="0"/>
-              </a:rPr>
-              <a:t>LinkedIn: Log In or Sign Up</a:t>
-            </a:r>
-            <a:r>
-              <a:rPr lang="cs-CZ" sz="2600" b="0" i="0" dirty="0">
-                <a:solidFill>
-                  <a:srgbClr val="000000"/>
-                </a:solidFill>
-                <a:effectLst/>
-                <a:latin typeface="Century Gothic" panose="020B0502020202020204" pitchFamily="34" charset="0"/>
-              </a:rPr>
-              <a:t> [online]. Copyright © 2023 [cit. 19.01.2023]. Dostupné z: </a:t>
-            </a:r>
-            <a:r>
-              <a:rPr lang="cs-CZ" sz="2600" b="0" i="0" u="none" strike="noStrike" dirty="0">
-                <a:solidFill>
-                  <a:srgbClr val="000000"/>
-                </a:solidFill>
-                <a:effectLst/>
-                <a:latin typeface="Century Gothic" panose="020B0502020202020204" pitchFamily="34" charset="0"/>
-              </a:rPr>
-              <a:t>https://www.linkedin.com/help/linkedin/answer/a548442/co-je-linkedin-a-jak-ho-mohu-pouzivat-?lang=cs</a:t>
-            </a:r>
-            <a:endParaRPr lang="cs-CZ" sz="2600" b="0" i="0" dirty="0">
-              <a:solidFill>
-                <a:srgbClr val="000000"/>
-              </a:solidFill>
-              <a:effectLst/>
-              <a:latin typeface="Century Gothic" panose="020B0502020202020204" pitchFamily="34" charset="0"/>
-            </a:endParaRPr>
-          </a:p>
-          <a:p>
-            <a:pPr marL="0" indent="0">
-              <a:buNone/>
-            </a:pPr>
-            <a:br>
-              <a:rPr lang="cs-CZ" b="0" i="0" dirty="0">
-                <a:solidFill>
-                  <a:srgbClr val="FFFFFF"/>
-                </a:solidFill>
-                <a:effectLst/>
-                <a:latin typeface="Roboto Slab" panose="020B0604020202020204" pitchFamily="2" charset="0"/>
-              </a:rPr>
-            </a:br>
-            <a:br>
-              <a:rPr lang="cs-CZ" b="0" i="0" dirty="0">
-                <a:solidFill>
-                  <a:srgbClr val="FFFFFF"/>
-                </a:solidFill>
-                <a:effectLst/>
-                <a:latin typeface="Roboto Slab" panose="020B0604020202020204" pitchFamily="2" charset="0"/>
-              </a:rPr>
-            </a:br>
-            <a:endParaRPr lang="cs-CZ" dirty="0"/>
-          </a:p>
-        </p:txBody>
-      </p:sp>
-      <p:pic>
-        <p:nvPicPr>
-          <p:cNvPr id="5" name="Picture 4" descr="Koule tvořená sítí a uzly">
-            <a:extLst>
-              <a:ext uri="{FF2B5EF4-FFF2-40B4-BE49-F238E27FC236}">
-                <a16:creationId xmlns:a16="http://schemas.microsoft.com/office/drawing/2014/main" id="{88E772C4-8D2F-56A5-976F-E08F8C1F29EC}"/>
-              </a:ext>
-            </a:extLst>
-          </p:cNvPr>
-          <p:cNvPicPr>
-            <a:picLocks noChangeAspect="1"/>
-          </p:cNvPicPr>
-          <p:nvPr/>
-        </p:nvPicPr>
-        <p:blipFill rotWithShape="1">
-          <a:blip r:embed="rId3"/>
-          <a:srcRect l="47059" r="16071"/>
-          <a:stretch/>
-        </p:blipFill>
-        <p:spPr>
-          <a:xfrm>
-            <a:off x="8820603" y="10"/>
-            <a:ext cx="3371397" cy="6857990"/>
-          </a:xfrm>
-          <a:prstGeom prst="rect">
-            <a:avLst/>
-          </a:prstGeom>
-          <a:effectLst>
-            <a:innerShdw blurRad="57150" dist="38100" dir="14460000">
-              <a:prstClr val="black">
-                <a:alpha val="70000"/>
-              </a:prstClr>
-            </a:innerShdw>
-          </a:effectLst>
-        </p:spPr>
-      </p:pic>
-      <p:grpSp>
-        <p:nvGrpSpPr>
-          <p:cNvPr id="11" name="Group 10">
-            <a:extLst>
-              <a:ext uri="{FF2B5EF4-FFF2-40B4-BE49-F238E27FC236}">
-                <a16:creationId xmlns:a16="http://schemas.microsoft.com/office/drawing/2014/main" id="{94749DEA-AC6C-4834-A330-03A1796B8929}"/>
-              </a:ext>
-              <a:ext uri="{C183D7F6-B498-43B3-948B-1728B52AA6E4}">
-                <adec:decorative xmlns:adec="http://schemas.microsoft.com/office/drawing/2017/decorative" val="1"/>
-              </a:ext>
-            </a:extLst>
-          </p:cNvPr>
-          <p:cNvGrpSpPr>
-            <a:grpSpLocks noGrp="1" noUngrp="1" noRot="1" noChangeAspect="1" noMove="1" noResize="1"/>
-          </p:cNvGrpSpPr>
-          <p:nvPr>
-            <p:extLst>
-              <p:ext uri="{386F3935-93C4-4BCD-93E2-E3B085C9AB24}">
-                <p16:designElem xmlns:p16="http://schemas.microsoft.com/office/powerpoint/2015/main" val="1"/>
-              </p:ext>
-            </p:extLst>
-          </p:nvPr>
-        </p:nvGrpSpPr>
-        <p:grpSpPr>
-          <a:xfrm>
-            <a:off x="9206969" y="2963333"/>
-            <a:ext cx="2981858" cy="3208867"/>
-            <a:chOff x="9206969" y="2963333"/>
-            <a:chExt cx="2981858" cy="3208867"/>
-          </a:xfrm>
-        </p:grpSpPr>
-        <p:cxnSp>
-          <p:nvCxnSpPr>
-            <p:cNvPr id="12" name="Straight Connector 11">
-              <a:extLst>
-                <a:ext uri="{FF2B5EF4-FFF2-40B4-BE49-F238E27FC236}">
-                  <a16:creationId xmlns:a16="http://schemas.microsoft.com/office/drawing/2014/main" id="{20CBC5D1-BAF0-454E-9D7C-68370AA9545E}"/>
-                </a:ext>
-                <a:ext uri="{C183D7F6-B498-43B3-948B-1728B52AA6E4}">
-                  <adec:decorative xmlns:adec="http://schemas.microsoft.com/office/drawing/2017/decorative" val="1"/>
-                </a:ext>
-              </a:extLst>
-            </p:cNvPr>
-            <p:cNvCxnSpPr/>
-            <p:nvPr>
-              <p:extLst>
-                <p:ext uri="{386F3935-93C4-4BCD-93E2-E3B085C9AB24}">
-                  <p16:designElem xmlns:p16="http://schemas.microsoft.com/office/powerpoint/2015/main" val="1"/>
-                </p:ext>
-              </p:extLst>
-            </p:nvPr>
-          </p:nvCxnSpPr>
-          <p:spPr>
-            <a:xfrm flipH="1">
-              <a:off x="11276012" y="2963333"/>
-              <a:ext cx="912814" cy="912812"/>
-            </a:xfrm>
-            <a:prstGeom prst="line">
-              <a:avLst/>
-            </a:prstGeom>
-            <a:ln w="9525">
-              <a:solidFill>
-                <a:schemeClr val="tx1"/>
-              </a:solidFill>
-            </a:ln>
-          </p:spPr>
-          <p:style>
-            <a:lnRef idx="2">
-              <a:schemeClr val="accent1"/>
-            </a:lnRef>
-            <a:fillRef idx="0">
-              <a:schemeClr val="accent1"/>
-            </a:fillRef>
-            <a:effectRef idx="1">
-              <a:schemeClr val="accent1"/>
-            </a:effectRef>
-            <a:fontRef idx="minor">
-              <a:schemeClr val="tx1"/>
-            </a:fontRef>
-          </p:style>
-        </p:cxnSp>
-        <p:cxnSp>
-          <p:nvCxnSpPr>
-            <p:cNvPr id="13" name="Straight Connector 12">
-              <a:extLst>
-                <a:ext uri="{FF2B5EF4-FFF2-40B4-BE49-F238E27FC236}">
-                  <a16:creationId xmlns:a16="http://schemas.microsoft.com/office/drawing/2014/main" id="{8ABB9F45-32F7-4915-A94F-F1E34B32DEDC}"/>
-                </a:ext>
-                <a:ext uri="{C183D7F6-B498-43B3-948B-1728B52AA6E4}">
-                  <adec:decorative xmlns:adec="http://schemas.microsoft.com/office/drawing/2017/decorative" val="1"/>
-                </a:ext>
-              </a:extLst>
-            </p:cNvPr>
-            <p:cNvCxnSpPr/>
-            <p:nvPr>
-              <p:extLst>
-                <p:ext uri="{386F3935-93C4-4BCD-93E2-E3B085C9AB24}">
-                  <p16:designElem xmlns:p16="http://schemas.microsoft.com/office/powerpoint/2015/main" val="1"/>
-                </p:ext>
-              </p:extLst>
-            </p:nvPr>
-          </p:nvCxnSpPr>
-          <p:spPr>
-            <a:xfrm flipH="1">
-              <a:off x="9206969" y="3190344"/>
-              <a:ext cx="2981857" cy="2981856"/>
-            </a:xfrm>
-            <a:prstGeom prst="line">
-              <a:avLst/>
-            </a:prstGeom>
-            <a:ln w="9525">
-              <a:solidFill>
-                <a:schemeClr val="tx1"/>
-              </a:solidFill>
-            </a:ln>
-          </p:spPr>
-          <p:style>
-            <a:lnRef idx="2">
-              <a:schemeClr val="accent1"/>
-            </a:lnRef>
-            <a:fillRef idx="0">
-              <a:schemeClr val="accent1"/>
-            </a:fillRef>
-            <a:effectRef idx="1">
-              <a:schemeClr val="accent1"/>
-            </a:effectRef>
-            <a:fontRef idx="minor">
-              <a:schemeClr val="tx1"/>
-            </a:fontRef>
-          </p:style>
-        </p:cxnSp>
-        <p:cxnSp>
-          <p:nvCxnSpPr>
-            <p:cNvPr id="14" name="Straight Connector 13">
-              <a:extLst>
-                <a:ext uri="{FF2B5EF4-FFF2-40B4-BE49-F238E27FC236}">
-                  <a16:creationId xmlns:a16="http://schemas.microsoft.com/office/drawing/2014/main" id="{94EA6F09-00FD-4C50-A2DF-D0B1CC4C9AB1}"/>
-                </a:ext>
-                <a:ext uri="{C183D7F6-B498-43B3-948B-1728B52AA6E4}">
-                  <adec:decorative xmlns:adec="http://schemas.microsoft.com/office/drawing/2017/decorative" val="1"/>
-                </a:ext>
-              </a:extLst>
-            </p:cNvPr>
-            <p:cNvCxnSpPr/>
-            <p:nvPr>
-              <p:extLst>
-                <p:ext uri="{386F3935-93C4-4BCD-93E2-E3B085C9AB24}">
-                  <p16:designElem xmlns:p16="http://schemas.microsoft.com/office/powerpoint/2015/main" val="1"/>
-                </p:ext>
-              </p:extLst>
-            </p:nvPr>
-          </p:nvCxnSpPr>
-          <p:spPr>
-            <a:xfrm flipH="1">
-              <a:off x="10292292" y="3285067"/>
-              <a:ext cx="1896534" cy="1896533"/>
-            </a:xfrm>
-            <a:prstGeom prst="line">
-              <a:avLst/>
-            </a:prstGeom>
-            <a:ln w="9525">
-              <a:solidFill>
-                <a:schemeClr val="tx1"/>
-              </a:solidFill>
-            </a:ln>
-          </p:spPr>
-          <p:style>
-            <a:lnRef idx="2">
-              <a:schemeClr val="accent1"/>
-            </a:lnRef>
-            <a:fillRef idx="0">
-              <a:schemeClr val="accent1"/>
-            </a:fillRef>
-            <a:effectRef idx="1">
-              <a:schemeClr val="accent1"/>
-            </a:effectRef>
-            <a:fontRef idx="minor">
-              <a:schemeClr val="tx1"/>
-            </a:fontRef>
-          </p:style>
-        </p:cxnSp>
-        <p:cxnSp>
-          <p:nvCxnSpPr>
-            <p:cNvPr id="15" name="Straight Connector 14">
-              <a:extLst>
-                <a:ext uri="{FF2B5EF4-FFF2-40B4-BE49-F238E27FC236}">
-                  <a16:creationId xmlns:a16="http://schemas.microsoft.com/office/drawing/2014/main" id="{4B8B975B-2618-4734-A401-FAB74519010B}"/>
-                </a:ext>
-                <a:ext uri="{C183D7F6-B498-43B3-948B-1728B52AA6E4}">
-                  <adec:decorative xmlns:adec="http://schemas.microsoft.com/office/drawing/2017/decorative" val="1"/>
-                </a:ext>
-              </a:extLst>
-            </p:cNvPr>
-            <p:cNvCxnSpPr/>
-            <p:nvPr>
-              <p:extLst>
-                <p:ext uri="{386F3935-93C4-4BCD-93E2-E3B085C9AB24}">
-                  <p16:designElem xmlns:p16="http://schemas.microsoft.com/office/powerpoint/2015/main" val="1"/>
-                </p:ext>
-              </p:extLst>
-            </p:nvPr>
-          </p:nvCxnSpPr>
-          <p:spPr>
-            <a:xfrm flipH="1">
-              <a:off x="10443103" y="3131080"/>
-              <a:ext cx="1745722" cy="1745720"/>
-            </a:xfrm>
-            <a:prstGeom prst="line">
-              <a:avLst/>
-            </a:prstGeom>
-            <a:ln w="28575">
-              <a:solidFill>
-                <a:schemeClr val="tx1"/>
-              </a:solidFill>
-            </a:ln>
-          </p:spPr>
-          <p:style>
-            <a:lnRef idx="2">
-              <a:schemeClr val="accent1"/>
-            </a:lnRef>
-            <a:fillRef idx="0">
-              <a:schemeClr val="accent1"/>
-            </a:fillRef>
-            <a:effectRef idx="1">
-              <a:schemeClr val="accent1"/>
-            </a:effectRef>
-            <a:fontRef idx="minor">
-              <a:schemeClr val="tx1"/>
-            </a:fontRef>
-          </p:style>
-        </p:cxnSp>
-        <p:cxnSp>
-          <p:nvCxnSpPr>
-            <p:cNvPr id="16" name="Straight Connector 15">
-              <a:extLst>
-                <a:ext uri="{FF2B5EF4-FFF2-40B4-BE49-F238E27FC236}">
-                  <a16:creationId xmlns:a16="http://schemas.microsoft.com/office/drawing/2014/main" id="{4EF4B123-0577-4F10-986B-6BD86396ABBE}"/>
-                </a:ext>
-                <a:ext uri="{C183D7F6-B498-43B3-948B-1728B52AA6E4}">
-                  <adec:decorative xmlns:adec="http://schemas.microsoft.com/office/drawing/2017/decorative" val="1"/>
-                </a:ext>
-              </a:extLst>
-            </p:cNvPr>
-            <p:cNvCxnSpPr/>
-            <p:nvPr>
-              <p:extLst>
-                <p:ext uri="{386F3935-93C4-4BCD-93E2-E3B085C9AB24}">
-                  <p16:designElem xmlns:p16="http://schemas.microsoft.com/office/powerpoint/2015/main" val="1"/>
-                </p:ext>
-              </p:extLst>
-            </p:nvPr>
-          </p:nvCxnSpPr>
-          <p:spPr>
-            <a:xfrm flipH="1">
-              <a:off x="10918826" y="3683001"/>
-              <a:ext cx="1270001" cy="1269999"/>
-            </a:xfrm>
-            <a:prstGeom prst="line">
-              <a:avLst/>
-            </a:prstGeom>
-            <a:ln w="28575">
-              <a:solidFill>
-                <a:schemeClr val="tx1"/>
-              </a:solidFill>
-            </a:ln>
-          </p:spPr>
-          <p:style>
-            <a:lnRef idx="2">
-              <a:schemeClr val="accent1"/>
-            </a:lnRef>
-            <a:fillRef idx="0">
-              <a:schemeClr val="accent1"/>
-            </a:fillRef>
-            <a:effectRef idx="1">
-              <a:schemeClr val="accent1"/>
-            </a:effectRef>
-            <a:fontRef idx="minor">
-              <a:schemeClr val="tx1"/>
-            </a:fontRef>
-          </p:style>
-        </p:cxnSp>
-      </p:grpSp>
-    </p:spTree>
-    <p:extLst>
-      <p:ext uri="{BB962C8B-B14F-4D97-AF65-F5344CB8AC3E}">
-        <p14:creationId xmlns:p14="http://schemas.microsoft.com/office/powerpoint/2010/main" val="597823284"/>
-      </p:ext>
-    </p:extLst>
-  </p:cSld>
-  <p:clrMapOvr>
-    <a:masterClrMapping/>
-  </p:clrMapOvr>
-</p:sld>
-</file>
-
-<file path=ppt/slides/slide19.xml><?xml version="1.0" encoding="utf-8"?>
 <p:sld xmlns:a="http://schemas.openxmlformats.org/drawingml/2006/main" xmlns:r="http://schemas.openxmlformats.org/officeDocument/2006/relationships" xmlns:p="http://schemas.openxmlformats.org/presentationml/2006/main">
   <p:cSld>
     <p:bg>
@@ -14753,15 +14274,12 @@
             </a:r>
           </a:p>
           <a:p>
-            <a:pPr marL="0" indent="0">
-              <a:buNone/>
-            </a:pPr>
             <a:endParaRPr lang="cs-CZ" sz="2400" dirty="0"/>
           </a:p>
           <a:p>
             <a:r>
               <a:rPr lang="cs-CZ" sz="2400" dirty="0"/>
-              <a:t>Nejlépe propojit i tel. Číslo </a:t>
+              <a:t>Telefonní číslo </a:t>
             </a:r>
           </a:p>
           <a:p>

--- a/Jelinek.pptx
+++ b/Jelinek.pptx
@@ -857,13 +857,23 @@
           <a:bodyPr/>
           <a:lstStyle/>
           <a:p>
-            <a:pPr marL="228600" indent="-228600">
+            <a:pPr marL="0" indent="0">
               <a:buFont typeface="+mj-lt"/>
-              <a:buAutoNum type="arabicPeriod"/>
+              <a:buNone/>
             </a:pPr>
             <a:r>
               <a:rPr lang="cs-CZ" dirty="0"/>
-              <a:t>30 kreditů</a:t>
+              <a:t>2. Nábory, skupiny, kurzy které se chtějí něco dozvědět</a:t>
+            </a:r>
+          </a:p>
+          <a:p>
+            <a:pPr marL="0" indent="0">
+              <a:buFont typeface="+mj-lt"/>
+              <a:buNone/>
+            </a:pPr>
+            <a:r>
+              <a:rPr lang="cs-CZ" dirty="0"/>
+              <a:t> 30 kreditů</a:t>
             </a:r>
           </a:p>
         </p:txBody>
@@ -948,9 +958,9 @@
           <a:bodyPr/>
           <a:lstStyle/>
           <a:p>
-            <a:pPr marL="228600" indent="-228600">
+            <a:pPr marL="0" indent="0">
               <a:buFont typeface="+mj-lt"/>
-              <a:buAutoNum type="arabicPeriod"/>
+              <a:buNone/>
             </a:pPr>
             <a:endParaRPr lang="cs-CZ" dirty="0"/>
           </a:p>
@@ -1153,7 +1163,7 @@
             </a:pPr>
             <a:r>
               <a:rPr lang="cs-CZ" dirty="0"/>
-              <a:t>Pomáhá organizacím a lidem budovat jejich dovednosti, které potřebují. </a:t>
+              <a:t>Doporučené kurzy na základě rolí a toho co chce ten daný člověk dosáhnout.</a:t>
             </a:r>
           </a:p>
           <a:p>
@@ -1163,7 +1173,7 @@
             </a:pPr>
             <a:r>
               <a:rPr lang="cs-CZ" dirty="0"/>
-              <a:t>3.   </a:t>
+              <a:t>2. Identifikace dovedností, které si studenti budují.</a:t>
             </a:r>
           </a:p>
         </p:txBody>
@@ -1901,7 +1911,37 @@
             </a:pPr>
             <a:r>
               <a:rPr lang="cs-CZ" dirty="0"/>
-              <a:t>5 kreditů</a:t>
+              <a:t>Nikdo neuvidí co nebo koho si vyhledáváme </a:t>
+            </a:r>
+          </a:p>
+          <a:p>
+            <a:pPr marL="228600" indent="-228600">
+              <a:buFont typeface="+mj-lt"/>
+              <a:buAutoNum type="arabicPeriod"/>
+            </a:pPr>
+            <a:r>
+              <a:rPr lang="cs-CZ" dirty="0"/>
+              <a:t>O co se zajímají, vzdělání, atd.</a:t>
+            </a:r>
+          </a:p>
+          <a:p>
+            <a:pPr marL="228600" indent="-228600">
+              <a:buFont typeface="+mj-lt"/>
+              <a:buAutoNum type="arabicPeriod"/>
+            </a:pPr>
+            <a:r>
+              <a:rPr lang="cs-CZ" dirty="0"/>
+              <a:t>Pozvánky na nějakou schůzku</a:t>
+            </a:r>
+          </a:p>
+          <a:p>
+            <a:pPr marL="0" indent="0">
+              <a:buFont typeface="+mj-lt"/>
+              <a:buNone/>
+            </a:pPr>
+            <a:r>
+              <a:rPr lang="cs-CZ" dirty="0"/>
+              <a:t>5K</a:t>
             </a:r>
           </a:p>
         </p:txBody>
@@ -2078,10 +2118,7 @@
               <a:buFont typeface="+mj-lt"/>
               <a:buAutoNum type="arabicPeriod"/>
             </a:pPr>
-            <a:r>
-              <a:rPr lang="cs-CZ" dirty="0"/>
-              <a:t>15 kreditů</a:t>
-            </a:r>
+            <a:endParaRPr lang="cs-CZ" dirty="0"/>
           </a:p>
         </p:txBody>
       </p:sp>
@@ -2165,13 +2202,13 @@
           <a:bodyPr/>
           <a:lstStyle/>
           <a:p>
-            <a:pPr marL="228600" indent="-228600">
+            <a:pPr marL="0" indent="0">
               <a:buFont typeface="+mj-lt"/>
-              <a:buAutoNum type="arabicPeriod"/>
+              <a:buNone/>
             </a:pPr>
             <a:r>
               <a:rPr lang="cs-CZ" dirty="0"/>
-              <a:t>50 kreditů</a:t>
+              <a:t>50K</a:t>
             </a:r>
           </a:p>
         </p:txBody>
@@ -2256,11 +2293,24 @@
           <a:bodyPr/>
           <a:lstStyle/>
           <a:p>
-            <a:pPr marL="228600" indent="-228600">
+            <a:pPr marL="0" indent="0">
               <a:buFont typeface="+mj-lt"/>
-              <a:buAutoNum type="arabicPeriod"/>
+              <a:buNone/>
             </a:pPr>
-            <a:endParaRPr lang="cs-CZ" dirty="0"/>
+            <a:r>
+              <a:rPr lang="cs-CZ" dirty="0"/>
+              <a:t>2. Po každé nově přidané informaci na profilu se bude aktualizovat profil.</a:t>
+            </a:r>
+          </a:p>
+          <a:p>
+            <a:pPr marL="0" indent="0">
+              <a:buFont typeface="+mj-lt"/>
+              <a:buNone/>
+            </a:pPr>
+            <a:r>
+              <a:rPr lang="cs-CZ" dirty="0"/>
+              <a:t>2.1 Při každé nové nabídce dostaneme nové upozornění.</a:t>
+            </a:r>
           </a:p>
         </p:txBody>
       </p:sp>
@@ -11393,7 +11443,7 @@
                   <a:schemeClr val="bg1"/>
                 </a:solidFill>
               </a:rPr>
-              <a:t>Inmail kredity</a:t>
+              <a:t>Inmail a kredity</a:t>
             </a:r>
           </a:p>
         </p:txBody>
@@ -11427,9 +11477,24 @@
           <a:lstStyle/>
           <a:p>
             <a:r>
-              <a:rPr lang="cs-CZ" dirty="0"/>
+              <a:rPr lang="cs-CZ" sz="2400" dirty="0"/>
               <a:t>E-mailový systém služby LinkedIn</a:t>
             </a:r>
+          </a:p>
+          <a:p>
+            <a:endParaRPr lang="cs-CZ" sz="2400" dirty="0"/>
+          </a:p>
+          <a:p>
+            <a:r>
+              <a:rPr lang="cs-CZ" sz="2400" dirty="0"/>
+              <a:t>Měna díky které se dají posílat zprávy</a:t>
+            </a:r>
+          </a:p>
+          <a:p>
+            <a:endParaRPr lang="cs-CZ" dirty="0"/>
+          </a:p>
+          <a:p>
+            <a:endParaRPr lang="cs-CZ" dirty="0"/>
           </a:p>
           <a:p>
             <a:endParaRPr lang="cs-CZ" dirty="0"/>
